--- a/Handouts/Lecture 01.pptx
+++ b/Handouts/Lecture 01.pptx
@@ -5,10 +5,10 @@
     <p:sldMasterId id="2147483756" r:id="rId1"/>
   </p:sldMasterIdLst>
   <p:notesMasterIdLst>
-    <p:notesMasterId r:id="rId17"/>
+    <p:notesMasterId r:id="rId16"/>
   </p:notesMasterIdLst>
   <p:handoutMasterIdLst>
-    <p:handoutMasterId r:id="rId18"/>
+    <p:handoutMasterId r:id="rId17"/>
   </p:handoutMasterIdLst>
   <p:sldIdLst>
     <p:sldId id="644" r:id="rId2"/>
@@ -16,16 +16,15 @@
     <p:sldId id="1091" r:id="rId4"/>
     <p:sldId id="1092" r:id="rId5"/>
     <p:sldId id="1093" r:id="rId6"/>
-    <p:sldId id="1090" r:id="rId7"/>
-    <p:sldId id="1067" r:id="rId8"/>
-    <p:sldId id="1068" r:id="rId9"/>
-    <p:sldId id="1082" r:id="rId10"/>
-    <p:sldId id="1083" r:id="rId11"/>
-    <p:sldId id="1084" r:id="rId12"/>
-    <p:sldId id="1085" r:id="rId13"/>
-    <p:sldId id="1086" r:id="rId14"/>
-    <p:sldId id="1087" r:id="rId15"/>
-    <p:sldId id="1088" r:id="rId16"/>
+    <p:sldId id="1067" r:id="rId7"/>
+    <p:sldId id="1068" r:id="rId8"/>
+    <p:sldId id="1082" r:id="rId9"/>
+    <p:sldId id="1083" r:id="rId10"/>
+    <p:sldId id="1084" r:id="rId11"/>
+    <p:sldId id="1085" r:id="rId12"/>
+    <p:sldId id="1086" r:id="rId13"/>
+    <p:sldId id="1087" r:id="rId14"/>
+    <p:sldId id="1088" r:id="rId15"/>
   </p:sldIdLst>
   <p:sldSz cx="9144000" cy="6858000" type="screen4x3"/>
   <p:notesSz cx="6858000" cy="9144000"/>
@@ -238,7 +237,7 @@
             <a:fld id="{566E7F20-A29F-4C2A-9ED5-1CAD82BC0F93}" type="datetimeFigureOut">
               <a:rPr lang="en-US" smtClean="0"/>
               <a:pPr/>
-              <a:t>5/9/2022</a:t>
+              <a:t>5/10/2022</a:t>
             </a:fld>
             <a:endParaRPr lang="en-US"/>
           </a:p>
@@ -406,7 +405,7 @@
             <a:fld id="{E77891BB-24A3-4B1B-998B-3ED10EA61CB6}" type="datetimeFigureOut">
               <a:rPr lang="en-US" smtClean="0"/>
               <a:pPr/>
-              <a:t>5/9/2022</a:t>
+              <a:t>5/10/2022</a:t>
             </a:fld>
             <a:endParaRPr lang="en-US"/>
           </a:p>
@@ -919,7 +918,7 @@
           <a:p>
             <a:fld id="{2F031481-8C60-4676-BFB6-B23966059F11}" type="datetime1">
               <a:rPr lang="en-US" smtClean="0"/>
-              <a:t>5/9/2022</a:t>
+              <a:t>5/10/2022</a:t>
             </a:fld>
             <a:endParaRPr lang="en-US"/>
           </a:p>
@@ -1090,7 +1089,7 @@
           <a:p>
             <a:fld id="{D4364CD2-F53A-4464-9CEA-5D48B00C49C8}" type="datetime1">
               <a:rPr lang="en-US" smtClean="0"/>
-              <a:t>5/9/2022</a:t>
+              <a:t>5/10/2022</a:t>
             </a:fld>
             <a:endParaRPr lang="en-US"/>
           </a:p>
@@ -1271,7 +1270,7 @@
           <a:p>
             <a:fld id="{7D3A5C69-BE33-47E4-A662-F9554770F7DD}" type="datetime1">
               <a:rPr lang="en-US" smtClean="0"/>
-              <a:t>5/9/2022</a:t>
+              <a:t>5/10/2022</a:t>
             </a:fld>
             <a:endParaRPr lang="en-US"/>
           </a:p>
@@ -1442,7 +1441,7 @@
           <a:p>
             <a:fld id="{9A3AFF23-F07F-49AC-AAC7-4CCADDAE6366}" type="datetime1">
               <a:rPr lang="en-US" smtClean="0"/>
-              <a:t>5/9/2022</a:t>
+              <a:t>5/10/2022</a:t>
             </a:fld>
             <a:endParaRPr lang="en-US"/>
           </a:p>
@@ -1689,7 +1688,7 @@
           <a:p>
             <a:fld id="{788AA9FE-0FC2-4F34-9345-4414DCDC0914}" type="datetime1">
               <a:rPr lang="en-US" smtClean="0"/>
-              <a:t>5/9/2022</a:t>
+              <a:t>5/10/2022</a:t>
             </a:fld>
             <a:endParaRPr lang="en-US"/>
           </a:p>
@@ -1978,7 +1977,7 @@
           <a:p>
             <a:fld id="{1C1DCDC7-6ED4-483F-B9D8-F6A5061A9863}" type="datetime1">
               <a:rPr lang="en-US" smtClean="0"/>
-              <a:t>5/9/2022</a:t>
+              <a:t>5/10/2022</a:t>
             </a:fld>
             <a:endParaRPr lang="en-US"/>
           </a:p>
@@ -2401,7 +2400,7 @@
           <a:p>
             <a:fld id="{9B595092-9C7B-4815-86B4-AB62F6264E57}" type="datetime1">
               <a:rPr lang="en-US" smtClean="0"/>
-              <a:t>5/9/2022</a:t>
+              <a:t>5/10/2022</a:t>
             </a:fld>
             <a:endParaRPr lang="en-US"/>
           </a:p>
@@ -2520,7 +2519,7 @@
           <a:p>
             <a:fld id="{341EF18E-DCA4-4CE5-9D6F-C32ADDDEC335}" type="datetime1">
               <a:rPr lang="en-US" smtClean="0"/>
-              <a:t>5/9/2022</a:t>
+              <a:t>5/10/2022</a:t>
             </a:fld>
             <a:endParaRPr lang="en-US"/>
           </a:p>
@@ -2616,7 +2615,7 @@
           <a:p>
             <a:fld id="{5F52282A-8C9C-4459-9DBC-17E1B3598444}" type="datetime1">
               <a:rPr lang="en-US" smtClean="0"/>
-              <a:t>5/9/2022</a:t>
+              <a:t>5/10/2022</a:t>
             </a:fld>
             <a:endParaRPr lang="en-US"/>
           </a:p>
@@ -2894,7 +2893,7 @@
           <a:p>
             <a:fld id="{149306F4-04DC-4043-9B95-7DED79F09F2F}" type="datetime1">
               <a:rPr lang="en-US" smtClean="0"/>
-              <a:t>5/9/2022</a:t>
+              <a:t>5/10/2022</a:t>
             </a:fld>
             <a:endParaRPr lang="en-US"/>
           </a:p>
@@ -3148,7 +3147,7 @@
           <a:p>
             <a:fld id="{71ABE74A-8B9F-4BE3-9C7E-17AA9243B237}" type="datetime1">
               <a:rPr lang="en-US" smtClean="0"/>
-              <a:t>5/9/2022</a:t>
+              <a:t>5/10/2022</a:t>
             </a:fld>
             <a:endParaRPr lang="en-US"/>
           </a:p>
@@ -3362,7 +3361,7 @@
           <a:p>
             <a:fld id="{450F7620-9AAA-4928-93D3-A6CCCB2201A0}" type="datetime1">
               <a:rPr lang="en-US" smtClean="0"/>
-              <a:t>5/9/2022</a:t>
+              <a:t>5/10/2022</a:t>
             </a:fld>
             <a:endParaRPr lang="en-US"/>
           </a:p>
@@ -4041,7 +4040,7 @@
                 <a:ea typeface="Open Sans" panose="020B0606030504020204" pitchFamily="34" charset="0"/>
                 <a:cs typeface="Open Sans" panose="020B0606030504020204" pitchFamily="34" charset="0"/>
               </a:rPr>
-              <a:t>General Introduction</a:t>
+              <a:t>Where This Course Fits?</a:t>
             </a:r>
           </a:p>
         </p:txBody>
@@ -4058,8 +4057,8 @@
         </p:nvSpPr>
         <p:spPr>
           <a:xfrm>
-            <a:off x="633046" y="2209800"/>
-            <a:ext cx="7825154" cy="3210791"/>
+            <a:off x="633046" y="2209801"/>
+            <a:ext cx="7825154" cy="1219200"/>
           </a:xfrm>
           <a:noFill/>
         </p:spPr>
@@ -4079,32 +4078,7 @@
                 <a:ea typeface="Open Sans" panose="020B0606030504020204" pitchFamily="34" charset="0"/>
                 <a:cs typeface="Open Sans" panose="020B0606030504020204" pitchFamily="34" charset="0"/>
               </a:rPr>
-              <a:t>The computational techniques replace the governing differential or integral equations with systems of simultaneous algebraic equations, so that a computer can be used to obtain the solution.</a:t>
-            </a:r>
-          </a:p>
-          <a:p>
-            <a:pPr algn="just">
-              <a:buFont typeface="Wingdings" panose="05000000000000000000" pitchFamily="2" charset="2"/>
-              <a:buChar char="§"/>
-            </a:pPr>
-            <a:endParaRPr lang="en-US" sz="2400" dirty="0">
-              <a:latin typeface="Open Sans" panose="020B0606030504020204" pitchFamily="34" charset="0"/>
-              <a:ea typeface="Open Sans" panose="020B0606030504020204" pitchFamily="34" charset="0"/>
-              <a:cs typeface="Open Sans" panose="020B0606030504020204" pitchFamily="34" charset="0"/>
-            </a:endParaRPr>
-          </a:p>
-          <a:p>
-            <a:pPr algn="just">
-              <a:buFont typeface="Wingdings" panose="05000000000000000000" pitchFamily="2" charset="2"/>
-              <a:buChar char="§"/>
-            </a:pPr>
-            <a:r>
-              <a:rPr lang="en-US" sz="2400" dirty="0">
-                <a:latin typeface="Open Sans" panose="020B0606030504020204" pitchFamily="34" charset="0"/>
-                <a:ea typeface="Open Sans" panose="020B0606030504020204" pitchFamily="34" charset="0"/>
-                <a:cs typeface="Open Sans" panose="020B0606030504020204" pitchFamily="34" charset="0"/>
-              </a:rPr>
-              <a:t>The computational techniques yield approximate values of the unknowns at discrete number of points in the continuum.</a:t>
+              <a:t>The field of Mechanics can be subdivided into 3 major areas:</a:t>
             </a:r>
           </a:p>
           <a:p>
@@ -4266,10 +4240,893 @@
           </a:p>
         </p:txBody>
       </p:sp>
+      <p:grpSp>
+        <p:nvGrpSpPr>
+          <p:cNvPr id="20" name="Group 13">
+            <a:extLst>
+              <a:ext uri="{FF2B5EF4-FFF2-40B4-BE49-F238E27FC236}">
+                <a16:creationId xmlns:a16="http://schemas.microsoft.com/office/drawing/2014/main" id="{0F87B9BB-2DA2-41B6-9445-656A5B3E7B75}"/>
+              </a:ext>
+            </a:extLst>
+          </p:cNvPr>
+          <p:cNvGrpSpPr>
+            <a:grpSpLocks/>
+          </p:cNvGrpSpPr>
+          <p:nvPr/>
+        </p:nvGrpSpPr>
+        <p:grpSpPr bwMode="auto">
+          <a:xfrm>
+            <a:off x="1143000" y="3045656"/>
+            <a:ext cx="5740400" cy="2605808"/>
+            <a:chOff x="737" y="1344"/>
+            <a:chExt cx="3616" cy="1861"/>
+          </a:xfrm>
+        </p:grpSpPr>
+        <p:sp>
+          <p:nvSpPr>
+            <p:cNvPr id="21" name="AutoShape 8">
+              <a:extLst>
+                <a:ext uri="{FF2B5EF4-FFF2-40B4-BE49-F238E27FC236}">
+                  <a16:creationId xmlns:a16="http://schemas.microsoft.com/office/drawing/2014/main" id="{650AB70B-1374-4539-B5C0-272FC8609629}"/>
+                </a:ext>
+              </a:extLst>
+            </p:cNvPr>
+            <p:cNvSpPr>
+              <a:spLocks/>
+            </p:cNvSpPr>
+            <p:nvPr/>
+          </p:nvSpPr>
+          <p:spPr bwMode="auto">
+            <a:xfrm>
+              <a:off x="2176" y="1403"/>
+              <a:ext cx="226" cy="1739"/>
+            </a:xfrm>
+            <a:prstGeom prst="leftBrace">
+              <a:avLst>
+                <a:gd name="adj1" fmla="val 64122"/>
+                <a:gd name="adj2" fmla="val 50000"/>
+              </a:avLst>
+            </a:prstGeom>
+            <a:noFill/>
+            <a:ln w="25400">
+              <a:solidFill>
+                <a:schemeClr val="tx1"/>
+              </a:solidFill>
+              <a:round/>
+              <a:headEnd/>
+              <a:tailEnd/>
+            </a:ln>
+            <a:extLst>
+              <a:ext uri="{909E8E84-426E-40DD-AFC4-6F175D3DCCD1}">
+                <a14:hiddenFill xmlns:a14="http://schemas.microsoft.com/office/drawing/2010/main">
+                  <a:solidFill>
+                    <a:srgbClr val="FFFFFF"/>
+                  </a:solidFill>
+                </a14:hiddenFill>
+              </a:ext>
+            </a:extLst>
+          </p:spPr>
+          <p:txBody>
+            <a:bodyPr wrap="none" anchor="ctr"/>
+            <a:lstStyle>
+              <a:lvl1pPr>
+                <a:defRPr>
+                  <a:solidFill>
+                    <a:schemeClr val="tx1"/>
+                  </a:solidFill>
+                  <a:latin typeface="Verdana" panose="020B0604030504040204" pitchFamily="34" charset="0"/>
+                  <a:ea typeface="ＭＳ Ｐゴシック" panose="020B0600070205080204" pitchFamily="34" charset="-128"/>
+                </a:defRPr>
+              </a:lvl1pPr>
+              <a:lvl2pPr marL="742950" indent="-285750">
+                <a:defRPr>
+                  <a:solidFill>
+                    <a:schemeClr val="tx1"/>
+                  </a:solidFill>
+                  <a:latin typeface="Verdana" panose="020B0604030504040204" pitchFamily="34" charset="0"/>
+                  <a:ea typeface="ＭＳ Ｐゴシック" panose="020B0600070205080204" pitchFamily="34" charset="-128"/>
+                </a:defRPr>
+              </a:lvl2pPr>
+              <a:lvl3pPr marL="1143000" indent="-228600">
+                <a:defRPr>
+                  <a:solidFill>
+                    <a:schemeClr val="tx1"/>
+                  </a:solidFill>
+                  <a:latin typeface="Verdana" panose="020B0604030504040204" pitchFamily="34" charset="0"/>
+                  <a:ea typeface="ＭＳ Ｐゴシック" panose="020B0600070205080204" pitchFamily="34" charset="-128"/>
+                </a:defRPr>
+              </a:lvl3pPr>
+              <a:lvl4pPr marL="1600200" indent="-228600">
+                <a:defRPr>
+                  <a:solidFill>
+                    <a:schemeClr val="tx1"/>
+                  </a:solidFill>
+                  <a:latin typeface="Verdana" panose="020B0604030504040204" pitchFamily="34" charset="0"/>
+                  <a:ea typeface="ＭＳ Ｐゴシック" panose="020B0600070205080204" pitchFamily="34" charset="-128"/>
+                </a:defRPr>
+              </a:lvl4pPr>
+              <a:lvl5pPr marL="2057400" indent="-228600">
+                <a:defRPr>
+                  <a:solidFill>
+                    <a:schemeClr val="tx1"/>
+                  </a:solidFill>
+                  <a:latin typeface="Verdana" panose="020B0604030504040204" pitchFamily="34" charset="0"/>
+                  <a:ea typeface="ＭＳ Ｐゴシック" panose="020B0600070205080204" pitchFamily="34" charset="-128"/>
+                </a:defRPr>
+              </a:lvl5pPr>
+              <a:lvl6pPr marL="2514600" indent="-228600" eaLnBrk="0" fontAlgn="base" hangingPunct="0">
+                <a:spcBef>
+                  <a:spcPct val="0"/>
+                </a:spcBef>
+                <a:spcAft>
+                  <a:spcPct val="0"/>
+                </a:spcAft>
+                <a:defRPr>
+                  <a:solidFill>
+                    <a:schemeClr val="tx1"/>
+                  </a:solidFill>
+                  <a:latin typeface="Verdana" panose="020B0604030504040204" pitchFamily="34" charset="0"/>
+                  <a:ea typeface="ＭＳ Ｐゴシック" panose="020B0600070205080204" pitchFamily="34" charset="-128"/>
+                </a:defRPr>
+              </a:lvl6pPr>
+              <a:lvl7pPr marL="2971800" indent="-228600" eaLnBrk="0" fontAlgn="base" hangingPunct="0">
+                <a:spcBef>
+                  <a:spcPct val="0"/>
+                </a:spcBef>
+                <a:spcAft>
+                  <a:spcPct val="0"/>
+                </a:spcAft>
+                <a:defRPr>
+                  <a:solidFill>
+                    <a:schemeClr val="tx1"/>
+                  </a:solidFill>
+                  <a:latin typeface="Verdana" panose="020B0604030504040204" pitchFamily="34" charset="0"/>
+                  <a:ea typeface="ＭＳ Ｐゴシック" panose="020B0600070205080204" pitchFamily="34" charset="-128"/>
+                </a:defRPr>
+              </a:lvl7pPr>
+              <a:lvl8pPr marL="3429000" indent="-228600" eaLnBrk="0" fontAlgn="base" hangingPunct="0">
+                <a:spcBef>
+                  <a:spcPct val="0"/>
+                </a:spcBef>
+                <a:spcAft>
+                  <a:spcPct val="0"/>
+                </a:spcAft>
+                <a:defRPr>
+                  <a:solidFill>
+                    <a:schemeClr val="tx1"/>
+                  </a:solidFill>
+                  <a:latin typeface="Verdana" panose="020B0604030504040204" pitchFamily="34" charset="0"/>
+                  <a:ea typeface="ＭＳ Ｐゴシック" panose="020B0600070205080204" pitchFamily="34" charset="-128"/>
+                </a:defRPr>
+              </a:lvl8pPr>
+              <a:lvl9pPr marL="3886200" indent="-228600" eaLnBrk="0" fontAlgn="base" hangingPunct="0">
+                <a:spcBef>
+                  <a:spcPct val="0"/>
+                </a:spcBef>
+                <a:spcAft>
+                  <a:spcPct val="0"/>
+                </a:spcAft>
+                <a:defRPr>
+                  <a:solidFill>
+                    <a:schemeClr val="tx1"/>
+                  </a:solidFill>
+                  <a:latin typeface="Verdana" panose="020B0604030504040204" pitchFamily="34" charset="0"/>
+                  <a:ea typeface="ＭＳ Ｐゴシック" panose="020B0600070205080204" pitchFamily="34" charset="-128"/>
+                </a:defRPr>
+              </a:lvl9pPr>
+            </a:lstStyle>
+            <a:p>
+              <a:endParaRPr lang="ja-JP" altLang="en-US"/>
+            </a:p>
+          </p:txBody>
+        </p:sp>
+        <p:sp>
+          <p:nvSpPr>
+            <p:cNvPr id="22" name="Text Box 9">
+              <a:extLst>
+                <a:ext uri="{FF2B5EF4-FFF2-40B4-BE49-F238E27FC236}">
+                  <a16:creationId xmlns:a16="http://schemas.microsoft.com/office/drawing/2014/main" id="{0C7D6CE6-E2EF-4F7A-8AC1-2EEC3057DA5F}"/>
+                </a:ext>
+              </a:extLst>
+            </p:cNvPr>
+            <p:cNvSpPr txBox="1">
+              <a:spLocks noChangeArrowheads="1"/>
+            </p:cNvSpPr>
+            <p:nvPr/>
+          </p:nvSpPr>
+          <p:spPr bwMode="auto">
+            <a:xfrm>
+              <a:off x="737" y="2096"/>
+              <a:ext cx="1428" cy="374"/>
+            </a:xfrm>
+            <a:prstGeom prst="rect">
+              <a:avLst/>
+            </a:prstGeom>
+            <a:noFill/>
+            <a:ln>
+              <a:noFill/>
+            </a:ln>
+            <a:extLst>
+              <a:ext uri="{909E8E84-426E-40DD-AFC4-6F175D3DCCD1}">
+                <a14:hiddenFill xmlns:a14="http://schemas.microsoft.com/office/drawing/2010/main">
+                  <a:solidFill>
+                    <a:srgbClr val="FFFFFF"/>
+                  </a:solidFill>
+                </a14:hiddenFill>
+              </a:ext>
+              <a:ext uri="{91240B29-F687-4F45-9708-019B960494DF}">
+                <a14:hiddenLine xmlns:a14="http://schemas.microsoft.com/office/drawing/2010/main" w="9525">
+                  <a:solidFill>
+                    <a:srgbClr val="000000"/>
+                  </a:solidFill>
+                  <a:miter lim="800000"/>
+                  <a:headEnd/>
+                  <a:tailEnd/>
+                </a14:hiddenLine>
+              </a:ext>
+            </a:extLst>
+          </p:spPr>
+          <p:txBody>
+            <a:bodyPr>
+              <a:spAutoFit/>
+            </a:bodyPr>
+            <a:lstStyle>
+              <a:lvl1pPr>
+                <a:defRPr>
+                  <a:solidFill>
+                    <a:schemeClr val="tx1"/>
+                  </a:solidFill>
+                  <a:latin typeface="Verdana" panose="020B0604030504040204" pitchFamily="34" charset="0"/>
+                  <a:ea typeface="ＭＳ Ｐゴシック" panose="020B0600070205080204" pitchFamily="34" charset="-128"/>
+                </a:defRPr>
+              </a:lvl1pPr>
+              <a:lvl2pPr marL="742950" indent="-285750">
+                <a:defRPr>
+                  <a:solidFill>
+                    <a:schemeClr val="tx1"/>
+                  </a:solidFill>
+                  <a:latin typeface="Verdana" panose="020B0604030504040204" pitchFamily="34" charset="0"/>
+                  <a:ea typeface="ＭＳ Ｐゴシック" panose="020B0600070205080204" pitchFamily="34" charset="-128"/>
+                </a:defRPr>
+              </a:lvl2pPr>
+              <a:lvl3pPr marL="1143000" indent="-228600">
+                <a:defRPr>
+                  <a:solidFill>
+                    <a:schemeClr val="tx1"/>
+                  </a:solidFill>
+                  <a:latin typeface="Verdana" panose="020B0604030504040204" pitchFamily="34" charset="0"/>
+                  <a:ea typeface="ＭＳ Ｐゴシック" panose="020B0600070205080204" pitchFamily="34" charset="-128"/>
+                </a:defRPr>
+              </a:lvl3pPr>
+              <a:lvl4pPr marL="1600200" indent="-228600">
+                <a:defRPr>
+                  <a:solidFill>
+                    <a:schemeClr val="tx1"/>
+                  </a:solidFill>
+                  <a:latin typeface="Verdana" panose="020B0604030504040204" pitchFamily="34" charset="0"/>
+                  <a:ea typeface="ＭＳ Ｐゴシック" panose="020B0600070205080204" pitchFamily="34" charset="-128"/>
+                </a:defRPr>
+              </a:lvl4pPr>
+              <a:lvl5pPr marL="2057400" indent="-228600">
+                <a:defRPr>
+                  <a:solidFill>
+                    <a:schemeClr val="tx1"/>
+                  </a:solidFill>
+                  <a:latin typeface="Verdana" panose="020B0604030504040204" pitchFamily="34" charset="0"/>
+                  <a:ea typeface="ＭＳ Ｐゴシック" panose="020B0600070205080204" pitchFamily="34" charset="-128"/>
+                </a:defRPr>
+              </a:lvl5pPr>
+              <a:lvl6pPr marL="2514600" indent="-228600" eaLnBrk="0" fontAlgn="base" hangingPunct="0">
+                <a:spcBef>
+                  <a:spcPct val="0"/>
+                </a:spcBef>
+                <a:spcAft>
+                  <a:spcPct val="0"/>
+                </a:spcAft>
+                <a:defRPr>
+                  <a:solidFill>
+                    <a:schemeClr val="tx1"/>
+                  </a:solidFill>
+                  <a:latin typeface="Verdana" panose="020B0604030504040204" pitchFamily="34" charset="0"/>
+                  <a:ea typeface="ＭＳ Ｐゴシック" panose="020B0600070205080204" pitchFamily="34" charset="-128"/>
+                </a:defRPr>
+              </a:lvl6pPr>
+              <a:lvl7pPr marL="2971800" indent="-228600" eaLnBrk="0" fontAlgn="base" hangingPunct="0">
+                <a:spcBef>
+                  <a:spcPct val="0"/>
+                </a:spcBef>
+                <a:spcAft>
+                  <a:spcPct val="0"/>
+                </a:spcAft>
+                <a:defRPr>
+                  <a:solidFill>
+                    <a:schemeClr val="tx1"/>
+                  </a:solidFill>
+                  <a:latin typeface="Verdana" panose="020B0604030504040204" pitchFamily="34" charset="0"/>
+                  <a:ea typeface="ＭＳ Ｐゴシック" panose="020B0600070205080204" pitchFamily="34" charset="-128"/>
+                </a:defRPr>
+              </a:lvl7pPr>
+              <a:lvl8pPr marL="3429000" indent="-228600" eaLnBrk="0" fontAlgn="base" hangingPunct="0">
+                <a:spcBef>
+                  <a:spcPct val="0"/>
+                </a:spcBef>
+                <a:spcAft>
+                  <a:spcPct val="0"/>
+                </a:spcAft>
+                <a:defRPr>
+                  <a:solidFill>
+                    <a:schemeClr val="tx1"/>
+                  </a:solidFill>
+                  <a:latin typeface="Verdana" panose="020B0604030504040204" pitchFamily="34" charset="0"/>
+                  <a:ea typeface="ＭＳ Ｐゴシック" panose="020B0600070205080204" pitchFamily="34" charset="-128"/>
+                </a:defRPr>
+              </a:lvl8pPr>
+              <a:lvl9pPr marL="3886200" indent="-228600" eaLnBrk="0" fontAlgn="base" hangingPunct="0">
+                <a:spcBef>
+                  <a:spcPct val="0"/>
+                </a:spcBef>
+                <a:spcAft>
+                  <a:spcPct val="0"/>
+                </a:spcAft>
+                <a:defRPr>
+                  <a:solidFill>
+                    <a:schemeClr val="tx1"/>
+                  </a:solidFill>
+                  <a:latin typeface="Verdana" panose="020B0604030504040204" pitchFamily="34" charset="0"/>
+                  <a:ea typeface="ＭＳ Ｐゴシック" panose="020B0600070205080204" pitchFamily="34" charset="-128"/>
+                </a:defRPr>
+              </a:lvl9pPr>
+            </a:lstStyle>
+            <a:p>
+              <a:pPr eaLnBrk="1" hangingPunct="1">
+                <a:spcBef>
+                  <a:spcPct val="50000"/>
+                </a:spcBef>
+              </a:pPr>
+              <a:r>
+                <a:rPr lang="en-US" altLang="ja-JP" sz="2800" dirty="0">
+                  <a:latin typeface="Open Sans" panose="020B0606030504020204" pitchFamily="34" charset="0"/>
+                  <a:ea typeface="Open Sans" panose="020B0606030504020204" pitchFamily="34" charset="0"/>
+                  <a:cs typeface="Open Sans" panose="020B0606030504020204" pitchFamily="34" charset="0"/>
+                </a:rPr>
+                <a:t>Mechanics</a:t>
+              </a:r>
+            </a:p>
+          </p:txBody>
+        </p:sp>
+        <p:sp>
+          <p:nvSpPr>
+            <p:cNvPr id="23" name="Text Box 10">
+              <a:extLst>
+                <a:ext uri="{FF2B5EF4-FFF2-40B4-BE49-F238E27FC236}">
+                  <a16:creationId xmlns:a16="http://schemas.microsoft.com/office/drawing/2014/main" id="{92ED2EB6-6711-4291-9394-4F0AD73EDD88}"/>
+                </a:ext>
+              </a:extLst>
+            </p:cNvPr>
+            <p:cNvSpPr txBox="1">
+              <a:spLocks noChangeArrowheads="1"/>
+            </p:cNvSpPr>
+            <p:nvPr/>
+          </p:nvSpPr>
+          <p:spPr bwMode="auto">
+            <a:xfrm>
+              <a:off x="2359" y="1344"/>
+              <a:ext cx="1540" cy="374"/>
+            </a:xfrm>
+            <a:prstGeom prst="rect">
+              <a:avLst/>
+            </a:prstGeom>
+            <a:noFill/>
+            <a:ln>
+              <a:noFill/>
+            </a:ln>
+            <a:extLst>
+              <a:ext uri="{909E8E84-426E-40DD-AFC4-6F175D3DCCD1}">
+                <a14:hiddenFill xmlns:a14="http://schemas.microsoft.com/office/drawing/2010/main">
+                  <a:solidFill>
+                    <a:srgbClr val="FFFFFF"/>
+                  </a:solidFill>
+                </a14:hiddenFill>
+              </a:ext>
+              <a:ext uri="{91240B29-F687-4F45-9708-019B960494DF}">
+                <a14:hiddenLine xmlns:a14="http://schemas.microsoft.com/office/drawing/2010/main" w="9525">
+                  <a:solidFill>
+                    <a:srgbClr val="000000"/>
+                  </a:solidFill>
+                  <a:miter lim="800000"/>
+                  <a:headEnd/>
+                  <a:tailEnd/>
+                </a14:hiddenLine>
+              </a:ext>
+            </a:extLst>
+          </p:spPr>
+          <p:txBody>
+            <a:bodyPr>
+              <a:spAutoFit/>
+            </a:bodyPr>
+            <a:lstStyle>
+              <a:lvl1pPr>
+                <a:defRPr>
+                  <a:solidFill>
+                    <a:schemeClr val="tx1"/>
+                  </a:solidFill>
+                  <a:latin typeface="Verdana" panose="020B0604030504040204" pitchFamily="34" charset="0"/>
+                  <a:ea typeface="ＭＳ Ｐゴシック" panose="020B0600070205080204" pitchFamily="34" charset="-128"/>
+                </a:defRPr>
+              </a:lvl1pPr>
+              <a:lvl2pPr marL="742950" indent="-285750">
+                <a:defRPr>
+                  <a:solidFill>
+                    <a:schemeClr val="tx1"/>
+                  </a:solidFill>
+                  <a:latin typeface="Verdana" panose="020B0604030504040204" pitchFamily="34" charset="0"/>
+                  <a:ea typeface="ＭＳ Ｐゴシック" panose="020B0600070205080204" pitchFamily="34" charset="-128"/>
+                </a:defRPr>
+              </a:lvl2pPr>
+              <a:lvl3pPr marL="1143000" indent="-228600">
+                <a:defRPr>
+                  <a:solidFill>
+                    <a:schemeClr val="tx1"/>
+                  </a:solidFill>
+                  <a:latin typeface="Verdana" panose="020B0604030504040204" pitchFamily="34" charset="0"/>
+                  <a:ea typeface="ＭＳ Ｐゴシック" panose="020B0600070205080204" pitchFamily="34" charset="-128"/>
+                </a:defRPr>
+              </a:lvl3pPr>
+              <a:lvl4pPr marL="1600200" indent="-228600">
+                <a:defRPr>
+                  <a:solidFill>
+                    <a:schemeClr val="tx1"/>
+                  </a:solidFill>
+                  <a:latin typeface="Verdana" panose="020B0604030504040204" pitchFamily="34" charset="0"/>
+                  <a:ea typeface="ＭＳ Ｐゴシック" panose="020B0600070205080204" pitchFamily="34" charset="-128"/>
+                </a:defRPr>
+              </a:lvl4pPr>
+              <a:lvl5pPr marL="2057400" indent="-228600">
+                <a:defRPr>
+                  <a:solidFill>
+                    <a:schemeClr val="tx1"/>
+                  </a:solidFill>
+                  <a:latin typeface="Verdana" panose="020B0604030504040204" pitchFamily="34" charset="0"/>
+                  <a:ea typeface="ＭＳ Ｐゴシック" panose="020B0600070205080204" pitchFamily="34" charset="-128"/>
+                </a:defRPr>
+              </a:lvl5pPr>
+              <a:lvl6pPr marL="2514600" indent="-228600" eaLnBrk="0" fontAlgn="base" hangingPunct="0">
+                <a:spcBef>
+                  <a:spcPct val="0"/>
+                </a:spcBef>
+                <a:spcAft>
+                  <a:spcPct val="0"/>
+                </a:spcAft>
+                <a:defRPr>
+                  <a:solidFill>
+                    <a:schemeClr val="tx1"/>
+                  </a:solidFill>
+                  <a:latin typeface="Verdana" panose="020B0604030504040204" pitchFamily="34" charset="0"/>
+                  <a:ea typeface="ＭＳ Ｐゴシック" panose="020B0600070205080204" pitchFamily="34" charset="-128"/>
+                </a:defRPr>
+              </a:lvl6pPr>
+              <a:lvl7pPr marL="2971800" indent="-228600" eaLnBrk="0" fontAlgn="base" hangingPunct="0">
+                <a:spcBef>
+                  <a:spcPct val="0"/>
+                </a:spcBef>
+                <a:spcAft>
+                  <a:spcPct val="0"/>
+                </a:spcAft>
+                <a:defRPr>
+                  <a:solidFill>
+                    <a:schemeClr val="tx1"/>
+                  </a:solidFill>
+                  <a:latin typeface="Verdana" panose="020B0604030504040204" pitchFamily="34" charset="0"/>
+                  <a:ea typeface="ＭＳ Ｐゴシック" panose="020B0600070205080204" pitchFamily="34" charset="-128"/>
+                </a:defRPr>
+              </a:lvl7pPr>
+              <a:lvl8pPr marL="3429000" indent="-228600" eaLnBrk="0" fontAlgn="base" hangingPunct="0">
+                <a:spcBef>
+                  <a:spcPct val="0"/>
+                </a:spcBef>
+                <a:spcAft>
+                  <a:spcPct val="0"/>
+                </a:spcAft>
+                <a:defRPr>
+                  <a:solidFill>
+                    <a:schemeClr val="tx1"/>
+                  </a:solidFill>
+                  <a:latin typeface="Verdana" panose="020B0604030504040204" pitchFamily="34" charset="0"/>
+                  <a:ea typeface="ＭＳ Ｐゴシック" panose="020B0600070205080204" pitchFamily="34" charset="-128"/>
+                </a:defRPr>
+              </a:lvl8pPr>
+              <a:lvl9pPr marL="3886200" indent="-228600" eaLnBrk="0" fontAlgn="base" hangingPunct="0">
+                <a:spcBef>
+                  <a:spcPct val="0"/>
+                </a:spcBef>
+                <a:spcAft>
+                  <a:spcPct val="0"/>
+                </a:spcAft>
+                <a:defRPr>
+                  <a:solidFill>
+                    <a:schemeClr val="tx1"/>
+                  </a:solidFill>
+                  <a:latin typeface="Verdana" panose="020B0604030504040204" pitchFamily="34" charset="0"/>
+                  <a:ea typeface="ＭＳ Ｐゴシック" panose="020B0600070205080204" pitchFamily="34" charset="-128"/>
+                </a:defRPr>
+              </a:lvl9pPr>
+            </a:lstStyle>
+            <a:p>
+              <a:pPr eaLnBrk="1" hangingPunct="1">
+                <a:spcBef>
+                  <a:spcPct val="50000"/>
+                </a:spcBef>
+              </a:pPr>
+              <a:r>
+                <a:rPr lang="en-US" altLang="ja-JP" sz="2800" dirty="0">
+                  <a:latin typeface="Open Sans" panose="020B0606030504020204" pitchFamily="34" charset="0"/>
+                  <a:ea typeface="Open Sans" panose="020B0606030504020204" pitchFamily="34" charset="0"/>
+                  <a:cs typeface="Open Sans" panose="020B0606030504020204" pitchFamily="34" charset="0"/>
+                </a:rPr>
+                <a:t>Theoretical</a:t>
+              </a:r>
+            </a:p>
+          </p:txBody>
+        </p:sp>
+        <p:sp>
+          <p:nvSpPr>
+            <p:cNvPr id="24" name="Text Box 11">
+              <a:extLst>
+                <a:ext uri="{FF2B5EF4-FFF2-40B4-BE49-F238E27FC236}">
+                  <a16:creationId xmlns:a16="http://schemas.microsoft.com/office/drawing/2014/main" id="{54AFDEF6-59DF-48F6-8F47-E4D3732FD090}"/>
+                </a:ext>
+              </a:extLst>
+            </p:cNvPr>
+            <p:cNvSpPr txBox="1">
+              <a:spLocks noChangeArrowheads="1"/>
+            </p:cNvSpPr>
+            <p:nvPr/>
+          </p:nvSpPr>
+          <p:spPr bwMode="auto">
+            <a:xfrm>
+              <a:off x="2359" y="2119"/>
+              <a:ext cx="1132" cy="374"/>
+            </a:xfrm>
+            <a:prstGeom prst="rect">
+              <a:avLst/>
+            </a:prstGeom>
+            <a:noFill/>
+            <a:ln>
+              <a:noFill/>
+            </a:ln>
+            <a:extLst>
+              <a:ext uri="{909E8E84-426E-40DD-AFC4-6F175D3DCCD1}">
+                <a14:hiddenFill xmlns:a14="http://schemas.microsoft.com/office/drawing/2010/main">
+                  <a:solidFill>
+                    <a:srgbClr val="FFFFFF"/>
+                  </a:solidFill>
+                </a14:hiddenFill>
+              </a:ext>
+              <a:ext uri="{91240B29-F687-4F45-9708-019B960494DF}">
+                <a14:hiddenLine xmlns:a14="http://schemas.microsoft.com/office/drawing/2010/main" w="9525">
+                  <a:solidFill>
+                    <a:srgbClr val="000000"/>
+                  </a:solidFill>
+                  <a:miter lim="800000"/>
+                  <a:headEnd/>
+                  <a:tailEnd/>
+                </a14:hiddenLine>
+              </a:ext>
+            </a:extLst>
+          </p:spPr>
+          <p:txBody>
+            <a:bodyPr>
+              <a:spAutoFit/>
+            </a:bodyPr>
+            <a:lstStyle>
+              <a:lvl1pPr>
+                <a:defRPr>
+                  <a:solidFill>
+                    <a:schemeClr val="tx1"/>
+                  </a:solidFill>
+                  <a:latin typeface="Verdana" panose="020B0604030504040204" pitchFamily="34" charset="0"/>
+                  <a:ea typeface="ＭＳ Ｐゴシック" panose="020B0600070205080204" pitchFamily="34" charset="-128"/>
+                </a:defRPr>
+              </a:lvl1pPr>
+              <a:lvl2pPr marL="742950" indent="-285750">
+                <a:defRPr>
+                  <a:solidFill>
+                    <a:schemeClr val="tx1"/>
+                  </a:solidFill>
+                  <a:latin typeface="Verdana" panose="020B0604030504040204" pitchFamily="34" charset="0"/>
+                  <a:ea typeface="ＭＳ Ｐゴシック" panose="020B0600070205080204" pitchFamily="34" charset="-128"/>
+                </a:defRPr>
+              </a:lvl2pPr>
+              <a:lvl3pPr marL="1143000" indent="-228600">
+                <a:defRPr>
+                  <a:solidFill>
+                    <a:schemeClr val="tx1"/>
+                  </a:solidFill>
+                  <a:latin typeface="Verdana" panose="020B0604030504040204" pitchFamily="34" charset="0"/>
+                  <a:ea typeface="ＭＳ Ｐゴシック" panose="020B0600070205080204" pitchFamily="34" charset="-128"/>
+                </a:defRPr>
+              </a:lvl3pPr>
+              <a:lvl4pPr marL="1600200" indent="-228600">
+                <a:defRPr>
+                  <a:solidFill>
+                    <a:schemeClr val="tx1"/>
+                  </a:solidFill>
+                  <a:latin typeface="Verdana" panose="020B0604030504040204" pitchFamily="34" charset="0"/>
+                  <a:ea typeface="ＭＳ Ｐゴシック" panose="020B0600070205080204" pitchFamily="34" charset="-128"/>
+                </a:defRPr>
+              </a:lvl4pPr>
+              <a:lvl5pPr marL="2057400" indent="-228600">
+                <a:defRPr>
+                  <a:solidFill>
+                    <a:schemeClr val="tx1"/>
+                  </a:solidFill>
+                  <a:latin typeface="Verdana" panose="020B0604030504040204" pitchFamily="34" charset="0"/>
+                  <a:ea typeface="ＭＳ Ｐゴシック" panose="020B0600070205080204" pitchFamily="34" charset="-128"/>
+                </a:defRPr>
+              </a:lvl5pPr>
+              <a:lvl6pPr marL="2514600" indent="-228600" eaLnBrk="0" fontAlgn="base" hangingPunct="0">
+                <a:spcBef>
+                  <a:spcPct val="0"/>
+                </a:spcBef>
+                <a:spcAft>
+                  <a:spcPct val="0"/>
+                </a:spcAft>
+                <a:defRPr>
+                  <a:solidFill>
+                    <a:schemeClr val="tx1"/>
+                  </a:solidFill>
+                  <a:latin typeface="Verdana" panose="020B0604030504040204" pitchFamily="34" charset="0"/>
+                  <a:ea typeface="ＭＳ Ｐゴシック" panose="020B0600070205080204" pitchFamily="34" charset="-128"/>
+                </a:defRPr>
+              </a:lvl6pPr>
+              <a:lvl7pPr marL="2971800" indent="-228600" eaLnBrk="0" fontAlgn="base" hangingPunct="0">
+                <a:spcBef>
+                  <a:spcPct val="0"/>
+                </a:spcBef>
+                <a:spcAft>
+                  <a:spcPct val="0"/>
+                </a:spcAft>
+                <a:defRPr>
+                  <a:solidFill>
+                    <a:schemeClr val="tx1"/>
+                  </a:solidFill>
+                  <a:latin typeface="Verdana" panose="020B0604030504040204" pitchFamily="34" charset="0"/>
+                  <a:ea typeface="ＭＳ Ｐゴシック" panose="020B0600070205080204" pitchFamily="34" charset="-128"/>
+                </a:defRPr>
+              </a:lvl7pPr>
+              <a:lvl8pPr marL="3429000" indent="-228600" eaLnBrk="0" fontAlgn="base" hangingPunct="0">
+                <a:spcBef>
+                  <a:spcPct val="0"/>
+                </a:spcBef>
+                <a:spcAft>
+                  <a:spcPct val="0"/>
+                </a:spcAft>
+                <a:defRPr>
+                  <a:solidFill>
+                    <a:schemeClr val="tx1"/>
+                  </a:solidFill>
+                  <a:latin typeface="Verdana" panose="020B0604030504040204" pitchFamily="34" charset="0"/>
+                  <a:ea typeface="ＭＳ Ｐゴシック" panose="020B0600070205080204" pitchFamily="34" charset="-128"/>
+                </a:defRPr>
+              </a:lvl8pPr>
+              <a:lvl9pPr marL="3886200" indent="-228600" eaLnBrk="0" fontAlgn="base" hangingPunct="0">
+                <a:spcBef>
+                  <a:spcPct val="0"/>
+                </a:spcBef>
+                <a:spcAft>
+                  <a:spcPct val="0"/>
+                </a:spcAft>
+                <a:defRPr>
+                  <a:solidFill>
+                    <a:schemeClr val="tx1"/>
+                  </a:solidFill>
+                  <a:latin typeface="Verdana" panose="020B0604030504040204" pitchFamily="34" charset="0"/>
+                  <a:ea typeface="ＭＳ Ｐゴシック" panose="020B0600070205080204" pitchFamily="34" charset="-128"/>
+                </a:defRPr>
+              </a:lvl9pPr>
+            </a:lstStyle>
+            <a:p>
+              <a:pPr>
+                <a:spcBef>
+                  <a:spcPct val="50000"/>
+                </a:spcBef>
+              </a:pPr>
+              <a:r>
+                <a:rPr lang="en-US" altLang="ja-JP" sz="2800" dirty="0">
+                  <a:latin typeface="Open Sans" panose="020B0606030504020204" pitchFamily="34" charset="0"/>
+                  <a:ea typeface="Open Sans" panose="020B0606030504020204" pitchFamily="34" charset="0"/>
+                  <a:cs typeface="Open Sans" panose="020B0606030504020204" pitchFamily="34" charset="0"/>
+                </a:rPr>
+                <a:t>Applied</a:t>
+              </a:r>
+            </a:p>
+          </p:txBody>
+        </p:sp>
+        <p:sp>
+          <p:nvSpPr>
+            <p:cNvPr id="25" name="Text Box 12">
+              <a:extLst>
+                <a:ext uri="{FF2B5EF4-FFF2-40B4-BE49-F238E27FC236}">
+                  <a16:creationId xmlns:a16="http://schemas.microsoft.com/office/drawing/2014/main" id="{8BF2225B-919C-437D-91AF-B6C67E5D3052}"/>
+                </a:ext>
+              </a:extLst>
+            </p:cNvPr>
+            <p:cNvSpPr txBox="1">
+              <a:spLocks noChangeArrowheads="1"/>
+            </p:cNvSpPr>
+            <p:nvPr/>
+          </p:nvSpPr>
+          <p:spPr bwMode="auto">
+            <a:xfrm>
+              <a:off x="2367" y="2831"/>
+              <a:ext cx="1986" cy="374"/>
+            </a:xfrm>
+            <a:prstGeom prst="rect">
+              <a:avLst/>
+            </a:prstGeom>
+            <a:noFill/>
+            <a:ln>
+              <a:noFill/>
+            </a:ln>
+            <a:extLst>
+              <a:ext uri="{909E8E84-426E-40DD-AFC4-6F175D3DCCD1}">
+                <a14:hiddenFill xmlns:a14="http://schemas.microsoft.com/office/drawing/2010/main">
+                  <a:solidFill>
+                    <a:srgbClr val="FFFFFF"/>
+                  </a:solidFill>
+                </a14:hiddenFill>
+              </a:ext>
+              <a:ext uri="{91240B29-F687-4F45-9708-019B960494DF}">
+                <a14:hiddenLine xmlns:a14="http://schemas.microsoft.com/office/drawing/2010/main" w="9525" algn="ctr">
+                  <a:solidFill>
+                    <a:srgbClr val="000000"/>
+                  </a:solidFill>
+                  <a:miter lim="800000"/>
+                  <a:headEnd/>
+                  <a:tailEnd/>
+                </a14:hiddenLine>
+              </a:ext>
+            </a:extLst>
+          </p:spPr>
+          <p:txBody>
+            <a:bodyPr>
+              <a:spAutoFit/>
+            </a:bodyPr>
+            <a:lstStyle>
+              <a:lvl1pPr>
+                <a:defRPr>
+                  <a:solidFill>
+                    <a:schemeClr val="tx1"/>
+                  </a:solidFill>
+                  <a:latin typeface="Verdana" panose="020B0604030504040204" pitchFamily="34" charset="0"/>
+                  <a:ea typeface="ＭＳ Ｐゴシック" panose="020B0600070205080204" pitchFamily="34" charset="-128"/>
+                </a:defRPr>
+              </a:lvl1pPr>
+              <a:lvl2pPr marL="742950" indent="-285750">
+                <a:defRPr>
+                  <a:solidFill>
+                    <a:schemeClr val="tx1"/>
+                  </a:solidFill>
+                  <a:latin typeface="Verdana" panose="020B0604030504040204" pitchFamily="34" charset="0"/>
+                  <a:ea typeface="ＭＳ Ｐゴシック" panose="020B0600070205080204" pitchFamily="34" charset="-128"/>
+                </a:defRPr>
+              </a:lvl2pPr>
+              <a:lvl3pPr marL="1143000" indent="-228600">
+                <a:defRPr>
+                  <a:solidFill>
+                    <a:schemeClr val="tx1"/>
+                  </a:solidFill>
+                  <a:latin typeface="Verdana" panose="020B0604030504040204" pitchFamily="34" charset="0"/>
+                  <a:ea typeface="ＭＳ Ｐゴシック" panose="020B0600070205080204" pitchFamily="34" charset="-128"/>
+                </a:defRPr>
+              </a:lvl3pPr>
+              <a:lvl4pPr marL="1600200" indent="-228600">
+                <a:defRPr>
+                  <a:solidFill>
+                    <a:schemeClr val="tx1"/>
+                  </a:solidFill>
+                  <a:latin typeface="Verdana" panose="020B0604030504040204" pitchFamily="34" charset="0"/>
+                  <a:ea typeface="ＭＳ Ｐゴシック" panose="020B0600070205080204" pitchFamily="34" charset="-128"/>
+                </a:defRPr>
+              </a:lvl4pPr>
+              <a:lvl5pPr marL="2057400" indent="-228600">
+                <a:defRPr>
+                  <a:solidFill>
+                    <a:schemeClr val="tx1"/>
+                  </a:solidFill>
+                  <a:latin typeface="Verdana" panose="020B0604030504040204" pitchFamily="34" charset="0"/>
+                  <a:ea typeface="ＭＳ Ｐゴシック" panose="020B0600070205080204" pitchFamily="34" charset="-128"/>
+                </a:defRPr>
+              </a:lvl5pPr>
+              <a:lvl6pPr marL="2514600" indent="-228600" eaLnBrk="0" fontAlgn="base" hangingPunct="0">
+                <a:spcBef>
+                  <a:spcPct val="0"/>
+                </a:spcBef>
+                <a:spcAft>
+                  <a:spcPct val="0"/>
+                </a:spcAft>
+                <a:defRPr>
+                  <a:solidFill>
+                    <a:schemeClr val="tx1"/>
+                  </a:solidFill>
+                  <a:latin typeface="Verdana" panose="020B0604030504040204" pitchFamily="34" charset="0"/>
+                  <a:ea typeface="ＭＳ Ｐゴシック" panose="020B0600070205080204" pitchFamily="34" charset="-128"/>
+                </a:defRPr>
+              </a:lvl6pPr>
+              <a:lvl7pPr marL="2971800" indent="-228600" eaLnBrk="0" fontAlgn="base" hangingPunct="0">
+                <a:spcBef>
+                  <a:spcPct val="0"/>
+                </a:spcBef>
+                <a:spcAft>
+                  <a:spcPct val="0"/>
+                </a:spcAft>
+                <a:defRPr>
+                  <a:solidFill>
+                    <a:schemeClr val="tx1"/>
+                  </a:solidFill>
+                  <a:latin typeface="Verdana" panose="020B0604030504040204" pitchFamily="34" charset="0"/>
+                  <a:ea typeface="ＭＳ Ｐゴシック" panose="020B0600070205080204" pitchFamily="34" charset="-128"/>
+                </a:defRPr>
+              </a:lvl7pPr>
+              <a:lvl8pPr marL="3429000" indent="-228600" eaLnBrk="0" fontAlgn="base" hangingPunct="0">
+                <a:spcBef>
+                  <a:spcPct val="0"/>
+                </a:spcBef>
+                <a:spcAft>
+                  <a:spcPct val="0"/>
+                </a:spcAft>
+                <a:defRPr>
+                  <a:solidFill>
+                    <a:schemeClr val="tx1"/>
+                  </a:solidFill>
+                  <a:latin typeface="Verdana" panose="020B0604030504040204" pitchFamily="34" charset="0"/>
+                  <a:ea typeface="ＭＳ Ｐゴシック" panose="020B0600070205080204" pitchFamily="34" charset="-128"/>
+                </a:defRPr>
+              </a:lvl8pPr>
+              <a:lvl9pPr marL="3886200" indent="-228600" eaLnBrk="0" fontAlgn="base" hangingPunct="0">
+                <a:spcBef>
+                  <a:spcPct val="0"/>
+                </a:spcBef>
+                <a:spcAft>
+                  <a:spcPct val="0"/>
+                </a:spcAft>
+                <a:defRPr>
+                  <a:solidFill>
+                    <a:schemeClr val="tx1"/>
+                  </a:solidFill>
+                  <a:latin typeface="Verdana" panose="020B0604030504040204" pitchFamily="34" charset="0"/>
+                  <a:ea typeface="ＭＳ Ｐゴシック" panose="020B0600070205080204" pitchFamily="34" charset="-128"/>
+                </a:defRPr>
+              </a:lvl9pPr>
+            </a:lstStyle>
+            <a:p>
+              <a:pPr>
+                <a:spcBef>
+                  <a:spcPct val="50000"/>
+                </a:spcBef>
+              </a:pPr>
+              <a:r>
+                <a:rPr lang="en-US" altLang="ja-JP" sz="2800" b="1" dirty="0">
+                  <a:solidFill>
+                    <a:schemeClr val="tx2">
+                      <a:lumMod val="60000"/>
+                      <a:lumOff val="40000"/>
+                    </a:schemeClr>
+                  </a:solidFill>
+                  <a:latin typeface="Open Sans" panose="020B0606030504020204" pitchFamily="34" charset="0"/>
+                  <a:ea typeface="Open Sans" panose="020B0606030504020204" pitchFamily="34" charset="0"/>
+                  <a:cs typeface="Open Sans" panose="020B0606030504020204" pitchFamily="34" charset="0"/>
+                </a:rPr>
+                <a:t>Computational</a:t>
+              </a:r>
+            </a:p>
+          </p:txBody>
+        </p:sp>
+      </p:grpSp>
     </p:spTree>
     <p:extLst>
       <p:ext uri="{BB962C8B-B14F-4D97-AF65-F5344CB8AC3E}">
-        <p14:creationId xmlns:p14="http://schemas.microsoft.com/office/powerpoint/2010/main" val="1551824605"/>
+        <p14:creationId xmlns:p14="http://schemas.microsoft.com/office/powerpoint/2010/main" val="4082591150"/>
       </p:ext>
     </p:extLst>
   </p:cSld>
@@ -4364,8 +5221,8 @@
         </p:nvSpPr>
         <p:spPr>
           <a:xfrm>
-            <a:off x="633046" y="2209801"/>
-            <a:ext cx="7825154" cy="1219200"/>
+            <a:off x="633046" y="2209800"/>
+            <a:ext cx="7825154" cy="3210791"/>
           </a:xfrm>
           <a:noFill/>
         </p:spPr>
@@ -4380,13 +5237,94 @@
               <a:buChar char="§"/>
             </a:pPr>
             <a:r>
+              <a:rPr lang="en-US" sz="2400" b="1" dirty="0">
+                <a:solidFill>
+                  <a:schemeClr val="tx2">
+                    <a:lumMod val="60000"/>
+                    <a:lumOff val="40000"/>
+                  </a:schemeClr>
+                </a:solidFill>
+                <a:latin typeface="Open Sans" panose="020B0606030504020204" pitchFamily="34" charset="0"/>
+                <a:ea typeface="Open Sans" panose="020B0606030504020204" pitchFamily="34" charset="0"/>
+                <a:cs typeface="Open Sans" panose="020B0606030504020204" pitchFamily="34" charset="0"/>
+              </a:rPr>
+              <a:t>Theoretical Mechanics </a:t>
+            </a:r>
+            <a:r>
               <a:rPr lang="en-US" sz="2400" dirty="0">
                 <a:latin typeface="Open Sans" panose="020B0606030504020204" pitchFamily="34" charset="0"/>
                 <a:ea typeface="Open Sans" panose="020B0606030504020204" pitchFamily="34" charset="0"/>
                 <a:cs typeface="Open Sans" panose="020B0606030504020204" pitchFamily="34" charset="0"/>
               </a:rPr>
-              <a:t>The field of Mechanics can be subdivided into 3 major areas:</a:t>
+              <a:t>deals with fundamental laws and principles of mechanics. </a:t>
             </a:r>
+          </a:p>
+          <a:p>
+            <a:pPr algn="just">
+              <a:buFont typeface="Wingdings" panose="05000000000000000000" pitchFamily="2" charset="2"/>
+              <a:buChar char="§"/>
+            </a:pPr>
+            <a:r>
+              <a:rPr lang="en-US" sz="2400" b="1" dirty="0">
+                <a:solidFill>
+                  <a:schemeClr val="tx2">
+                    <a:lumMod val="60000"/>
+                    <a:lumOff val="40000"/>
+                  </a:schemeClr>
+                </a:solidFill>
+                <a:latin typeface="Open Sans" panose="020B0606030504020204" pitchFamily="34" charset="0"/>
+                <a:ea typeface="Open Sans" panose="020B0606030504020204" pitchFamily="34" charset="0"/>
+                <a:cs typeface="Open Sans" panose="020B0606030504020204" pitchFamily="34" charset="0"/>
+              </a:rPr>
+              <a:t>Applied Mechanics </a:t>
+            </a:r>
+            <a:r>
+              <a:rPr lang="en-US" sz="2400" dirty="0">
+                <a:latin typeface="Open Sans" panose="020B0606030504020204" pitchFamily="34" charset="0"/>
+                <a:ea typeface="Open Sans" panose="020B0606030504020204" pitchFamily="34" charset="0"/>
+                <a:cs typeface="Open Sans" panose="020B0606030504020204" pitchFamily="34" charset="0"/>
+              </a:rPr>
+              <a:t>transfers this theoretical knowledge to scientific and engineering applications, through the formulation of mathematical models of physical phenomena. </a:t>
+            </a:r>
+          </a:p>
+          <a:p>
+            <a:pPr algn="just">
+              <a:buFont typeface="Wingdings" panose="05000000000000000000" pitchFamily="2" charset="2"/>
+              <a:buChar char="§"/>
+            </a:pPr>
+            <a:r>
+              <a:rPr lang="en-US" sz="2400" b="1" dirty="0">
+                <a:solidFill>
+                  <a:schemeClr val="tx2">
+                    <a:lumMod val="60000"/>
+                    <a:lumOff val="40000"/>
+                  </a:schemeClr>
+                </a:solidFill>
+                <a:latin typeface="Open Sans" panose="020B0606030504020204" pitchFamily="34" charset="0"/>
+                <a:ea typeface="Open Sans" panose="020B0606030504020204" pitchFamily="34" charset="0"/>
+                <a:cs typeface="Open Sans" panose="020B0606030504020204" pitchFamily="34" charset="0"/>
+              </a:rPr>
+              <a:t>Computational Mechanics </a:t>
+            </a:r>
+            <a:r>
+              <a:rPr lang="en-US" sz="2400" dirty="0">
+                <a:latin typeface="Open Sans" panose="020B0606030504020204" pitchFamily="34" charset="0"/>
+                <a:ea typeface="Open Sans" panose="020B0606030504020204" pitchFamily="34" charset="0"/>
+                <a:cs typeface="Open Sans" panose="020B0606030504020204" pitchFamily="34" charset="0"/>
+              </a:rPr>
+              <a:t>solves specific problems by simulation through numerical methods implemented on digital computers. </a:t>
+            </a:r>
+          </a:p>
+          <a:p>
+            <a:pPr algn="just">
+              <a:buFont typeface="Wingdings" panose="05000000000000000000" pitchFamily="2" charset="2"/>
+              <a:buChar char="§"/>
+            </a:pPr>
+            <a:endParaRPr lang="en-US" sz="2400" dirty="0">
+              <a:latin typeface="Open Sans" panose="020B0606030504020204" pitchFamily="34" charset="0"/>
+              <a:ea typeface="Open Sans" panose="020B0606030504020204" pitchFamily="34" charset="0"/>
+              <a:cs typeface="Open Sans" panose="020B0606030504020204" pitchFamily="34" charset="0"/>
+            </a:endParaRPr>
           </a:p>
           <a:p>
             <a:pPr algn="just">
@@ -4547,893 +5485,10 @@
           </a:p>
         </p:txBody>
       </p:sp>
-      <p:grpSp>
-        <p:nvGrpSpPr>
-          <p:cNvPr id="20" name="Group 13">
-            <a:extLst>
-              <a:ext uri="{FF2B5EF4-FFF2-40B4-BE49-F238E27FC236}">
-                <a16:creationId xmlns:a16="http://schemas.microsoft.com/office/drawing/2014/main" id="{0F87B9BB-2DA2-41B6-9445-656A5B3E7B75}"/>
-              </a:ext>
-            </a:extLst>
-          </p:cNvPr>
-          <p:cNvGrpSpPr>
-            <a:grpSpLocks/>
-          </p:cNvGrpSpPr>
-          <p:nvPr/>
-        </p:nvGrpSpPr>
-        <p:grpSpPr bwMode="auto">
-          <a:xfrm>
-            <a:off x="1143000" y="3045656"/>
-            <a:ext cx="5740400" cy="2605808"/>
-            <a:chOff x="737" y="1344"/>
-            <a:chExt cx="3616" cy="1861"/>
-          </a:xfrm>
-        </p:grpSpPr>
-        <p:sp>
-          <p:nvSpPr>
-            <p:cNvPr id="21" name="AutoShape 8">
-              <a:extLst>
-                <a:ext uri="{FF2B5EF4-FFF2-40B4-BE49-F238E27FC236}">
-                  <a16:creationId xmlns:a16="http://schemas.microsoft.com/office/drawing/2014/main" id="{650AB70B-1374-4539-B5C0-272FC8609629}"/>
-                </a:ext>
-              </a:extLst>
-            </p:cNvPr>
-            <p:cNvSpPr>
-              <a:spLocks/>
-            </p:cNvSpPr>
-            <p:nvPr/>
-          </p:nvSpPr>
-          <p:spPr bwMode="auto">
-            <a:xfrm>
-              <a:off x="2176" y="1403"/>
-              <a:ext cx="226" cy="1739"/>
-            </a:xfrm>
-            <a:prstGeom prst="leftBrace">
-              <a:avLst>
-                <a:gd name="adj1" fmla="val 64122"/>
-                <a:gd name="adj2" fmla="val 50000"/>
-              </a:avLst>
-            </a:prstGeom>
-            <a:noFill/>
-            <a:ln w="25400">
-              <a:solidFill>
-                <a:schemeClr val="tx1"/>
-              </a:solidFill>
-              <a:round/>
-              <a:headEnd/>
-              <a:tailEnd/>
-            </a:ln>
-            <a:extLst>
-              <a:ext uri="{909E8E84-426E-40DD-AFC4-6F175D3DCCD1}">
-                <a14:hiddenFill xmlns:a14="http://schemas.microsoft.com/office/drawing/2010/main">
-                  <a:solidFill>
-                    <a:srgbClr val="FFFFFF"/>
-                  </a:solidFill>
-                </a14:hiddenFill>
-              </a:ext>
-            </a:extLst>
-          </p:spPr>
-          <p:txBody>
-            <a:bodyPr wrap="none" anchor="ctr"/>
-            <a:lstStyle>
-              <a:lvl1pPr>
-                <a:defRPr>
-                  <a:solidFill>
-                    <a:schemeClr val="tx1"/>
-                  </a:solidFill>
-                  <a:latin typeface="Verdana" panose="020B0604030504040204" pitchFamily="34" charset="0"/>
-                  <a:ea typeface="ＭＳ Ｐゴシック" panose="020B0600070205080204" pitchFamily="34" charset="-128"/>
-                </a:defRPr>
-              </a:lvl1pPr>
-              <a:lvl2pPr marL="742950" indent="-285750">
-                <a:defRPr>
-                  <a:solidFill>
-                    <a:schemeClr val="tx1"/>
-                  </a:solidFill>
-                  <a:latin typeface="Verdana" panose="020B0604030504040204" pitchFamily="34" charset="0"/>
-                  <a:ea typeface="ＭＳ Ｐゴシック" panose="020B0600070205080204" pitchFamily="34" charset="-128"/>
-                </a:defRPr>
-              </a:lvl2pPr>
-              <a:lvl3pPr marL="1143000" indent="-228600">
-                <a:defRPr>
-                  <a:solidFill>
-                    <a:schemeClr val="tx1"/>
-                  </a:solidFill>
-                  <a:latin typeface="Verdana" panose="020B0604030504040204" pitchFamily="34" charset="0"/>
-                  <a:ea typeface="ＭＳ Ｐゴシック" panose="020B0600070205080204" pitchFamily="34" charset="-128"/>
-                </a:defRPr>
-              </a:lvl3pPr>
-              <a:lvl4pPr marL="1600200" indent="-228600">
-                <a:defRPr>
-                  <a:solidFill>
-                    <a:schemeClr val="tx1"/>
-                  </a:solidFill>
-                  <a:latin typeface="Verdana" panose="020B0604030504040204" pitchFamily="34" charset="0"/>
-                  <a:ea typeface="ＭＳ Ｐゴシック" panose="020B0600070205080204" pitchFamily="34" charset="-128"/>
-                </a:defRPr>
-              </a:lvl4pPr>
-              <a:lvl5pPr marL="2057400" indent="-228600">
-                <a:defRPr>
-                  <a:solidFill>
-                    <a:schemeClr val="tx1"/>
-                  </a:solidFill>
-                  <a:latin typeface="Verdana" panose="020B0604030504040204" pitchFamily="34" charset="0"/>
-                  <a:ea typeface="ＭＳ Ｐゴシック" panose="020B0600070205080204" pitchFamily="34" charset="-128"/>
-                </a:defRPr>
-              </a:lvl5pPr>
-              <a:lvl6pPr marL="2514600" indent="-228600" eaLnBrk="0" fontAlgn="base" hangingPunct="0">
-                <a:spcBef>
-                  <a:spcPct val="0"/>
-                </a:spcBef>
-                <a:spcAft>
-                  <a:spcPct val="0"/>
-                </a:spcAft>
-                <a:defRPr>
-                  <a:solidFill>
-                    <a:schemeClr val="tx1"/>
-                  </a:solidFill>
-                  <a:latin typeface="Verdana" panose="020B0604030504040204" pitchFamily="34" charset="0"/>
-                  <a:ea typeface="ＭＳ Ｐゴシック" panose="020B0600070205080204" pitchFamily="34" charset="-128"/>
-                </a:defRPr>
-              </a:lvl6pPr>
-              <a:lvl7pPr marL="2971800" indent="-228600" eaLnBrk="0" fontAlgn="base" hangingPunct="0">
-                <a:spcBef>
-                  <a:spcPct val="0"/>
-                </a:spcBef>
-                <a:spcAft>
-                  <a:spcPct val="0"/>
-                </a:spcAft>
-                <a:defRPr>
-                  <a:solidFill>
-                    <a:schemeClr val="tx1"/>
-                  </a:solidFill>
-                  <a:latin typeface="Verdana" panose="020B0604030504040204" pitchFamily="34" charset="0"/>
-                  <a:ea typeface="ＭＳ Ｐゴシック" panose="020B0600070205080204" pitchFamily="34" charset="-128"/>
-                </a:defRPr>
-              </a:lvl7pPr>
-              <a:lvl8pPr marL="3429000" indent="-228600" eaLnBrk="0" fontAlgn="base" hangingPunct="0">
-                <a:spcBef>
-                  <a:spcPct val="0"/>
-                </a:spcBef>
-                <a:spcAft>
-                  <a:spcPct val="0"/>
-                </a:spcAft>
-                <a:defRPr>
-                  <a:solidFill>
-                    <a:schemeClr val="tx1"/>
-                  </a:solidFill>
-                  <a:latin typeface="Verdana" panose="020B0604030504040204" pitchFamily="34" charset="0"/>
-                  <a:ea typeface="ＭＳ Ｐゴシック" panose="020B0600070205080204" pitchFamily="34" charset="-128"/>
-                </a:defRPr>
-              </a:lvl8pPr>
-              <a:lvl9pPr marL="3886200" indent="-228600" eaLnBrk="0" fontAlgn="base" hangingPunct="0">
-                <a:spcBef>
-                  <a:spcPct val="0"/>
-                </a:spcBef>
-                <a:spcAft>
-                  <a:spcPct val="0"/>
-                </a:spcAft>
-                <a:defRPr>
-                  <a:solidFill>
-                    <a:schemeClr val="tx1"/>
-                  </a:solidFill>
-                  <a:latin typeface="Verdana" panose="020B0604030504040204" pitchFamily="34" charset="0"/>
-                  <a:ea typeface="ＭＳ Ｐゴシック" panose="020B0600070205080204" pitchFamily="34" charset="-128"/>
-                </a:defRPr>
-              </a:lvl9pPr>
-            </a:lstStyle>
-            <a:p>
-              <a:endParaRPr lang="ja-JP" altLang="en-US"/>
-            </a:p>
-          </p:txBody>
-        </p:sp>
-        <p:sp>
-          <p:nvSpPr>
-            <p:cNvPr id="22" name="Text Box 9">
-              <a:extLst>
-                <a:ext uri="{FF2B5EF4-FFF2-40B4-BE49-F238E27FC236}">
-                  <a16:creationId xmlns:a16="http://schemas.microsoft.com/office/drawing/2014/main" id="{0C7D6CE6-E2EF-4F7A-8AC1-2EEC3057DA5F}"/>
-                </a:ext>
-              </a:extLst>
-            </p:cNvPr>
-            <p:cNvSpPr txBox="1">
-              <a:spLocks noChangeArrowheads="1"/>
-            </p:cNvSpPr>
-            <p:nvPr/>
-          </p:nvSpPr>
-          <p:spPr bwMode="auto">
-            <a:xfrm>
-              <a:off x="737" y="2096"/>
-              <a:ext cx="1428" cy="374"/>
-            </a:xfrm>
-            <a:prstGeom prst="rect">
-              <a:avLst/>
-            </a:prstGeom>
-            <a:noFill/>
-            <a:ln>
-              <a:noFill/>
-            </a:ln>
-            <a:extLst>
-              <a:ext uri="{909E8E84-426E-40DD-AFC4-6F175D3DCCD1}">
-                <a14:hiddenFill xmlns:a14="http://schemas.microsoft.com/office/drawing/2010/main">
-                  <a:solidFill>
-                    <a:srgbClr val="FFFFFF"/>
-                  </a:solidFill>
-                </a14:hiddenFill>
-              </a:ext>
-              <a:ext uri="{91240B29-F687-4F45-9708-019B960494DF}">
-                <a14:hiddenLine xmlns:a14="http://schemas.microsoft.com/office/drawing/2010/main" w="9525">
-                  <a:solidFill>
-                    <a:srgbClr val="000000"/>
-                  </a:solidFill>
-                  <a:miter lim="800000"/>
-                  <a:headEnd/>
-                  <a:tailEnd/>
-                </a14:hiddenLine>
-              </a:ext>
-            </a:extLst>
-          </p:spPr>
-          <p:txBody>
-            <a:bodyPr>
-              <a:spAutoFit/>
-            </a:bodyPr>
-            <a:lstStyle>
-              <a:lvl1pPr>
-                <a:defRPr>
-                  <a:solidFill>
-                    <a:schemeClr val="tx1"/>
-                  </a:solidFill>
-                  <a:latin typeface="Verdana" panose="020B0604030504040204" pitchFamily="34" charset="0"/>
-                  <a:ea typeface="ＭＳ Ｐゴシック" panose="020B0600070205080204" pitchFamily="34" charset="-128"/>
-                </a:defRPr>
-              </a:lvl1pPr>
-              <a:lvl2pPr marL="742950" indent="-285750">
-                <a:defRPr>
-                  <a:solidFill>
-                    <a:schemeClr val="tx1"/>
-                  </a:solidFill>
-                  <a:latin typeface="Verdana" panose="020B0604030504040204" pitchFamily="34" charset="0"/>
-                  <a:ea typeface="ＭＳ Ｐゴシック" panose="020B0600070205080204" pitchFamily="34" charset="-128"/>
-                </a:defRPr>
-              </a:lvl2pPr>
-              <a:lvl3pPr marL="1143000" indent="-228600">
-                <a:defRPr>
-                  <a:solidFill>
-                    <a:schemeClr val="tx1"/>
-                  </a:solidFill>
-                  <a:latin typeface="Verdana" panose="020B0604030504040204" pitchFamily="34" charset="0"/>
-                  <a:ea typeface="ＭＳ Ｐゴシック" panose="020B0600070205080204" pitchFamily="34" charset="-128"/>
-                </a:defRPr>
-              </a:lvl3pPr>
-              <a:lvl4pPr marL="1600200" indent="-228600">
-                <a:defRPr>
-                  <a:solidFill>
-                    <a:schemeClr val="tx1"/>
-                  </a:solidFill>
-                  <a:latin typeface="Verdana" panose="020B0604030504040204" pitchFamily="34" charset="0"/>
-                  <a:ea typeface="ＭＳ Ｐゴシック" panose="020B0600070205080204" pitchFamily="34" charset="-128"/>
-                </a:defRPr>
-              </a:lvl4pPr>
-              <a:lvl5pPr marL="2057400" indent="-228600">
-                <a:defRPr>
-                  <a:solidFill>
-                    <a:schemeClr val="tx1"/>
-                  </a:solidFill>
-                  <a:latin typeface="Verdana" panose="020B0604030504040204" pitchFamily="34" charset="0"/>
-                  <a:ea typeface="ＭＳ Ｐゴシック" panose="020B0600070205080204" pitchFamily="34" charset="-128"/>
-                </a:defRPr>
-              </a:lvl5pPr>
-              <a:lvl6pPr marL="2514600" indent="-228600" eaLnBrk="0" fontAlgn="base" hangingPunct="0">
-                <a:spcBef>
-                  <a:spcPct val="0"/>
-                </a:spcBef>
-                <a:spcAft>
-                  <a:spcPct val="0"/>
-                </a:spcAft>
-                <a:defRPr>
-                  <a:solidFill>
-                    <a:schemeClr val="tx1"/>
-                  </a:solidFill>
-                  <a:latin typeface="Verdana" panose="020B0604030504040204" pitchFamily="34" charset="0"/>
-                  <a:ea typeface="ＭＳ Ｐゴシック" panose="020B0600070205080204" pitchFamily="34" charset="-128"/>
-                </a:defRPr>
-              </a:lvl6pPr>
-              <a:lvl7pPr marL="2971800" indent="-228600" eaLnBrk="0" fontAlgn="base" hangingPunct="0">
-                <a:spcBef>
-                  <a:spcPct val="0"/>
-                </a:spcBef>
-                <a:spcAft>
-                  <a:spcPct val="0"/>
-                </a:spcAft>
-                <a:defRPr>
-                  <a:solidFill>
-                    <a:schemeClr val="tx1"/>
-                  </a:solidFill>
-                  <a:latin typeface="Verdana" panose="020B0604030504040204" pitchFamily="34" charset="0"/>
-                  <a:ea typeface="ＭＳ Ｐゴシック" panose="020B0600070205080204" pitchFamily="34" charset="-128"/>
-                </a:defRPr>
-              </a:lvl7pPr>
-              <a:lvl8pPr marL="3429000" indent="-228600" eaLnBrk="0" fontAlgn="base" hangingPunct="0">
-                <a:spcBef>
-                  <a:spcPct val="0"/>
-                </a:spcBef>
-                <a:spcAft>
-                  <a:spcPct val="0"/>
-                </a:spcAft>
-                <a:defRPr>
-                  <a:solidFill>
-                    <a:schemeClr val="tx1"/>
-                  </a:solidFill>
-                  <a:latin typeface="Verdana" panose="020B0604030504040204" pitchFamily="34" charset="0"/>
-                  <a:ea typeface="ＭＳ Ｐゴシック" panose="020B0600070205080204" pitchFamily="34" charset="-128"/>
-                </a:defRPr>
-              </a:lvl8pPr>
-              <a:lvl9pPr marL="3886200" indent="-228600" eaLnBrk="0" fontAlgn="base" hangingPunct="0">
-                <a:spcBef>
-                  <a:spcPct val="0"/>
-                </a:spcBef>
-                <a:spcAft>
-                  <a:spcPct val="0"/>
-                </a:spcAft>
-                <a:defRPr>
-                  <a:solidFill>
-                    <a:schemeClr val="tx1"/>
-                  </a:solidFill>
-                  <a:latin typeface="Verdana" panose="020B0604030504040204" pitchFamily="34" charset="0"/>
-                  <a:ea typeface="ＭＳ Ｐゴシック" panose="020B0600070205080204" pitchFamily="34" charset="-128"/>
-                </a:defRPr>
-              </a:lvl9pPr>
-            </a:lstStyle>
-            <a:p>
-              <a:pPr eaLnBrk="1" hangingPunct="1">
-                <a:spcBef>
-                  <a:spcPct val="50000"/>
-                </a:spcBef>
-              </a:pPr>
-              <a:r>
-                <a:rPr lang="en-US" altLang="ja-JP" sz="2800" dirty="0">
-                  <a:latin typeface="Open Sans" panose="020B0606030504020204" pitchFamily="34" charset="0"/>
-                  <a:ea typeface="Open Sans" panose="020B0606030504020204" pitchFamily="34" charset="0"/>
-                  <a:cs typeface="Open Sans" panose="020B0606030504020204" pitchFamily="34" charset="0"/>
-                </a:rPr>
-                <a:t>Mechanics</a:t>
-              </a:r>
-            </a:p>
-          </p:txBody>
-        </p:sp>
-        <p:sp>
-          <p:nvSpPr>
-            <p:cNvPr id="23" name="Text Box 10">
-              <a:extLst>
-                <a:ext uri="{FF2B5EF4-FFF2-40B4-BE49-F238E27FC236}">
-                  <a16:creationId xmlns:a16="http://schemas.microsoft.com/office/drawing/2014/main" id="{92ED2EB6-6711-4291-9394-4F0AD73EDD88}"/>
-                </a:ext>
-              </a:extLst>
-            </p:cNvPr>
-            <p:cNvSpPr txBox="1">
-              <a:spLocks noChangeArrowheads="1"/>
-            </p:cNvSpPr>
-            <p:nvPr/>
-          </p:nvSpPr>
-          <p:spPr bwMode="auto">
-            <a:xfrm>
-              <a:off x="2359" y="1344"/>
-              <a:ext cx="1540" cy="374"/>
-            </a:xfrm>
-            <a:prstGeom prst="rect">
-              <a:avLst/>
-            </a:prstGeom>
-            <a:noFill/>
-            <a:ln>
-              <a:noFill/>
-            </a:ln>
-            <a:extLst>
-              <a:ext uri="{909E8E84-426E-40DD-AFC4-6F175D3DCCD1}">
-                <a14:hiddenFill xmlns:a14="http://schemas.microsoft.com/office/drawing/2010/main">
-                  <a:solidFill>
-                    <a:srgbClr val="FFFFFF"/>
-                  </a:solidFill>
-                </a14:hiddenFill>
-              </a:ext>
-              <a:ext uri="{91240B29-F687-4F45-9708-019B960494DF}">
-                <a14:hiddenLine xmlns:a14="http://schemas.microsoft.com/office/drawing/2010/main" w="9525">
-                  <a:solidFill>
-                    <a:srgbClr val="000000"/>
-                  </a:solidFill>
-                  <a:miter lim="800000"/>
-                  <a:headEnd/>
-                  <a:tailEnd/>
-                </a14:hiddenLine>
-              </a:ext>
-            </a:extLst>
-          </p:spPr>
-          <p:txBody>
-            <a:bodyPr>
-              <a:spAutoFit/>
-            </a:bodyPr>
-            <a:lstStyle>
-              <a:lvl1pPr>
-                <a:defRPr>
-                  <a:solidFill>
-                    <a:schemeClr val="tx1"/>
-                  </a:solidFill>
-                  <a:latin typeface="Verdana" panose="020B0604030504040204" pitchFamily="34" charset="0"/>
-                  <a:ea typeface="ＭＳ Ｐゴシック" panose="020B0600070205080204" pitchFamily="34" charset="-128"/>
-                </a:defRPr>
-              </a:lvl1pPr>
-              <a:lvl2pPr marL="742950" indent="-285750">
-                <a:defRPr>
-                  <a:solidFill>
-                    <a:schemeClr val="tx1"/>
-                  </a:solidFill>
-                  <a:latin typeface="Verdana" panose="020B0604030504040204" pitchFamily="34" charset="0"/>
-                  <a:ea typeface="ＭＳ Ｐゴシック" panose="020B0600070205080204" pitchFamily="34" charset="-128"/>
-                </a:defRPr>
-              </a:lvl2pPr>
-              <a:lvl3pPr marL="1143000" indent="-228600">
-                <a:defRPr>
-                  <a:solidFill>
-                    <a:schemeClr val="tx1"/>
-                  </a:solidFill>
-                  <a:latin typeface="Verdana" panose="020B0604030504040204" pitchFamily="34" charset="0"/>
-                  <a:ea typeface="ＭＳ Ｐゴシック" panose="020B0600070205080204" pitchFamily="34" charset="-128"/>
-                </a:defRPr>
-              </a:lvl3pPr>
-              <a:lvl4pPr marL="1600200" indent="-228600">
-                <a:defRPr>
-                  <a:solidFill>
-                    <a:schemeClr val="tx1"/>
-                  </a:solidFill>
-                  <a:latin typeface="Verdana" panose="020B0604030504040204" pitchFamily="34" charset="0"/>
-                  <a:ea typeface="ＭＳ Ｐゴシック" panose="020B0600070205080204" pitchFamily="34" charset="-128"/>
-                </a:defRPr>
-              </a:lvl4pPr>
-              <a:lvl5pPr marL="2057400" indent="-228600">
-                <a:defRPr>
-                  <a:solidFill>
-                    <a:schemeClr val="tx1"/>
-                  </a:solidFill>
-                  <a:latin typeface="Verdana" panose="020B0604030504040204" pitchFamily="34" charset="0"/>
-                  <a:ea typeface="ＭＳ Ｐゴシック" panose="020B0600070205080204" pitchFamily="34" charset="-128"/>
-                </a:defRPr>
-              </a:lvl5pPr>
-              <a:lvl6pPr marL="2514600" indent="-228600" eaLnBrk="0" fontAlgn="base" hangingPunct="0">
-                <a:spcBef>
-                  <a:spcPct val="0"/>
-                </a:spcBef>
-                <a:spcAft>
-                  <a:spcPct val="0"/>
-                </a:spcAft>
-                <a:defRPr>
-                  <a:solidFill>
-                    <a:schemeClr val="tx1"/>
-                  </a:solidFill>
-                  <a:latin typeface="Verdana" panose="020B0604030504040204" pitchFamily="34" charset="0"/>
-                  <a:ea typeface="ＭＳ Ｐゴシック" panose="020B0600070205080204" pitchFamily="34" charset="-128"/>
-                </a:defRPr>
-              </a:lvl6pPr>
-              <a:lvl7pPr marL="2971800" indent="-228600" eaLnBrk="0" fontAlgn="base" hangingPunct="0">
-                <a:spcBef>
-                  <a:spcPct val="0"/>
-                </a:spcBef>
-                <a:spcAft>
-                  <a:spcPct val="0"/>
-                </a:spcAft>
-                <a:defRPr>
-                  <a:solidFill>
-                    <a:schemeClr val="tx1"/>
-                  </a:solidFill>
-                  <a:latin typeface="Verdana" panose="020B0604030504040204" pitchFamily="34" charset="0"/>
-                  <a:ea typeface="ＭＳ Ｐゴシック" panose="020B0600070205080204" pitchFamily="34" charset="-128"/>
-                </a:defRPr>
-              </a:lvl7pPr>
-              <a:lvl8pPr marL="3429000" indent="-228600" eaLnBrk="0" fontAlgn="base" hangingPunct="0">
-                <a:spcBef>
-                  <a:spcPct val="0"/>
-                </a:spcBef>
-                <a:spcAft>
-                  <a:spcPct val="0"/>
-                </a:spcAft>
-                <a:defRPr>
-                  <a:solidFill>
-                    <a:schemeClr val="tx1"/>
-                  </a:solidFill>
-                  <a:latin typeface="Verdana" panose="020B0604030504040204" pitchFamily="34" charset="0"/>
-                  <a:ea typeface="ＭＳ Ｐゴシック" panose="020B0600070205080204" pitchFamily="34" charset="-128"/>
-                </a:defRPr>
-              </a:lvl8pPr>
-              <a:lvl9pPr marL="3886200" indent="-228600" eaLnBrk="0" fontAlgn="base" hangingPunct="0">
-                <a:spcBef>
-                  <a:spcPct val="0"/>
-                </a:spcBef>
-                <a:spcAft>
-                  <a:spcPct val="0"/>
-                </a:spcAft>
-                <a:defRPr>
-                  <a:solidFill>
-                    <a:schemeClr val="tx1"/>
-                  </a:solidFill>
-                  <a:latin typeface="Verdana" panose="020B0604030504040204" pitchFamily="34" charset="0"/>
-                  <a:ea typeface="ＭＳ Ｐゴシック" panose="020B0600070205080204" pitchFamily="34" charset="-128"/>
-                </a:defRPr>
-              </a:lvl9pPr>
-            </a:lstStyle>
-            <a:p>
-              <a:pPr eaLnBrk="1" hangingPunct="1">
-                <a:spcBef>
-                  <a:spcPct val="50000"/>
-                </a:spcBef>
-              </a:pPr>
-              <a:r>
-                <a:rPr lang="en-US" altLang="ja-JP" sz="2800" dirty="0">
-                  <a:latin typeface="Open Sans" panose="020B0606030504020204" pitchFamily="34" charset="0"/>
-                  <a:ea typeface="Open Sans" panose="020B0606030504020204" pitchFamily="34" charset="0"/>
-                  <a:cs typeface="Open Sans" panose="020B0606030504020204" pitchFamily="34" charset="0"/>
-                </a:rPr>
-                <a:t>Theoretical</a:t>
-              </a:r>
-            </a:p>
-          </p:txBody>
-        </p:sp>
-        <p:sp>
-          <p:nvSpPr>
-            <p:cNvPr id="24" name="Text Box 11">
-              <a:extLst>
-                <a:ext uri="{FF2B5EF4-FFF2-40B4-BE49-F238E27FC236}">
-                  <a16:creationId xmlns:a16="http://schemas.microsoft.com/office/drawing/2014/main" id="{54AFDEF6-59DF-48F6-8F47-E4D3732FD090}"/>
-                </a:ext>
-              </a:extLst>
-            </p:cNvPr>
-            <p:cNvSpPr txBox="1">
-              <a:spLocks noChangeArrowheads="1"/>
-            </p:cNvSpPr>
-            <p:nvPr/>
-          </p:nvSpPr>
-          <p:spPr bwMode="auto">
-            <a:xfrm>
-              <a:off x="2359" y="2119"/>
-              <a:ext cx="1132" cy="374"/>
-            </a:xfrm>
-            <a:prstGeom prst="rect">
-              <a:avLst/>
-            </a:prstGeom>
-            <a:noFill/>
-            <a:ln>
-              <a:noFill/>
-            </a:ln>
-            <a:extLst>
-              <a:ext uri="{909E8E84-426E-40DD-AFC4-6F175D3DCCD1}">
-                <a14:hiddenFill xmlns:a14="http://schemas.microsoft.com/office/drawing/2010/main">
-                  <a:solidFill>
-                    <a:srgbClr val="FFFFFF"/>
-                  </a:solidFill>
-                </a14:hiddenFill>
-              </a:ext>
-              <a:ext uri="{91240B29-F687-4F45-9708-019B960494DF}">
-                <a14:hiddenLine xmlns:a14="http://schemas.microsoft.com/office/drawing/2010/main" w="9525">
-                  <a:solidFill>
-                    <a:srgbClr val="000000"/>
-                  </a:solidFill>
-                  <a:miter lim="800000"/>
-                  <a:headEnd/>
-                  <a:tailEnd/>
-                </a14:hiddenLine>
-              </a:ext>
-            </a:extLst>
-          </p:spPr>
-          <p:txBody>
-            <a:bodyPr>
-              <a:spAutoFit/>
-            </a:bodyPr>
-            <a:lstStyle>
-              <a:lvl1pPr>
-                <a:defRPr>
-                  <a:solidFill>
-                    <a:schemeClr val="tx1"/>
-                  </a:solidFill>
-                  <a:latin typeface="Verdana" panose="020B0604030504040204" pitchFamily="34" charset="0"/>
-                  <a:ea typeface="ＭＳ Ｐゴシック" panose="020B0600070205080204" pitchFamily="34" charset="-128"/>
-                </a:defRPr>
-              </a:lvl1pPr>
-              <a:lvl2pPr marL="742950" indent="-285750">
-                <a:defRPr>
-                  <a:solidFill>
-                    <a:schemeClr val="tx1"/>
-                  </a:solidFill>
-                  <a:latin typeface="Verdana" panose="020B0604030504040204" pitchFamily="34" charset="0"/>
-                  <a:ea typeface="ＭＳ Ｐゴシック" panose="020B0600070205080204" pitchFamily="34" charset="-128"/>
-                </a:defRPr>
-              </a:lvl2pPr>
-              <a:lvl3pPr marL="1143000" indent="-228600">
-                <a:defRPr>
-                  <a:solidFill>
-                    <a:schemeClr val="tx1"/>
-                  </a:solidFill>
-                  <a:latin typeface="Verdana" panose="020B0604030504040204" pitchFamily="34" charset="0"/>
-                  <a:ea typeface="ＭＳ Ｐゴシック" panose="020B0600070205080204" pitchFamily="34" charset="-128"/>
-                </a:defRPr>
-              </a:lvl3pPr>
-              <a:lvl4pPr marL="1600200" indent="-228600">
-                <a:defRPr>
-                  <a:solidFill>
-                    <a:schemeClr val="tx1"/>
-                  </a:solidFill>
-                  <a:latin typeface="Verdana" panose="020B0604030504040204" pitchFamily="34" charset="0"/>
-                  <a:ea typeface="ＭＳ Ｐゴシック" panose="020B0600070205080204" pitchFamily="34" charset="-128"/>
-                </a:defRPr>
-              </a:lvl4pPr>
-              <a:lvl5pPr marL="2057400" indent="-228600">
-                <a:defRPr>
-                  <a:solidFill>
-                    <a:schemeClr val="tx1"/>
-                  </a:solidFill>
-                  <a:latin typeface="Verdana" panose="020B0604030504040204" pitchFamily="34" charset="0"/>
-                  <a:ea typeface="ＭＳ Ｐゴシック" panose="020B0600070205080204" pitchFamily="34" charset="-128"/>
-                </a:defRPr>
-              </a:lvl5pPr>
-              <a:lvl6pPr marL="2514600" indent="-228600" eaLnBrk="0" fontAlgn="base" hangingPunct="0">
-                <a:spcBef>
-                  <a:spcPct val="0"/>
-                </a:spcBef>
-                <a:spcAft>
-                  <a:spcPct val="0"/>
-                </a:spcAft>
-                <a:defRPr>
-                  <a:solidFill>
-                    <a:schemeClr val="tx1"/>
-                  </a:solidFill>
-                  <a:latin typeface="Verdana" panose="020B0604030504040204" pitchFamily="34" charset="0"/>
-                  <a:ea typeface="ＭＳ Ｐゴシック" panose="020B0600070205080204" pitchFamily="34" charset="-128"/>
-                </a:defRPr>
-              </a:lvl6pPr>
-              <a:lvl7pPr marL="2971800" indent="-228600" eaLnBrk="0" fontAlgn="base" hangingPunct="0">
-                <a:spcBef>
-                  <a:spcPct val="0"/>
-                </a:spcBef>
-                <a:spcAft>
-                  <a:spcPct val="0"/>
-                </a:spcAft>
-                <a:defRPr>
-                  <a:solidFill>
-                    <a:schemeClr val="tx1"/>
-                  </a:solidFill>
-                  <a:latin typeface="Verdana" panose="020B0604030504040204" pitchFamily="34" charset="0"/>
-                  <a:ea typeface="ＭＳ Ｐゴシック" panose="020B0600070205080204" pitchFamily="34" charset="-128"/>
-                </a:defRPr>
-              </a:lvl7pPr>
-              <a:lvl8pPr marL="3429000" indent="-228600" eaLnBrk="0" fontAlgn="base" hangingPunct="0">
-                <a:spcBef>
-                  <a:spcPct val="0"/>
-                </a:spcBef>
-                <a:spcAft>
-                  <a:spcPct val="0"/>
-                </a:spcAft>
-                <a:defRPr>
-                  <a:solidFill>
-                    <a:schemeClr val="tx1"/>
-                  </a:solidFill>
-                  <a:latin typeface="Verdana" panose="020B0604030504040204" pitchFamily="34" charset="0"/>
-                  <a:ea typeface="ＭＳ Ｐゴシック" panose="020B0600070205080204" pitchFamily="34" charset="-128"/>
-                </a:defRPr>
-              </a:lvl8pPr>
-              <a:lvl9pPr marL="3886200" indent="-228600" eaLnBrk="0" fontAlgn="base" hangingPunct="0">
-                <a:spcBef>
-                  <a:spcPct val="0"/>
-                </a:spcBef>
-                <a:spcAft>
-                  <a:spcPct val="0"/>
-                </a:spcAft>
-                <a:defRPr>
-                  <a:solidFill>
-                    <a:schemeClr val="tx1"/>
-                  </a:solidFill>
-                  <a:latin typeface="Verdana" panose="020B0604030504040204" pitchFamily="34" charset="0"/>
-                  <a:ea typeface="ＭＳ Ｐゴシック" panose="020B0600070205080204" pitchFamily="34" charset="-128"/>
-                </a:defRPr>
-              </a:lvl9pPr>
-            </a:lstStyle>
-            <a:p>
-              <a:pPr>
-                <a:spcBef>
-                  <a:spcPct val="50000"/>
-                </a:spcBef>
-              </a:pPr>
-              <a:r>
-                <a:rPr lang="en-US" altLang="ja-JP" sz="2800" dirty="0">
-                  <a:latin typeface="Open Sans" panose="020B0606030504020204" pitchFamily="34" charset="0"/>
-                  <a:ea typeface="Open Sans" panose="020B0606030504020204" pitchFamily="34" charset="0"/>
-                  <a:cs typeface="Open Sans" panose="020B0606030504020204" pitchFamily="34" charset="0"/>
-                </a:rPr>
-                <a:t>Applied</a:t>
-              </a:r>
-            </a:p>
-          </p:txBody>
-        </p:sp>
-        <p:sp>
-          <p:nvSpPr>
-            <p:cNvPr id="25" name="Text Box 12">
-              <a:extLst>
-                <a:ext uri="{FF2B5EF4-FFF2-40B4-BE49-F238E27FC236}">
-                  <a16:creationId xmlns:a16="http://schemas.microsoft.com/office/drawing/2014/main" id="{8BF2225B-919C-437D-91AF-B6C67E5D3052}"/>
-                </a:ext>
-              </a:extLst>
-            </p:cNvPr>
-            <p:cNvSpPr txBox="1">
-              <a:spLocks noChangeArrowheads="1"/>
-            </p:cNvSpPr>
-            <p:nvPr/>
-          </p:nvSpPr>
-          <p:spPr bwMode="auto">
-            <a:xfrm>
-              <a:off x="2367" y="2831"/>
-              <a:ext cx="1986" cy="374"/>
-            </a:xfrm>
-            <a:prstGeom prst="rect">
-              <a:avLst/>
-            </a:prstGeom>
-            <a:noFill/>
-            <a:ln>
-              <a:noFill/>
-            </a:ln>
-            <a:extLst>
-              <a:ext uri="{909E8E84-426E-40DD-AFC4-6F175D3DCCD1}">
-                <a14:hiddenFill xmlns:a14="http://schemas.microsoft.com/office/drawing/2010/main">
-                  <a:solidFill>
-                    <a:srgbClr val="FFFFFF"/>
-                  </a:solidFill>
-                </a14:hiddenFill>
-              </a:ext>
-              <a:ext uri="{91240B29-F687-4F45-9708-019B960494DF}">
-                <a14:hiddenLine xmlns:a14="http://schemas.microsoft.com/office/drawing/2010/main" w="9525" algn="ctr">
-                  <a:solidFill>
-                    <a:srgbClr val="000000"/>
-                  </a:solidFill>
-                  <a:miter lim="800000"/>
-                  <a:headEnd/>
-                  <a:tailEnd/>
-                </a14:hiddenLine>
-              </a:ext>
-            </a:extLst>
-          </p:spPr>
-          <p:txBody>
-            <a:bodyPr>
-              <a:spAutoFit/>
-            </a:bodyPr>
-            <a:lstStyle>
-              <a:lvl1pPr>
-                <a:defRPr>
-                  <a:solidFill>
-                    <a:schemeClr val="tx1"/>
-                  </a:solidFill>
-                  <a:latin typeface="Verdana" panose="020B0604030504040204" pitchFamily="34" charset="0"/>
-                  <a:ea typeface="ＭＳ Ｐゴシック" panose="020B0600070205080204" pitchFamily="34" charset="-128"/>
-                </a:defRPr>
-              </a:lvl1pPr>
-              <a:lvl2pPr marL="742950" indent="-285750">
-                <a:defRPr>
-                  <a:solidFill>
-                    <a:schemeClr val="tx1"/>
-                  </a:solidFill>
-                  <a:latin typeface="Verdana" panose="020B0604030504040204" pitchFamily="34" charset="0"/>
-                  <a:ea typeface="ＭＳ Ｐゴシック" panose="020B0600070205080204" pitchFamily="34" charset="-128"/>
-                </a:defRPr>
-              </a:lvl2pPr>
-              <a:lvl3pPr marL="1143000" indent="-228600">
-                <a:defRPr>
-                  <a:solidFill>
-                    <a:schemeClr val="tx1"/>
-                  </a:solidFill>
-                  <a:latin typeface="Verdana" panose="020B0604030504040204" pitchFamily="34" charset="0"/>
-                  <a:ea typeface="ＭＳ Ｐゴシック" panose="020B0600070205080204" pitchFamily="34" charset="-128"/>
-                </a:defRPr>
-              </a:lvl3pPr>
-              <a:lvl4pPr marL="1600200" indent="-228600">
-                <a:defRPr>
-                  <a:solidFill>
-                    <a:schemeClr val="tx1"/>
-                  </a:solidFill>
-                  <a:latin typeface="Verdana" panose="020B0604030504040204" pitchFamily="34" charset="0"/>
-                  <a:ea typeface="ＭＳ Ｐゴシック" panose="020B0600070205080204" pitchFamily="34" charset="-128"/>
-                </a:defRPr>
-              </a:lvl4pPr>
-              <a:lvl5pPr marL="2057400" indent="-228600">
-                <a:defRPr>
-                  <a:solidFill>
-                    <a:schemeClr val="tx1"/>
-                  </a:solidFill>
-                  <a:latin typeface="Verdana" panose="020B0604030504040204" pitchFamily="34" charset="0"/>
-                  <a:ea typeface="ＭＳ Ｐゴシック" panose="020B0600070205080204" pitchFamily="34" charset="-128"/>
-                </a:defRPr>
-              </a:lvl5pPr>
-              <a:lvl6pPr marL="2514600" indent="-228600" eaLnBrk="0" fontAlgn="base" hangingPunct="0">
-                <a:spcBef>
-                  <a:spcPct val="0"/>
-                </a:spcBef>
-                <a:spcAft>
-                  <a:spcPct val="0"/>
-                </a:spcAft>
-                <a:defRPr>
-                  <a:solidFill>
-                    <a:schemeClr val="tx1"/>
-                  </a:solidFill>
-                  <a:latin typeface="Verdana" panose="020B0604030504040204" pitchFamily="34" charset="0"/>
-                  <a:ea typeface="ＭＳ Ｐゴシック" panose="020B0600070205080204" pitchFamily="34" charset="-128"/>
-                </a:defRPr>
-              </a:lvl6pPr>
-              <a:lvl7pPr marL="2971800" indent="-228600" eaLnBrk="0" fontAlgn="base" hangingPunct="0">
-                <a:spcBef>
-                  <a:spcPct val="0"/>
-                </a:spcBef>
-                <a:spcAft>
-                  <a:spcPct val="0"/>
-                </a:spcAft>
-                <a:defRPr>
-                  <a:solidFill>
-                    <a:schemeClr val="tx1"/>
-                  </a:solidFill>
-                  <a:latin typeface="Verdana" panose="020B0604030504040204" pitchFamily="34" charset="0"/>
-                  <a:ea typeface="ＭＳ Ｐゴシック" panose="020B0600070205080204" pitchFamily="34" charset="-128"/>
-                </a:defRPr>
-              </a:lvl7pPr>
-              <a:lvl8pPr marL="3429000" indent="-228600" eaLnBrk="0" fontAlgn="base" hangingPunct="0">
-                <a:spcBef>
-                  <a:spcPct val="0"/>
-                </a:spcBef>
-                <a:spcAft>
-                  <a:spcPct val="0"/>
-                </a:spcAft>
-                <a:defRPr>
-                  <a:solidFill>
-                    <a:schemeClr val="tx1"/>
-                  </a:solidFill>
-                  <a:latin typeface="Verdana" panose="020B0604030504040204" pitchFamily="34" charset="0"/>
-                  <a:ea typeface="ＭＳ Ｐゴシック" panose="020B0600070205080204" pitchFamily="34" charset="-128"/>
-                </a:defRPr>
-              </a:lvl8pPr>
-              <a:lvl9pPr marL="3886200" indent="-228600" eaLnBrk="0" fontAlgn="base" hangingPunct="0">
-                <a:spcBef>
-                  <a:spcPct val="0"/>
-                </a:spcBef>
-                <a:spcAft>
-                  <a:spcPct val="0"/>
-                </a:spcAft>
-                <a:defRPr>
-                  <a:solidFill>
-                    <a:schemeClr val="tx1"/>
-                  </a:solidFill>
-                  <a:latin typeface="Verdana" panose="020B0604030504040204" pitchFamily="34" charset="0"/>
-                  <a:ea typeface="ＭＳ Ｐゴシック" panose="020B0600070205080204" pitchFamily="34" charset="-128"/>
-                </a:defRPr>
-              </a:lvl9pPr>
-            </a:lstStyle>
-            <a:p>
-              <a:pPr>
-                <a:spcBef>
-                  <a:spcPct val="50000"/>
-                </a:spcBef>
-              </a:pPr>
-              <a:r>
-                <a:rPr lang="en-US" altLang="ja-JP" sz="2800" b="1" dirty="0">
-                  <a:solidFill>
-                    <a:schemeClr val="tx2">
-                      <a:lumMod val="60000"/>
-                      <a:lumOff val="40000"/>
-                    </a:schemeClr>
-                  </a:solidFill>
-                  <a:latin typeface="Open Sans" panose="020B0606030504020204" pitchFamily="34" charset="0"/>
-                  <a:ea typeface="Open Sans" panose="020B0606030504020204" pitchFamily="34" charset="0"/>
-                  <a:cs typeface="Open Sans" panose="020B0606030504020204" pitchFamily="34" charset="0"/>
-                </a:rPr>
-                <a:t>Computational</a:t>
-              </a:r>
-            </a:p>
-          </p:txBody>
-        </p:sp>
-      </p:grpSp>
     </p:spTree>
     <p:extLst>
       <p:ext uri="{BB962C8B-B14F-4D97-AF65-F5344CB8AC3E}">
-        <p14:creationId xmlns:p14="http://schemas.microsoft.com/office/powerpoint/2010/main" val="4082591150"/>
+        <p14:creationId xmlns:p14="http://schemas.microsoft.com/office/powerpoint/2010/main" val="578816147"/>
       </p:ext>
     </p:extLst>
   </p:cSld>
@@ -5511,7 +5566,7 @@
                 <a:ea typeface="Open Sans" panose="020B0606030504020204" pitchFamily="34" charset="0"/>
                 <a:cs typeface="Open Sans" panose="020B0606030504020204" pitchFamily="34" charset="0"/>
               </a:rPr>
-              <a:t>Where This Course Fits?</a:t>
+              <a:t>Computational Mechanics</a:t>
             </a:r>
           </a:p>
         </p:txBody>
@@ -5528,8 +5583,8 @@
         </p:nvSpPr>
         <p:spPr>
           <a:xfrm>
-            <a:off x="633046" y="2209800"/>
-            <a:ext cx="7825154" cy="3210791"/>
+            <a:off x="633046" y="2209801"/>
+            <a:ext cx="7825154" cy="990600"/>
           </a:xfrm>
           <a:noFill/>
         </p:spPr>
@@ -5544,105 +5599,13 @@
               <a:buChar char="§"/>
             </a:pPr>
             <a:r>
-              <a:rPr lang="en-US" sz="2400" b="1" dirty="0">
-                <a:solidFill>
-                  <a:schemeClr val="tx2">
-                    <a:lumMod val="60000"/>
-                    <a:lumOff val="40000"/>
-                  </a:schemeClr>
-                </a:solidFill>
-                <a:latin typeface="Open Sans" panose="020B0606030504020204" pitchFamily="34" charset="0"/>
-                <a:ea typeface="Open Sans" panose="020B0606030504020204" pitchFamily="34" charset="0"/>
-                <a:cs typeface="Open Sans" panose="020B0606030504020204" pitchFamily="34" charset="0"/>
-              </a:rPr>
-              <a:t>Theoretical Mechanics </a:t>
-            </a:r>
-            <a:r>
               <a:rPr lang="en-US" sz="2400" dirty="0">
                 <a:latin typeface="Open Sans" panose="020B0606030504020204" pitchFamily="34" charset="0"/>
                 <a:ea typeface="Open Sans" panose="020B0606030504020204" pitchFamily="34" charset="0"/>
                 <a:cs typeface="Open Sans" panose="020B0606030504020204" pitchFamily="34" charset="0"/>
               </a:rPr>
-              <a:t>deals with fundamental laws and principles of mechanics. </a:t>
+              <a:t>Several branches according to the physical scale of the focus of attention:</a:t>
             </a:r>
-          </a:p>
-          <a:p>
-            <a:pPr algn="just">
-              <a:buFont typeface="Wingdings" panose="05000000000000000000" pitchFamily="2" charset="2"/>
-              <a:buChar char="§"/>
-            </a:pPr>
-            <a:r>
-              <a:rPr lang="en-US" sz="2400" b="1" dirty="0">
-                <a:solidFill>
-                  <a:schemeClr val="tx2">
-                    <a:lumMod val="60000"/>
-                    <a:lumOff val="40000"/>
-                  </a:schemeClr>
-                </a:solidFill>
-                <a:latin typeface="Open Sans" panose="020B0606030504020204" pitchFamily="34" charset="0"/>
-                <a:ea typeface="Open Sans" panose="020B0606030504020204" pitchFamily="34" charset="0"/>
-                <a:cs typeface="Open Sans" panose="020B0606030504020204" pitchFamily="34" charset="0"/>
-              </a:rPr>
-              <a:t>Applied Mechanics </a:t>
-            </a:r>
-            <a:r>
-              <a:rPr lang="en-US" sz="2400" dirty="0">
-                <a:latin typeface="Open Sans" panose="020B0606030504020204" pitchFamily="34" charset="0"/>
-                <a:ea typeface="Open Sans" panose="020B0606030504020204" pitchFamily="34" charset="0"/>
-                <a:cs typeface="Open Sans" panose="020B0606030504020204" pitchFamily="34" charset="0"/>
-              </a:rPr>
-              <a:t>transfers this theoretical knowledge to scientific and engineering applications, through the formulation of mathematical models of physical phenomena. </a:t>
-            </a:r>
-          </a:p>
-          <a:p>
-            <a:pPr algn="just">
-              <a:buFont typeface="Wingdings" panose="05000000000000000000" pitchFamily="2" charset="2"/>
-              <a:buChar char="§"/>
-            </a:pPr>
-            <a:r>
-              <a:rPr lang="en-US" sz="2400" b="1" dirty="0">
-                <a:solidFill>
-                  <a:schemeClr val="tx2">
-                    <a:lumMod val="60000"/>
-                    <a:lumOff val="40000"/>
-                  </a:schemeClr>
-                </a:solidFill>
-                <a:latin typeface="Open Sans" panose="020B0606030504020204" pitchFamily="34" charset="0"/>
-                <a:ea typeface="Open Sans" panose="020B0606030504020204" pitchFamily="34" charset="0"/>
-                <a:cs typeface="Open Sans" panose="020B0606030504020204" pitchFamily="34" charset="0"/>
-              </a:rPr>
-              <a:t>Computational Mechanics </a:t>
-            </a:r>
-            <a:r>
-              <a:rPr lang="en-US" sz="2400" dirty="0">
-                <a:latin typeface="Open Sans" panose="020B0606030504020204" pitchFamily="34" charset="0"/>
-                <a:ea typeface="Open Sans" panose="020B0606030504020204" pitchFamily="34" charset="0"/>
-                <a:cs typeface="Open Sans" panose="020B0606030504020204" pitchFamily="34" charset="0"/>
-              </a:rPr>
-              <a:t>solves specific problems by simulation through numerical methods implemented on digital computers. </a:t>
-            </a:r>
-          </a:p>
-          <a:p>
-            <a:pPr algn="just">
-              <a:buFont typeface="Wingdings" panose="05000000000000000000" pitchFamily="2" charset="2"/>
-              <a:buChar char="§"/>
-            </a:pPr>
-            <a:endParaRPr lang="en-US" sz="2400" dirty="0">
-              <a:latin typeface="Open Sans" panose="020B0606030504020204" pitchFamily="34" charset="0"/>
-              <a:ea typeface="Open Sans" panose="020B0606030504020204" pitchFamily="34" charset="0"/>
-              <a:cs typeface="Open Sans" panose="020B0606030504020204" pitchFamily="34" charset="0"/>
-            </a:endParaRPr>
-          </a:p>
-          <a:p>
-            <a:pPr algn="just">
-              <a:buFont typeface="Wingdings" panose="05000000000000000000" pitchFamily="2" charset="2"/>
-              <a:buChar char="§"/>
-            </a:pPr>
-            <a:endParaRPr lang="en-US" sz="2400" dirty="0">
-              <a:latin typeface="Open Sans" panose="020B0606030504020204" pitchFamily="34" charset="0"/>
-              <a:ea typeface="Open Sans" panose="020B0606030504020204" pitchFamily="34" charset="0"/>
-              <a:cs typeface="Open Sans" panose="020B0606030504020204" pitchFamily="34" charset="0"/>
-            </a:endParaRPr>
           </a:p>
         </p:txBody>
       </p:sp>
@@ -5792,10 +5755,1603 @@
           </a:p>
         </p:txBody>
       </p:sp>
+      <p:grpSp>
+        <p:nvGrpSpPr>
+          <p:cNvPr id="10" name="Group 21">
+            <a:extLst>
+              <a:ext uri="{FF2B5EF4-FFF2-40B4-BE49-F238E27FC236}">
+                <a16:creationId xmlns:a16="http://schemas.microsoft.com/office/drawing/2014/main" id="{20CE20A8-DDE4-4446-A77E-129E4BD06B68}"/>
+              </a:ext>
+            </a:extLst>
+          </p:cNvPr>
+          <p:cNvGrpSpPr>
+            <a:grpSpLocks/>
+          </p:cNvGrpSpPr>
+          <p:nvPr/>
+        </p:nvGrpSpPr>
+        <p:grpSpPr bwMode="auto">
+          <a:xfrm>
+            <a:off x="304800" y="2891425"/>
+            <a:ext cx="6052919" cy="3282949"/>
+            <a:chOff x="33" y="1029"/>
+            <a:chExt cx="4094" cy="2068"/>
+          </a:xfrm>
+        </p:grpSpPr>
+        <p:sp>
+          <p:nvSpPr>
+            <p:cNvPr id="11" name="AutoShape 5">
+              <a:extLst>
+                <a:ext uri="{FF2B5EF4-FFF2-40B4-BE49-F238E27FC236}">
+                  <a16:creationId xmlns:a16="http://schemas.microsoft.com/office/drawing/2014/main" id="{1759DE88-9A16-4AF8-8DDC-BB0A440BBD50}"/>
+                </a:ext>
+              </a:extLst>
+            </p:cNvPr>
+            <p:cNvSpPr>
+              <a:spLocks/>
+            </p:cNvSpPr>
+            <p:nvPr/>
+          </p:nvSpPr>
+          <p:spPr bwMode="auto">
+            <a:xfrm>
+              <a:off x="1445" y="1232"/>
+              <a:ext cx="226" cy="1739"/>
+            </a:xfrm>
+            <a:prstGeom prst="leftBrace">
+              <a:avLst>
+                <a:gd name="adj1" fmla="val 64122"/>
+                <a:gd name="adj2" fmla="val 50000"/>
+              </a:avLst>
+            </a:prstGeom>
+            <a:noFill/>
+            <a:ln w="25400">
+              <a:solidFill>
+                <a:schemeClr val="tx1"/>
+              </a:solidFill>
+              <a:round/>
+              <a:headEnd/>
+              <a:tailEnd/>
+            </a:ln>
+            <a:extLst>
+              <a:ext uri="{909E8E84-426E-40DD-AFC4-6F175D3DCCD1}">
+                <a14:hiddenFill xmlns:a14="http://schemas.microsoft.com/office/drawing/2010/main">
+                  <a:solidFill>
+                    <a:srgbClr val="FFFFFF"/>
+                  </a:solidFill>
+                </a14:hiddenFill>
+              </a:ext>
+            </a:extLst>
+          </p:spPr>
+          <p:txBody>
+            <a:bodyPr wrap="none" anchor="ctr"/>
+            <a:lstStyle>
+              <a:lvl1pPr>
+                <a:defRPr>
+                  <a:solidFill>
+                    <a:schemeClr val="tx1"/>
+                  </a:solidFill>
+                  <a:latin typeface="Verdana" panose="020B0604030504040204" pitchFamily="34" charset="0"/>
+                  <a:ea typeface="ＭＳ Ｐゴシック" panose="020B0600070205080204" pitchFamily="34" charset="-128"/>
+                </a:defRPr>
+              </a:lvl1pPr>
+              <a:lvl2pPr marL="742950" indent="-285750">
+                <a:defRPr>
+                  <a:solidFill>
+                    <a:schemeClr val="tx1"/>
+                  </a:solidFill>
+                  <a:latin typeface="Verdana" panose="020B0604030504040204" pitchFamily="34" charset="0"/>
+                  <a:ea typeface="ＭＳ Ｐゴシック" panose="020B0600070205080204" pitchFamily="34" charset="-128"/>
+                </a:defRPr>
+              </a:lvl2pPr>
+              <a:lvl3pPr marL="1143000" indent="-228600">
+                <a:defRPr>
+                  <a:solidFill>
+                    <a:schemeClr val="tx1"/>
+                  </a:solidFill>
+                  <a:latin typeface="Verdana" panose="020B0604030504040204" pitchFamily="34" charset="0"/>
+                  <a:ea typeface="ＭＳ Ｐゴシック" panose="020B0600070205080204" pitchFamily="34" charset="-128"/>
+                </a:defRPr>
+              </a:lvl3pPr>
+              <a:lvl4pPr marL="1600200" indent="-228600">
+                <a:defRPr>
+                  <a:solidFill>
+                    <a:schemeClr val="tx1"/>
+                  </a:solidFill>
+                  <a:latin typeface="Verdana" panose="020B0604030504040204" pitchFamily="34" charset="0"/>
+                  <a:ea typeface="ＭＳ Ｐゴシック" panose="020B0600070205080204" pitchFamily="34" charset="-128"/>
+                </a:defRPr>
+              </a:lvl4pPr>
+              <a:lvl5pPr marL="2057400" indent="-228600">
+                <a:defRPr>
+                  <a:solidFill>
+                    <a:schemeClr val="tx1"/>
+                  </a:solidFill>
+                  <a:latin typeface="Verdana" panose="020B0604030504040204" pitchFamily="34" charset="0"/>
+                  <a:ea typeface="ＭＳ Ｐゴシック" panose="020B0600070205080204" pitchFamily="34" charset="-128"/>
+                </a:defRPr>
+              </a:lvl5pPr>
+              <a:lvl6pPr marL="2514600" indent="-228600" eaLnBrk="0" fontAlgn="base" hangingPunct="0">
+                <a:spcBef>
+                  <a:spcPct val="0"/>
+                </a:spcBef>
+                <a:spcAft>
+                  <a:spcPct val="0"/>
+                </a:spcAft>
+                <a:defRPr>
+                  <a:solidFill>
+                    <a:schemeClr val="tx1"/>
+                  </a:solidFill>
+                  <a:latin typeface="Verdana" panose="020B0604030504040204" pitchFamily="34" charset="0"/>
+                  <a:ea typeface="ＭＳ Ｐゴシック" panose="020B0600070205080204" pitchFamily="34" charset="-128"/>
+                </a:defRPr>
+              </a:lvl6pPr>
+              <a:lvl7pPr marL="2971800" indent="-228600" eaLnBrk="0" fontAlgn="base" hangingPunct="0">
+                <a:spcBef>
+                  <a:spcPct val="0"/>
+                </a:spcBef>
+                <a:spcAft>
+                  <a:spcPct val="0"/>
+                </a:spcAft>
+                <a:defRPr>
+                  <a:solidFill>
+                    <a:schemeClr val="tx1"/>
+                  </a:solidFill>
+                  <a:latin typeface="Verdana" panose="020B0604030504040204" pitchFamily="34" charset="0"/>
+                  <a:ea typeface="ＭＳ Ｐゴシック" panose="020B0600070205080204" pitchFamily="34" charset="-128"/>
+                </a:defRPr>
+              </a:lvl7pPr>
+              <a:lvl8pPr marL="3429000" indent="-228600" eaLnBrk="0" fontAlgn="base" hangingPunct="0">
+                <a:spcBef>
+                  <a:spcPct val="0"/>
+                </a:spcBef>
+                <a:spcAft>
+                  <a:spcPct val="0"/>
+                </a:spcAft>
+                <a:defRPr>
+                  <a:solidFill>
+                    <a:schemeClr val="tx1"/>
+                  </a:solidFill>
+                  <a:latin typeface="Verdana" panose="020B0604030504040204" pitchFamily="34" charset="0"/>
+                  <a:ea typeface="ＭＳ Ｐゴシック" panose="020B0600070205080204" pitchFamily="34" charset="-128"/>
+                </a:defRPr>
+              </a:lvl8pPr>
+              <a:lvl9pPr marL="3886200" indent="-228600" eaLnBrk="0" fontAlgn="base" hangingPunct="0">
+                <a:spcBef>
+                  <a:spcPct val="0"/>
+                </a:spcBef>
+                <a:spcAft>
+                  <a:spcPct val="0"/>
+                </a:spcAft>
+                <a:defRPr>
+                  <a:solidFill>
+                    <a:schemeClr val="tx1"/>
+                  </a:solidFill>
+                  <a:latin typeface="Verdana" panose="020B0604030504040204" pitchFamily="34" charset="0"/>
+                  <a:ea typeface="ＭＳ Ｐゴシック" panose="020B0600070205080204" pitchFamily="34" charset="-128"/>
+                </a:defRPr>
+              </a:lvl9pPr>
+            </a:lstStyle>
+            <a:p>
+              <a:endParaRPr lang="ja-JP" altLang="en-US"/>
+            </a:p>
+          </p:txBody>
+        </p:sp>
+        <p:sp>
+          <p:nvSpPr>
+            <p:cNvPr id="12" name="Text Box 6">
+              <a:extLst>
+                <a:ext uri="{FF2B5EF4-FFF2-40B4-BE49-F238E27FC236}">
+                  <a16:creationId xmlns:a16="http://schemas.microsoft.com/office/drawing/2014/main" id="{A85CD4C4-7DE3-4F63-85E6-0AAE32D8A91F}"/>
+                </a:ext>
+              </a:extLst>
+            </p:cNvPr>
+            <p:cNvSpPr txBox="1">
+              <a:spLocks noChangeArrowheads="1"/>
+            </p:cNvSpPr>
+            <p:nvPr/>
+          </p:nvSpPr>
+          <p:spPr bwMode="auto">
+            <a:xfrm>
+              <a:off x="33" y="1742"/>
+              <a:ext cx="1927" cy="523"/>
+            </a:xfrm>
+            <a:prstGeom prst="rect">
+              <a:avLst/>
+            </a:prstGeom>
+            <a:noFill/>
+            <a:ln>
+              <a:noFill/>
+            </a:ln>
+            <a:extLst>
+              <a:ext uri="{909E8E84-426E-40DD-AFC4-6F175D3DCCD1}">
+                <a14:hiddenFill xmlns:a14="http://schemas.microsoft.com/office/drawing/2010/main">
+                  <a:solidFill>
+                    <a:srgbClr val="FFFFFF"/>
+                  </a:solidFill>
+                </a14:hiddenFill>
+              </a:ext>
+              <a:ext uri="{91240B29-F687-4F45-9708-019B960494DF}">
+                <a14:hiddenLine xmlns:a14="http://schemas.microsoft.com/office/drawing/2010/main" w="9525">
+                  <a:solidFill>
+                    <a:srgbClr val="000000"/>
+                  </a:solidFill>
+                  <a:miter lim="800000"/>
+                  <a:headEnd/>
+                  <a:tailEnd/>
+                </a14:hiddenLine>
+              </a:ext>
+            </a:extLst>
+          </p:spPr>
+          <p:txBody>
+            <a:bodyPr wrap="square">
+              <a:spAutoFit/>
+            </a:bodyPr>
+            <a:lstStyle>
+              <a:lvl1pPr>
+                <a:defRPr>
+                  <a:solidFill>
+                    <a:schemeClr val="tx1"/>
+                  </a:solidFill>
+                  <a:latin typeface="Verdana" panose="020B0604030504040204" pitchFamily="34" charset="0"/>
+                  <a:ea typeface="ＭＳ Ｐゴシック" panose="020B0600070205080204" pitchFamily="34" charset="-128"/>
+                </a:defRPr>
+              </a:lvl1pPr>
+              <a:lvl2pPr marL="742950" indent="-285750">
+                <a:defRPr>
+                  <a:solidFill>
+                    <a:schemeClr val="tx1"/>
+                  </a:solidFill>
+                  <a:latin typeface="Verdana" panose="020B0604030504040204" pitchFamily="34" charset="0"/>
+                  <a:ea typeface="ＭＳ Ｐゴシック" panose="020B0600070205080204" pitchFamily="34" charset="-128"/>
+                </a:defRPr>
+              </a:lvl2pPr>
+              <a:lvl3pPr marL="1143000" indent="-228600">
+                <a:defRPr>
+                  <a:solidFill>
+                    <a:schemeClr val="tx1"/>
+                  </a:solidFill>
+                  <a:latin typeface="Verdana" panose="020B0604030504040204" pitchFamily="34" charset="0"/>
+                  <a:ea typeface="ＭＳ Ｐゴシック" panose="020B0600070205080204" pitchFamily="34" charset="-128"/>
+                </a:defRPr>
+              </a:lvl3pPr>
+              <a:lvl4pPr marL="1600200" indent="-228600">
+                <a:defRPr>
+                  <a:solidFill>
+                    <a:schemeClr val="tx1"/>
+                  </a:solidFill>
+                  <a:latin typeface="Verdana" panose="020B0604030504040204" pitchFamily="34" charset="0"/>
+                  <a:ea typeface="ＭＳ Ｐゴシック" panose="020B0600070205080204" pitchFamily="34" charset="-128"/>
+                </a:defRPr>
+              </a:lvl4pPr>
+              <a:lvl5pPr marL="2057400" indent="-228600">
+                <a:defRPr>
+                  <a:solidFill>
+                    <a:schemeClr val="tx1"/>
+                  </a:solidFill>
+                  <a:latin typeface="Verdana" panose="020B0604030504040204" pitchFamily="34" charset="0"/>
+                  <a:ea typeface="ＭＳ Ｐゴシック" panose="020B0600070205080204" pitchFamily="34" charset="-128"/>
+                </a:defRPr>
+              </a:lvl5pPr>
+              <a:lvl6pPr marL="2514600" indent="-228600" eaLnBrk="0" fontAlgn="base" hangingPunct="0">
+                <a:spcBef>
+                  <a:spcPct val="0"/>
+                </a:spcBef>
+                <a:spcAft>
+                  <a:spcPct val="0"/>
+                </a:spcAft>
+                <a:defRPr>
+                  <a:solidFill>
+                    <a:schemeClr val="tx1"/>
+                  </a:solidFill>
+                  <a:latin typeface="Verdana" panose="020B0604030504040204" pitchFamily="34" charset="0"/>
+                  <a:ea typeface="ＭＳ Ｐゴシック" panose="020B0600070205080204" pitchFamily="34" charset="-128"/>
+                </a:defRPr>
+              </a:lvl6pPr>
+              <a:lvl7pPr marL="2971800" indent="-228600" eaLnBrk="0" fontAlgn="base" hangingPunct="0">
+                <a:spcBef>
+                  <a:spcPct val="0"/>
+                </a:spcBef>
+                <a:spcAft>
+                  <a:spcPct val="0"/>
+                </a:spcAft>
+                <a:defRPr>
+                  <a:solidFill>
+                    <a:schemeClr val="tx1"/>
+                  </a:solidFill>
+                  <a:latin typeface="Verdana" panose="020B0604030504040204" pitchFamily="34" charset="0"/>
+                  <a:ea typeface="ＭＳ Ｐゴシック" panose="020B0600070205080204" pitchFamily="34" charset="-128"/>
+                </a:defRPr>
+              </a:lvl7pPr>
+              <a:lvl8pPr marL="3429000" indent="-228600" eaLnBrk="0" fontAlgn="base" hangingPunct="0">
+                <a:spcBef>
+                  <a:spcPct val="0"/>
+                </a:spcBef>
+                <a:spcAft>
+                  <a:spcPct val="0"/>
+                </a:spcAft>
+                <a:defRPr>
+                  <a:solidFill>
+                    <a:schemeClr val="tx1"/>
+                  </a:solidFill>
+                  <a:latin typeface="Verdana" panose="020B0604030504040204" pitchFamily="34" charset="0"/>
+                  <a:ea typeface="ＭＳ Ｐゴシック" panose="020B0600070205080204" pitchFamily="34" charset="-128"/>
+                </a:defRPr>
+              </a:lvl8pPr>
+              <a:lvl9pPr marL="3886200" indent="-228600" eaLnBrk="0" fontAlgn="base" hangingPunct="0">
+                <a:spcBef>
+                  <a:spcPct val="0"/>
+                </a:spcBef>
+                <a:spcAft>
+                  <a:spcPct val="0"/>
+                </a:spcAft>
+                <a:defRPr>
+                  <a:solidFill>
+                    <a:schemeClr val="tx1"/>
+                  </a:solidFill>
+                  <a:latin typeface="Verdana" panose="020B0604030504040204" pitchFamily="34" charset="0"/>
+                  <a:ea typeface="ＭＳ Ｐゴシック" panose="020B0600070205080204" pitchFamily="34" charset="-128"/>
+                </a:defRPr>
+              </a:lvl9pPr>
+            </a:lstStyle>
+            <a:p>
+              <a:pPr eaLnBrk="1" hangingPunct="1">
+                <a:spcBef>
+                  <a:spcPct val="50000"/>
+                </a:spcBef>
+              </a:pPr>
+              <a:r>
+                <a:rPr lang="en-US" altLang="ja-JP" sz="2400" dirty="0">
+                  <a:latin typeface="Open Sans" panose="020B0606030504020204" pitchFamily="34" charset="0"/>
+                  <a:ea typeface="Open Sans" panose="020B0606030504020204" pitchFamily="34" charset="0"/>
+                  <a:cs typeface="Open Sans" panose="020B0606030504020204" pitchFamily="34" charset="0"/>
+                </a:rPr>
+                <a:t>Computational Mechanics</a:t>
+              </a:r>
+            </a:p>
+          </p:txBody>
+        </p:sp>
+        <p:sp>
+          <p:nvSpPr>
+            <p:cNvPr id="13" name="Text Box 7">
+              <a:extLst>
+                <a:ext uri="{FF2B5EF4-FFF2-40B4-BE49-F238E27FC236}">
+                  <a16:creationId xmlns:a16="http://schemas.microsoft.com/office/drawing/2014/main" id="{BDAFA5B8-16EF-46F3-9270-604D4BCA83AB}"/>
+                </a:ext>
+              </a:extLst>
+            </p:cNvPr>
+            <p:cNvSpPr txBox="1">
+              <a:spLocks noChangeArrowheads="1"/>
+            </p:cNvSpPr>
+            <p:nvPr/>
+          </p:nvSpPr>
+          <p:spPr bwMode="auto">
+            <a:xfrm>
+              <a:off x="1651" y="1029"/>
+              <a:ext cx="2222" cy="523"/>
+            </a:xfrm>
+            <a:prstGeom prst="rect">
+              <a:avLst/>
+            </a:prstGeom>
+            <a:noFill/>
+            <a:ln>
+              <a:noFill/>
+            </a:ln>
+            <a:extLst>
+              <a:ext uri="{909E8E84-426E-40DD-AFC4-6F175D3DCCD1}">
+                <a14:hiddenFill xmlns:a14="http://schemas.microsoft.com/office/drawing/2010/main">
+                  <a:solidFill>
+                    <a:srgbClr val="FFFFFF"/>
+                  </a:solidFill>
+                </a14:hiddenFill>
+              </a:ext>
+              <a:ext uri="{91240B29-F687-4F45-9708-019B960494DF}">
+                <a14:hiddenLine xmlns:a14="http://schemas.microsoft.com/office/drawing/2010/main" w="9525">
+                  <a:solidFill>
+                    <a:srgbClr val="000000"/>
+                  </a:solidFill>
+                  <a:miter lim="800000"/>
+                  <a:headEnd/>
+                  <a:tailEnd/>
+                </a14:hiddenLine>
+              </a:ext>
+            </a:extLst>
+          </p:spPr>
+          <p:txBody>
+            <a:bodyPr wrap="square">
+              <a:spAutoFit/>
+            </a:bodyPr>
+            <a:lstStyle>
+              <a:lvl1pPr>
+                <a:defRPr>
+                  <a:solidFill>
+                    <a:schemeClr val="tx1"/>
+                  </a:solidFill>
+                  <a:latin typeface="Verdana" panose="020B0604030504040204" pitchFamily="34" charset="0"/>
+                  <a:ea typeface="ＭＳ Ｐゴシック" panose="020B0600070205080204" pitchFamily="34" charset="-128"/>
+                </a:defRPr>
+              </a:lvl1pPr>
+              <a:lvl2pPr marL="742950" indent="-285750">
+                <a:defRPr>
+                  <a:solidFill>
+                    <a:schemeClr val="tx1"/>
+                  </a:solidFill>
+                  <a:latin typeface="Verdana" panose="020B0604030504040204" pitchFamily="34" charset="0"/>
+                  <a:ea typeface="ＭＳ Ｐゴシック" panose="020B0600070205080204" pitchFamily="34" charset="-128"/>
+                </a:defRPr>
+              </a:lvl2pPr>
+              <a:lvl3pPr marL="1143000" indent="-228600">
+                <a:defRPr>
+                  <a:solidFill>
+                    <a:schemeClr val="tx1"/>
+                  </a:solidFill>
+                  <a:latin typeface="Verdana" panose="020B0604030504040204" pitchFamily="34" charset="0"/>
+                  <a:ea typeface="ＭＳ Ｐゴシック" panose="020B0600070205080204" pitchFamily="34" charset="-128"/>
+                </a:defRPr>
+              </a:lvl3pPr>
+              <a:lvl4pPr marL="1600200" indent="-228600">
+                <a:defRPr>
+                  <a:solidFill>
+                    <a:schemeClr val="tx1"/>
+                  </a:solidFill>
+                  <a:latin typeface="Verdana" panose="020B0604030504040204" pitchFamily="34" charset="0"/>
+                  <a:ea typeface="ＭＳ Ｐゴシック" panose="020B0600070205080204" pitchFamily="34" charset="-128"/>
+                </a:defRPr>
+              </a:lvl4pPr>
+              <a:lvl5pPr marL="2057400" indent="-228600">
+                <a:defRPr>
+                  <a:solidFill>
+                    <a:schemeClr val="tx1"/>
+                  </a:solidFill>
+                  <a:latin typeface="Verdana" panose="020B0604030504040204" pitchFamily="34" charset="0"/>
+                  <a:ea typeface="ＭＳ Ｐゴシック" panose="020B0600070205080204" pitchFamily="34" charset="-128"/>
+                </a:defRPr>
+              </a:lvl5pPr>
+              <a:lvl6pPr marL="2514600" indent="-228600" eaLnBrk="0" fontAlgn="base" hangingPunct="0">
+                <a:spcBef>
+                  <a:spcPct val="0"/>
+                </a:spcBef>
+                <a:spcAft>
+                  <a:spcPct val="0"/>
+                </a:spcAft>
+                <a:defRPr>
+                  <a:solidFill>
+                    <a:schemeClr val="tx1"/>
+                  </a:solidFill>
+                  <a:latin typeface="Verdana" panose="020B0604030504040204" pitchFamily="34" charset="0"/>
+                  <a:ea typeface="ＭＳ Ｐゴシック" panose="020B0600070205080204" pitchFamily="34" charset="-128"/>
+                </a:defRPr>
+              </a:lvl6pPr>
+              <a:lvl7pPr marL="2971800" indent="-228600" eaLnBrk="0" fontAlgn="base" hangingPunct="0">
+                <a:spcBef>
+                  <a:spcPct val="0"/>
+                </a:spcBef>
+                <a:spcAft>
+                  <a:spcPct val="0"/>
+                </a:spcAft>
+                <a:defRPr>
+                  <a:solidFill>
+                    <a:schemeClr val="tx1"/>
+                  </a:solidFill>
+                  <a:latin typeface="Verdana" panose="020B0604030504040204" pitchFamily="34" charset="0"/>
+                  <a:ea typeface="ＭＳ Ｐゴシック" panose="020B0600070205080204" pitchFamily="34" charset="-128"/>
+                </a:defRPr>
+              </a:lvl7pPr>
+              <a:lvl8pPr marL="3429000" indent="-228600" eaLnBrk="0" fontAlgn="base" hangingPunct="0">
+                <a:spcBef>
+                  <a:spcPct val="0"/>
+                </a:spcBef>
+                <a:spcAft>
+                  <a:spcPct val="0"/>
+                </a:spcAft>
+                <a:defRPr>
+                  <a:solidFill>
+                    <a:schemeClr val="tx1"/>
+                  </a:solidFill>
+                  <a:latin typeface="Verdana" panose="020B0604030504040204" pitchFamily="34" charset="0"/>
+                  <a:ea typeface="ＭＳ Ｐゴシック" panose="020B0600070205080204" pitchFamily="34" charset="-128"/>
+                </a:defRPr>
+              </a:lvl8pPr>
+              <a:lvl9pPr marL="3886200" indent="-228600" eaLnBrk="0" fontAlgn="base" hangingPunct="0">
+                <a:spcBef>
+                  <a:spcPct val="0"/>
+                </a:spcBef>
+                <a:spcAft>
+                  <a:spcPct val="0"/>
+                </a:spcAft>
+                <a:defRPr>
+                  <a:solidFill>
+                    <a:schemeClr val="tx1"/>
+                  </a:solidFill>
+                  <a:latin typeface="Verdana" panose="020B0604030504040204" pitchFamily="34" charset="0"/>
+                  <a:ea typeface="ＭＳ Ｐゴシック" panose="020B0600070205080204" pitchFamily="34" charset="-128"/>
+                </a:defRPr>
+              </a:lvl9pPr>
+            </a:lstStyle>
+            <a:p>
+              <a:pPr>
+                <a:spcBef>
+                  <a:spcPct val="50000"/>
+                </a:spcBef>
+              </a:pPr>
+              <a:r>
+                <a:rPr lang="en-US" altLang="ja-JP" sz="2400" dirty="0" err="1">
+                  <a:latin typeface="Open Sans" panose="020B0606030504020204" pitchFamily="34" charset="0"/>
+                  <a:ea typeface="Open Sans" panose="020B0606030504020204" pitchFamily="34" charset="0"/>
+                  <a:cs typeface="Open Sans" panose="020B0606030504020204" pitchFamily="34" charset="0"/>
+                </a:rPr>
+                <a:t>Nanomechanics</a:t>
+              </a:r>
+              <a:r>
+                <a:rPr lang="en-US" altLang="ja-JP" sz="2400" dirty="0">
+                  <a:latin typeface="Open Sans" panose="020B0606030504020204" pitchFamily="34" charset="0"/>
+                  <a:ea typeface="Open Sans" panose="020B0606030504020204" pitchFamily="34" charset="0"/>
+                  <a:cs typeface="Open Sans" panose="020B0606030504020204" pitchFamily="34" charset="0"/>
+                </a:rPr>
+                <a:t> and micromechanics</a:t>
+              </a:r>
+            </a:p>
+          </p:txBody>
+        </p:sp>
+        <p:sp>
+          <p:nvSpPr>
+            <p:cNvPr id="14" name="Text Box 10">
+              <a:extLst>
+                <a:ext uri="{FF2B5EF4-FFF2-40B4-BE49-F238E27FC236}">
+                  <a16:creationId xmlns:a16="http://schemas.microsoft.com/office/drawing/2014/main" id="{AF71F4B8-58D8-4F9F-B1C3-18BAE12498A9}"/>
+                </a:ext>
+              </a:extLst>
+            </p:cNvPr>
+            <p:cNvSpPr txBox="1">
+              <a:spLocks noChangeArrowheads="1"/>
+            </p:cNvSpPr>
+            <p:nvPr/>
+          </p:nvSpPr>
+          <p:spPr bwMode="auto">
+            <a:xfrm>
+              <a:off x="1651" y="1925"/>
+              <a:ext cx="2476" cy="291"/>
+            </a:xfrm>
+            <a:prstGeom prst="rect">
+              <a:avLst/>
+            </a:prstGeom>
+            <a:noFill/>
+            <a:ln>
+              <a:noFill/>
+            </a:ln>
+            <a:extLst>
+              <a:ext uri="{909E8E84-426E-40DD-AFC4-6F175D3DCCD1}">
+                <a14:hiddenFill xmlns:a14="http://schemas.microsoft.com/office/drawing/2010/main">
+                  <a:solidFill>
+                    <a:srgbClr val="FFFFFF"/>
+                  </a:solidFill>
+                </a14:hiddenFill>
+              </a:ext>
+              <a:ext uri="{91240B29-F687-4F45-9708-019B960494DF}">
+                <a14:hiddenLine xmlns:a14="http://schemas.microsoft.com/office/drawing/2010/main" w="9525" algn="ctr">
+                  <a:solidFill>
+                    <a:srgbClr val="000000"/>
+                  </a:solidFill>
+                  <a:miter lim="800000"/>
+                  <a:headEnd/>
+                  <a:tailEnd/>
+                </a14:hiddenLine>
+              </a:ext>
+            </a:extLst>
+          </p:spPr>
+          <p:txBody>
+            <a:bodyPr wrap="square">
+              <a:spAutoFit/>
+            </a:bodyPr>
+            <a:lstStyle>
+              <a:lvl1pPr>
+                <a:defRPr>
+                  <a:solidFill>
+                    <a:schemeClr val="tx1"/>
+                  </a:solidFill>
+                  <a:latin typeface="Verdana" panose="020B0604030504040204" pitchFamily="34" charset="0"/>
+                  <a:ea typeface="ＭＳ Ｐゴシック" panose="020B0600070205080204" pitchFamily="34" charset="-128"/>
+                </a:defRPr>
+              </a:lvl1pPr>
+              <a:lvl2pPr marL="742950" indent="-285750">
+                <a:defRPr>
+                  <a:solidFill>
+                    <a:schemeClr val="tx1"/>
+                  </a:solidFill>
+                  <a:latin typeface="Verdana" panose="020B0604030504040204" pitchFamily="34" charset="0"/>
+                  <a:ea typeface="ＭＳ Ｐゴシック" panose="020B0600070205080204" pitchFamily="34" charset="-128"/>
+                </a:defRPr>
+              </a:lvl2pPr>
+              <a:lvl3pPr marL="1143000" indent="-228600">
+                <a:defRPr>
+                  <a:solidFill>
+                    <a:schemeClr val="tx1"/>
+                  </a:solidFill>
+                  <a:latin typeface="Verdana" panose="020B0604030504040204" pitchFamily="34" charset="0"/>
+                  <a:ea typeface="ＭＳ Ｐゴシック" panose="020B0600070205080204" pitchFamily="34" charset="-128"/>
+                </a:defRPr>
+              </a:lvl3pPr>
+              <a:lvl4pPr marL="1600200" indent="-228600">
+                <a:defRPr>
+                  <a:solidFill>
+                    <a:schemeClr val="tx1"/>
+                  </a:solidFill>
+                  <a:latin typeface="Verdana" panose="020B0604030504040204" pitchFamily="34" charset="0"/>
+                  <a:ea typeface="ＭＳ Ｐゴシック" panose="020B0600070205080204" pitchFamily="34" charset="-128"/>
+                </a:defRPr>
+              </a:lvl4pPr>
+              <a:lvl5pPr marL="2057400" indent="-228600">
+                <a:defRPr>
+                  <a:solidFill>
+                    <a:schemeClr val="tx1"/>
+                  </a:solidFill>
+                  <a:latin typeface="Verdana" panose="020B0604030504040204" pitchFamily="34" charset="0"/>
+                  <a:ea typeface="ＭＳ Ｐゴシック" panose="020B0600070205080204" pitchFamily="34" charset="-128"/>
+                </a:defRPr>
+              </a:lvl5pPr>
+              <a:lvl6pPr marL="2514600" indent="-228600" eaLnBrk="0" fontAlgn="base" hangingPunct="0">
+                <a:spcBef>
+                  <a:spcPct val="0"/>
+                </a:spcBef>
+                <a:spcAft>
+                  <a:spcPct val="0"/>
+                </a:spcAft>
+                <a:defRPr>
+                  <a:solidFill>
+                    <a:schemeClr val="tx1"/>
+                  </a:solidFill>
+                  <a:latin typeface="Verdana" panose="020B0604030504040204" pitchFamily="34" charset="0"/>
+                  <a:ea typeface="ＭＳ Ｐゴシック" panose="020B0600070205080204" pitchFamily="34" charset="-128"/>
+                </a:defRPr>
+              </a:lvl6pPr>
+              <a:lvl7pPr marL="2971800" indent="-228600" eaLnBrk="0" fontAlgn="base" hangingPunct="0">
+                <a:spcBef>
+                  <a:spcPct val="0"/>
+                </a:spcBef>
+                <a:spcAft>
+                  <a:spcPct val="0"/>
+                </a:spcAft>
+                <a:defRPr>
+                  <a:solidFill>
+                    <a:schemeClr val="tx1"/>
+                  </a:solidFill>
+                  <a:latin typeface="Verdana" panose="020B0604030504040204" pitchFamily="34" charset="0"/>
+                  <a:ea typeface="ＭＳ Ｐゴシック" panose="020B0600070205080204" pitchFamily="34" charset="-128"/>
+                </a:defRPr>
+              </a:lvl7pPr>
+              <a:lvl8pPr marL="3429000" indent="-228600" eaLnBrk="0" fontAlgn="base" hangingPunct="0">
+                <a:spcBef>
+                  <a:spcPct val="0"/>
+                </a:spcBef>
+                <a:spcAft>
+                  <a:spcPct val="0"/>
+                </a:spcAft>
+                <a:defRPr>
+                  <a:solidFill>
+                    <a:schemeClr val="tx1"/>
+                  </a:solidFill>
+                  <a:latin typeface="Verdana" panose="020B0604030504040204" pitchFamily="34" charset="0"/>
+                  <a:ea typeface="ＭＳ Ｐゴシック" panose="020B0600070205080204" pitchFamily="34" charset="-128"/>
+                </a:defRPr>
+              </a:lvl8pPr>
+              <a:lvl9pPr marL="3886200" indent="-228600" eaLnBrk="0" fontAlgn="base" hangingPunct="0">
+                <a:spcBef>
+                  <a:spcPct val="0"/>
+                </a:spcBef>
+                <a:spcAft>
+                  <a:spcPct val="0"/>
+                </a:spcAft>
+                <a:defRPr>
+                  <a:solidFill>
+                    <a:schemeClr val="tx1"/>
+                  </a:solidFill>
+                  <a:latin typeface="Verdana" panose="020B0604030504040204" pitchFamily="34" charset="0"/>
+                  <a:ea typeface="ＭＳ Ｐゴシック" panose="020B0600070205080204" pitchFamily="34" charset="-128"/>
+                </a:defRPr>
+              </a:lvl9pPr>
+            </a:lstStyle>
+            <a:p>
+              <a:pPr eaLnBrk="1" hangingPunct="1">
+                <a:spcBef>
+                  <a:spcPct val="50000"/>
+                </a:spcBef>
+              </a:pPr>
+              <a:r>
+                <a:rPr lang="en-US" altLang="ja-JP" sz="2400" b="1" dirty="0">
+                  <a:solidFill>
+                    <a:schemeClr val="tx2">
+                      <a:lumMod val="60000"/>
+                      <a:lumOff val="40000"/>
+                    </a:schemeClr>
+                  </a:solidFill>
+                  <a:latin typeface="Open Sans" panose="020B0606030504020204" pitchFamily="34" charset="0"/>
+                  <a:ea typeface="Open Sans" panose="020B0606030504020204" pitchFamily="34" charset="0"/>
+                  <a:cs typeface="Open Sans" panose="020B0606030504020204" pitchFamily="34" charset="0"/>
+                </a:rPr>
+                <a:t>Continuum mechanics</a:t>
+              </a:r>
+            </a:p>
+          </p:txBody>
+        </p:sp>
+        <p:sp>
+          <p:nvSpPr>
+            <p:cNvPr id="15" name="Text Box 15">
+              <a:extLst>
+                <a:ext uri="{FF2B5EF4-FFF2-40B4-BE49-F238E27FC236}">
+                  <a16:creationId xmlns:a16="http://schemas.microsoft.com/office/drawing/2014/main" id="{9307020D-4DDE-4369-86A3-0B6C65E25091}"/>
+                </a:ext>
+              </a:extLst>
+            </p:cNvPr>
+            <p:cNvSpPr txBox="1">
+              <a:spLocks noChangeArrowheads="1"/>
+            </p:cNvSpPr>
+            <p:nvPr/>
+          </p:nvSpPr>
+          <p:spPr bwMode="auto">
+            <a:xfrm>
+              <a:off x="1651" y="2806"/>
+              <a:ext cx="1109" cy="291"/>
+            </a:xfrm>
+            <a:prstGeom prst="rect">
+              <a:avLst/>
+            </a:prstGeom>
+            <a:noFill/>
+            <a:ln>
+              <a:noFill/>
+            </a:ln>
+            <a:extLst>
+              <a:ext uri="{909E8E84-426E-40DD-AFC4-6F175D3DCCD1}">
+                <a14:hiddenFill xmlns:a14="http://schemas.microsoft.com/office/drawing/2010/main">
+                  <a:solidFill>
+                    <a:srgbClr val="FFFFFF"/>
+                  </a:solidFill>
+                </a14:hiddenFill>
+              </a:ext>
+              <a:ext uri="{91240B29-F687-4F45-9708-019B960494DF}">
+                <a14:hiddenLine xmlns:a14="http://schemas.microsoft.com/office/drawing/2010/main" w="9525" algn="ctr">
+                  <a:solidFill>
+                    <a:srgbClr val="000000"/>
+                  </a:solidFill>
+                  <a:miter lim="800000"/>
+                  <a:headEnd/>
+                  <a:tailEnd/>
+                </a14:hiddenLine>
+              </a:ext>
+            </a:extLst>
+          </p:spPr>
+          <p:txBody>
+            <a:bodyPr wrap="square">
+              <a:spAutoFit/>
+            </a:bodyPr>
+            <a:lstStyle>
+              <a:lvl1pPr>
+                <a:defRPr>
+                  <a:solidFill>
+                    <a:schemeClr val="tx1"/>
+                  </a:solidFill>
+                  <a:latin typeface="Verdana" panose="020B0604030504040204" pitchFamily="34" charset="0"/>
+                  <a:ea typeface="ＭＳ Ｐゴシック" panose="020B0600070205080204" pitchFamily="34" charset="-128"/>
+                </a:defRPr>
+              </a:lvl1pPr>
+              <a:lvl2pPr marL="742950" indent="-285750">
+                <a:defRPr>
+                  <a:solidFill>
+                    <a:schemeClr val="tx1"/>
+                  </a:solidFill>
+                  <a:latin typeface="Verdana" panose="020B0604030504040204" pitchFamily="34" charset="0"/>
+                  <a:ea typeface="ＭＳ Ｐゴシック" panose="020B0600070205080204" pitchFamily="34" charset="-128"/>
+                </a:defRPr>
+              </a:lvl2pPr>
+              <a:lvl3pPr marL="1143000" indent="-228600">
+                <a:defRPr>
+                  <a:solidFill>
+                    <a:schemeClr val="tx1"/>
+                  </a:solidFill>
+                  <a:latin typeface="Verdana" panose="020B0604030504040204" pitchFamily="34" charset="0"/>
+                  <a:ea typeface="ＭＳ Ｐゴシック" panose="020B0600070205080204" pitchFamily="34" charset="-128"/>
+                </a:defRPr>
+              </a:lvl3pPr>
+              <a:lvl4pPr marL="1600200" indent="-228600">
+                <a:defRPr>
+                  <a:solidFill>
+                    <a:schemeClr val="tx1"/>
+                  </a:solidFill>
+                  <a:latin typeface="Verdana" panose="020B0604030504040204" pitchFamily="34" charset="0"/>
+                  <a:ea typeface="ＭＳ Ｐゴシック" panose="020B0600070205080204" pitchFamily="34" charset="-128"/>
+                </a:defRPr>
+              </a:lvl4pPr>
+              <a:lvl5pPr marL="2057400" indent="-228600">
+                <a:defRPr>
+                  <a:solidFill>
+                    <a:schemeClr val="tx1"/>
+                  </a:solidFill>
+                  <a:latin typeface="Verdana" panose="020B0604030504040204" pitchFamily="34" charset="0"/>
+                  <a:ea typeface="ＭＳ Ｐゴシック" panose="020B0600070205080204" pitchFamily="34" charset="-128"/>
+                </a:defRPr>
+              </a:lvl5pPr>
+              <a:lvl6pPr marL="2514600" indent="-228600" eaLnBrk="0" fontAlgn="base" hangingPunct="0">
+                <a:spcBef>
+                  <a:spcPct val="0"/>
+                </a:spcBef>
+                <a:spcAft>
+                  <a:spcPct val="0"/>
+                </a:spcAft>
+                <a:defRPr>
+                  <a:solidFill>
+                    <a:schemeClr val="tx1"/>
+                  </a:solidFill>
+                  <a:latin typeface="Verdana" panose="020B0604030504040204" pitchFamily="34" charset="0"/>
+                  <a:ea typeface="ＭＳ Ｐゴシック" panose="020B0600070205080204" pitchFamily="34" charset="-128"/>
+                </a:defRPr>
+              </a:lvl6pPr>
+              <a:lvl7pPr marL="2971800" indent="-228600" eaLnBrk="0" fontAlgn="base" hangingPunct="0">
+                <a:spcBef>
+                  <a:spcPct val="0"/>
+                </a:spcBef>
+                <a:spcAft>
+                  <a:spcPct val="0"/>
+                </a:spcAft>
+                <a:defRPr>
+                  <a:solidFill>
+                    <a:schemeClr val="tx1"/>
+                  </a:solidFill>
+                  <a:latin typeface="Verdana" panose="020B0604030504040204" pitchFamily="34" charset="0"/>
+                  <a:ea typeface="ＭＳ Ｐゴシック" panose="020B0600070205080204" pitchFamily="34" charset="-128"/>
+                </a:defRPr>
+              </a:lvl7pPr>
+              <a:lvl8pPr marL="3429000" indent="-228600" eaLnBrk="0" fontAlgn="base" hangingPunct="0">
+                <a:spcBef>
+                  <a:spcPct val="0"/>
+                </a:spcBef>
+                <a:spcAft>
+                  <a:spcPct val="0"/>
+                </a:spcAft>
+                <a:defRPr>
+                  <a:solidFill>
+                    <a:schemeClr val="tx1"/>
+                  </a:solidFill>
+                  <a:latin typeface="Verdana" panose="020B0604030504040204" pitchFamily="34" charset="0"/>
+                  <a:ea typeface="ＭＳ Ｐゴシック" panose="020B0600070205080204" pitchFamily="34" charset="-128"/>
+                </a:defRPr>
+              </a:lvl8pPr>
+              <a:lvl9pPr marL="3886200" indent="-228600" eaLnBrk="0" fontAlgn="base" hangingPunct="0">
+                <a:spcBef>
+                  <a:spcPct val="0"/>
+                </a:spcBef>
+                <a:spcAft>
+                  <a:spcPct val="0"/>
+                </a:spcAft>
+                <a:defRPr>
+                  <a:solidFill>
+                    <a:schemeClr val="tx1"/>
+                  </a:solidFill>
+                  <a:latin typeface="Verdana" panose="020B0604030504040204" pitchFamily="34" charset="0"/>
+                  <a:ea typeface="ＭＳ Ｐゴシック" panose="020B0600070205080204" pitchFamily="34" charset="-128"/>
+                </a:defRPr>
+              </a:lvl9pPr>
+            </a:lstStyle>
+            <a:p>
+              <a:pPr eaLnBrk="1" hangingPunct="1">
+                <a:spcBef>
+                  <a:spcPct val="50000"/>
+                </a:spcBef>
+              </a:pPr>
+              <a:r>
+                <a:rPr lang="en-US" altLang="ja-JP" sz="2400" dirty="0">
+                  <a:latin typeface="Open Sans" panose="020B0606030504020204" pitchFamily="34" charset="0"/>
+                  <a:ea typeface="Open Sans" panose="020B0606030504020204" pitchFamily="34" charset="0"/>
+                  <a:cs typeface="Open Sans" panose="020B0606030504020204" pitchFamily="34" charset="0"/>
+                </a:rPr>
+                <a:t>Systems</a:t>
+              </a:r>
+            </a:p>
+          </p:txBody>
+        </p:sp>
+      </p:grpSp>
+      <p:grpSp>
+        <p:nvGrpSpPr>
+          <p:cNvPr id="17" name="Group 22">
+            <a:extLst>
+              <a:ext uri="{FF2B5EF4-FFF2-40B4-BE49-F238E27FC236}">
+                <a16:creationId xmlns:a16="http://schemas.microsoft.com/office/drawing/2014/main" id="{096A37E9-5FBA-4471-BD43-01786C87915A}"/>
+              </a:ext>
+            </a:extLst>
+          </p:cNvPr>
+          <p:cNvGrpSpPr>
+            <a:grpSpLocks/>
+          </p:cNvGrpSpPr>
+          <p:nvPr/>
+        </p:nvGrpSpPr>
+        <p:grpSpPr bwMode="auto">
+          <a:xfrm>
+            <a:off x="6172201" y="3455769"/>
+            <a:ext cx="2971800" cy="2252663"/>
+            <a:chOff x="3987" y="1418"/>
+            <a:chExt cx="1968" cy="1419"/>
+          </a:xfrm>
+        </p:grpSpPr>
+        <p:sp>
+          <p:nvSpPr>
+            <p:cNvPr id="18" name="AutoShape 11">
+              <a:extLst>
+                <a:ext uri="{FF2B5EF4-FFF2-40B4-BE49-F238E27FC236}">
+                  <a16:creationId xmlns:a16="http://schemas.microsoft.com/office/drawing/2014/main" id="{236BE12B-B6AD-4D92-AADD-460136449043}"/>
+                </a:ext>
+              </a:extLst>
+            </p:cNvPr>
+            <p:cNvSpPr>
+              <a:spLocks noChangeAspect="1"/>
+            </p:cNvSpPr>
+            <p:nvPr/>
+          </p:nvSpPr>
+          <p:spPr bwMode="auto">
+            <a:xfrm>
+              <a:off x="3987" y="1559"/>
+              <a:ext cx="147" cy="1135"/>
+            </a:xfrm>
+            <a:prstGeom prst="leftBrace">
+              <a:avLst>
+                <a:gd name="adj1" fmla="val 64342"/>
+                <a:gd name="adj2" fmla="val 50000"/>
+              </a:avLst>
+            </a:prstGeom>
+            <a:solidFill>
+              <a:srgbClr val="FFFFFF"/>
+            </a:solidFill>
+            <a:ln w="25400">
+              <a:solidFill>
+                <a:schemeClr val="tx1"/>
+              </a:solidFill>
+              <a:round/>
+              <a:headEnd/>
+              <a:tailEnd/>
+            </a:ln>
+          </p:spPr>
+          <p:txBody>
+            <a:bodyPr wrap="none" anchor="ctr"/>
+            <a:lstStyle>
+              <a:lvl1pPr>
+                <a:defRPr>
+                  <a:solidFill>
+                    <a:schemeClr val="tx1"/>
+                  </a:solidFill>
+                  <a:latin typeface="Verdana" panose="020B0604030504040204" pitchFamily="34" charset="0"/>
+                  <a:ea typeface="ＭＳ Ｐゴシック" panose="020B0600070205080204" pitchFamily="34" charset="-128"/>
+                </a:defRPr>
+              </a:lvl1pPr>
+              <a:lvl2pPr marL="742950" indent="-285750">
+                <a:defRPr>
+                  <a:solidFill>
+                    <a:schemeClr val="tx1"/>
+                  </a:solidFill>
+                  <a:latin typeface="Verdana" panose="020B0604030504040204" pitchFamily="34" charset="0"/>
+                  <a:ea typeface="ＭＳ Ｐゴシック" panose="020B0600070205080204" pitchFamily="34" charset="-128"/>
+                </a:defRPr>
+              </a:lvl2pPr>
+              <a:lvl3pPr marL="1143000" indent="-228600">
+                <a:defRPr>
+                  <a:solidFill>
+                    <a:schemeClr val="tx1"/>
+                  </a:solidFill>
+                  <a:latin typeface="Verdana" panose="020B0604030504040204" pitchFamily="34" charset="0"/>
+                  <a:ea typeface="ＭＳ Ｐゴシック" panose="020B0600070205080204" pitchFamily="34" charset="-128"/>
+                </a:defRPr>
+              </a:lvl3pPr>
+              <a:lvl4pPr marL="1600200" indent="-228600">
+                <a:defRPr>
+                  <a:solidFill>
+                    <a:schemeClr val="tx1"/>
+                  </a:solidFill>
+                  <a:latin typeface="Verdana" panose="020B0604030504040204" pitchFamily="34" charset="0"/>
+                  <a:ea typeface="ＭＳ Ｐゴシック" panose="020B0600070205080204" pitchFamily="34" charset="-128"/>
+                </a:defRPr>
+              </a:lvl4pPr>
+              <a:lvl5pPr marL="2057400" indent="-228600">
+                <a:defRPr>
+                  <a:solidFill>
+                    <a:schemeClr val="tx1"/>
+                  </a:solidFill>
+                  <a:latin typeface="Verdana" panose="020B0604030504040204" pitchFamily="34" charset="0"/>
+                  <a:ea typeface="ＭＳ Ｐゴシック" panose="020B0600070205080204" pitchFamily="34" charset="-128"/>
+                </a:defRPr>
+              </a:lvl5pPr>
+              <a:lvl6pPr marL="2514600" indent="-228600" eaLnBrk="0" fontAlgn="base" hangingPunct="0">
+                <a:spcBef>
+                  <a:spcPct val="0"/>
+                </a:spcBef>
+                <a:spcAft>
+                  <a:spcPct val="0"/>
+                </a:spcAft>
+                <a:defRPr>
+                  <a:solidFill>
+                    <a:schemeClr val="tx1"/>
+                  </a:solidFill>
+                  <a:latin typeface="Verdana" panose="020B0604030504040204" pitchFamily="34" charset="0"/>
+                  <a:ea typeface="ＭＳ Ｐゴシック" panose="020B0600070205080204" pitchFamily="34" charset="-128"/>
+                </a:defRPr>
+              </a:lvl6pPr>
+              <a:lvl7pPr marL="2971800" indent="-228600" eaLnBrk="0" fontAlgn="base" hangingPunct="0">
+                <a:spcBef>
+                  <a:spcPct val="0"/>
+                </a:spcBef>
+                <a:spcAft>
+                  <a:spcPct val="0"/>
+                </a:spcAft>
+                <a:defRPr>
+                  <a:solidFill>
+                    <a:schemeClr val="tx1"/>
+                  </a:solidFill>
+                  <a:latin typeface="Verdana" panose="020B0604030504040204" pitchFamily="34" charset="0"/>
+                  <a:ea typeface="ＭＳ Ｐゴシック" panose="020B0600070205080204" pitchFamily="34" charset="-128"/>
+                </a:defRPr>
+              </a:lvl7pPr>
+              <a:lvl8pPr marL="3429000" indent="-228600" eaLnBrk="0" fontAlgn="base" hangingPunct="0">
+                <a:spcBef>
+                  <a:spcPct val="0"/>
+                </a:spcBef>
+                <a:spcAft>
+                  <a:spcPct val="0"/>
+                </a:spcAft>
+                <a:defRPr>
+                  <a:solidFill>
+                    <a:schemeClr val="tx1"/>
+                  </a:solidFill>
+                  <a:latin typeface="Verdana" panose="020B0604030504040204" pitchFamily="34" charset="0"/>
+                  <a:ea typeface="ＭＳ Ｐゴシック" panose="020B0600070205080204" pitchFamily="34" charset="-128"/>
+                </a:defRPr>
+              </a:lvl8pPr>
+              <a:lvl9pPr marL="3886200" indent="-228600" eaLnBrk="0" fontAlgn="base" hangingPunct="0">
+                <a:spcBef>
+                  <a:spcPct val="0"/>
+                </a:spcBef>
+                <a:spcAft>
+                  <a:spcPct val="0"/>
+                </a:spcAft>
+                <a:defRPr>
+                  <a:solidFill>
+                    <a:schemeClr val="tx1"/>
+                  </a:solidFill>
+                  <a:latin typeface="Verdana" panose="020B0604030504040204" pitchFamily="34" charset="0"/>
+                  <a:ea typeface="ＭＳ Ｐゴシック" panose="020B0600070205080204" pitchFamily="34" charset="-128"/>
+                </a:defRPr>
+              </a:lvl9pPr>
+            </a:lstStyle>
+            <a:p>
+              <a:endParaRPr lang="ja-JP" altLang="en-US"/>
+            </a:p>
+          </p:txBody>
+        </p:sp>
+        <p:sp>
+          <p:nvSpPr>
+            <p:cNvPr id="19" name="Text Box 12">
+              <a:extLst>
+                <a:ext uri="{FF2B5EF4-FFF2-40B4-BE49-F238E27FC236}">
+                  <a16:creationId xmlns:a16="http://schemas.microsoft.com/office/drawing/2014/main" id="{2F9D8FD3-0B2D-4326-9F8E-81F0396A6DF7}"/>
+                </a:ext>
+              </a:extLst>
+            </p:cNvPr>
+            <p:cNvSpPr txBox="1">
+              <a:spLocks noChangeArrowheads="1"/>
+            </p:cNvSpPr>
+            <p:nvPr/>
+          </p:nvSpPr>
+          <p:spPr bwMode="auto">
+            <a:xfrm>
+              <a:off x="4090" y="1418"/>
+              <a:ext cx="1865" cy="271"/>
+            </a:xfrm>
+            <a:prstGeom prst="rect">
+              <a:avLst/>
+            </a:prstGeom>
+            <a:noFill/>
+            <a:ln>
+              <a:noFill/>
+            </a:ln>
+            <a:extLst>
+              <a:ext uri="{909E8E84-426E-40DD-AFC4-6F175D3DCCD1}">
+                <a14:hiddenFill xmlns:a14="http://schemas.microsoft.com/office/drawing/2010/main">
+                  <a:solidFill>
+                    <a:srgbClr val="FFFFFF"/>
+                  </a:solidFill>
+                </a14:hiddenFill>
+              </a:ext>
+              <a:ext uri="{91240B29-F687-4F45-9708-019B960494DF}">
+                <a14:hiddenLine xmlns:a14="http://schemas.microsoft.com/office/drawing/2010/main" w="9525" algn="ctr">
+                  <a:solidFill>
+                    <a:srgbClr val="000000"/>
+                  </a:solidFill>
+                  <a:miter lim="800000"/>
+                  <a:headEnd/>
+                  <a:tailEnd/>
+                </a14:hiddenLine>
+              </a:ext>
+            </a:extLst>
+          </p:spPr>
+          <p:txBody>
+            <a:bodyPr wrap="square">
+              <a:spAutoFit/>
+            </a:bodyPr>
+            <a:lstStyle>
+              <a:lvl1pPr>
+                <a:defRPr>
+                  <a:solidFill>
+                    <a:schemeClr val="tx1"/>
+                  </a:solidFill>
+                  <a:latin typeface="Verdana" panose="020B0604030504040204" pitchFamily="34" charset="0"/>
+                  <a:ea typeface="ＭＳ Ｐゴシック" panose="020B0600070205080204" pitchFamily="34" charset="-128"/>
+                </a:defRPr>
+              </a:lvl1pPr>
+              <a:lvl2pPr marL="742950" indent="-285750">
+                <a:defRPr>
+                  <a:solidFill>
+                    <a:schemeClr val="tx1"/>
+                  </a:solidFill>
+                  <a:latin typeface="Verdana" panose="020B0604030504040204" pitchFamily="34" charset="0"/>
+                  <a:ea typeface="ＭＳ Ｐゴシック" panose="020B0600070205080204" pitchFamily="34" charset="-128"/>
+                </a:defRPr>
+              </a:lvl2pPr>
+              <a:lvl3pPr marL="1143000" indent="-228600">
+                <a:defRPr>
+                  <a:solidFill>
+                    <a:schemeClr val="tx1"/>
+                  </a:solidFill>
+                  <a:latin typeface="Verdana" panose="020B0604030504040204" pitchFamily="34" charset="0"/>
+                  <a:ea typeface="ＭＳ Ｐゴシック" panose="020B0600070205080204" pitchFamily="34" charset="-128"/>
+                </a:defRPr>
+              </a:lvl3pPr>
+              <a:lvl4pPr marL="1600200" indent="-228600">
+                <a:defRPr>
+                  <a:solidFill>
+                    <a:schemeClr val="tx1"/>
+                  </a:solidFill>
+                  <a:latin typeface="Verdana" panose="020B0604030504040204" pitchFamily="34" charset="0"/>
+                  <a:ea typeface="ＭＳ Ｐゴシック" panose="020B0600070205080204" pitchFamily="34" charset="-128"/>
+                </a:defRPr>
+              </a:lvl4pPr>
+              <a:lvl5pPr marL="2057400" indent="-228600">
+                <a:defRPr>
+                  <a:solidFill>
+                    <a:schemeClr val="tx1"/>
+                  </a:solidFill>
+                  <a:latin typeface="Verdana" panose="020B0604030504040204" pitchFamily="34" charset="0"/>
+                  <a:ea typeface="ＭＳ Ｐゴシック" panose="020B0600070205080204" pitchFamily="34" charset="-128"/>
+                </a:defRPr>
+              </a:lvl5pPr>
+              <a:lvl6pPr marL="2514600" indent="-228600" eaLnBrk="0" fontAlgn="base" hangingPunct="0">
+                <a:spcBef>
+                  <a:spcPct val="0"/>
+                </a:spcBef>
+                <a:spcAft>
+                  <a:spcPct val="0"/>
+                </a:spcAft>
+                <a:defRPr>
+                  <a:solidFill>
+                    <a:schemeClr val="tx1"/>
+                  </a:solidFill>
+                  <a:latin typeface="Verdana" panose="020B0604030504040204" pitchFamily="34" charset="0"/>
+                  <a:ea typeface="ＭＳ Ｐゴシック" panose="020B0600070205080204" pitchFamily="34" charset="-128"/>
+                </a:defRPr>
+              </a:lvl6pPr>
+              <a:lvl7pPr marL="2971800" indent="-228600" eaLnBrk="0" fontAlgn="base" hangingPunct="0">
+                <a:spcBef>
+                  <a:spcPct val="0"/>
+                </a:spcBef>
+                <a:spcAft>
+                  <a:spcPct val="0"/>
+                </a:spcAft>
+                <a:defRPr>
+                  <a:solidFill>
+                    <a:schemeClr val="tx1"/>
+                  </a:solidFill>
+                  <a:latin typeface="Verdana" panose="020B0604030504040204" pitchFamily="34" charset="0"/>
+                  <a:ea typeface="ＭＳ Ｐゴシック" panose="020B0600070205080204" pitchFamily="34" charset="-128"/>
+                </a:defRPr>
+              </a:lvl7pPr>
+              <a:lvl8pPr marL="3429000" indent="-228600" eaLnBrk="0" fontAlgn="base" hangingPunct="0">
+                <a:spcBef>
+                  <a:spcPct val="0"/>
+                </a:spcBef>
+                <a:spcAft>
+                  <a:spcPct val="0"/>
+                </a:spcAft>
+                <a:defRPr>
+                  <a:solidFill>
+                    <a:schemeClr val="tx1"/>
+                  </a:solidFill>
+                  <a:latin typeface="Verdana" panose="020B0604030504040204" pitchFamily="34" charset="0"/>
+                  <a:ea typeface="ＭＳ Ｐゴシック" panose="020B0600070205080204" pitchFamily="34" charset="-128"/>
+                </a:defRPr>
+              </a:lvl8pPr>
+              <a:lvl9pPr marL="3886200" indent="-228600" eaLnBrk="0" fontAlgn="base" hangingPunct="0">
+                <a:spcBef>
+                  <a:spcPct val="0"/>
+                </a:spcBef>
+                <a:spcAft>
+                  <a:spcPct val="0"/>
+                </a:spcAft>
+                <a:defRPr>
+                  <a:solidFill>
+                    <a:schemeClr val="tx1"/>
+                  </a:solidFill>
+                  <a:latin typeface="Verdana" panose="020B0604030504040204" pitchFamily="34" charset="0"/>
+                  <a:ea typeface="ＭＳ Ｐゴシック" panose="020B0600070205080204" pitchFamily="34" charset="-128"/>
+                </a:defRPr>
+              </a:lvl9pPr>
+            </a:lstStyle>
+            <a:p>
+              <a:pPr eaLnBrk="1" hangingPunct="1">
+                <a:spcBef>
+                  <a:spcPct val="50000"/>
+                </a:spcBef>
+              </a:pPr>
+              <a:r>
+                <a:rPr lang="en-US" altLang="ja-JP" sz="2200" b="1" dirty="0">
+                  <a:solidFill>
+                    <a:schemeClr val="tx2">
+                      <a:lumMod val="60000"/>
+                      <a:lumOff val="40000"/>
+                    </a:schemeClr>
+                  </a:solidFill>
+                  <a:latin typeface="Open Sans" panose="020B0606030504020204" pitchFamily="34" charset="0"/>
+                  <a:ea typeface="Open Sans" panose="020B0606030504020204" pitchFamily="34" charset="0"/>
+                  <a:cs typeface="Open Sans" panose="020B0606030504020204" pitchFamily="34" charset="0"/>
+                </a:rPr>
+                <a:t>Solids &amp; Structures</a:t>
+              </a:r>
+            </a:p>
+          </p:txBody>
+        </p:sp>
+        <p:sp>
+          <p:nvSpPr>
+            <p:cNvPr id="20" name="Text Box 13">
+              <a:extLst>
+                <a:ext uri="{FF2B5EF4-FFF2-40B4-BE49-F238E27FC236}">
+                  <a16:creationId xmlns:a16="http://schemas.microsoft.com/office/drawing/2014/main" id="{D739571B-2BE7-4A7D-8C42-DE9330D97A9B}"/>
+                </a:ext>
+              </a:extLst>
+            </p:cNvPr>
+            <p:cNvSpPr txBox="1">
+              <a:spLocks noChangeArrowheads="1"/>
+            </p:cNvSpPr>
+            <p:nvPr/>
+          </p:nvSpPr>
+          <p:spPr bwMode="auto">
+            <a:xfrm>
+              <a:off x="4120" y="1977"/>
+              <a:ext cx="635" cy="271"/>
+            </a:xfrm>
+            <a:prstGeom prst="rect">
+              <a:avLst/>
+            </a:prstGeom>
+            <a:noFill/>
+            <a:ln>
+              <a:noFill/>
+            </a:ln>
+            <a:extLst>
+              <a:ext uri="{909E8E84-426E-40DD-AFC4-6F175D3DCCD1}">
+                <a14:hiddenFill xmlns:a14="http://schemas.microsoft.com/office/drawing/2010/main">
+                  <a:solidFill>
+                    <a:srgbClr val="FFFFFF"/>
+                  </a:solidFill>
+                </a14:hiddenFill>
+              </a:ext>
+              <a:ext uri="{91240B29-F687-4F45-9708-019B960494DF}">
+                <a14:hiddenLine xmlns:a14="http://schemas.microsoft.com/office/drawing/2010/main" w="9525">
+                  <a:solidFill>
+                    <a:srgbClr val="000000"/>
+                  </a:solidFill>
+                  <a:miter lim="800000"/>
+                  <a:headEnd/>
+                  <a:tailEnd/>
+                </a14:hiddenLine>
+              </a:ext>
+            </a:extLst>
+          </p:spPr>
+          <p:txBody>
+            <a:bodyPr>
+              <a:spAutoFit/>
+            </a:bodyPr>
+            <a:lstStyle>
+              <a:lvl1pPr>
+                <a:defRPr>
+                  <a:solidFill>
+                    <a:schemeClr val="tx1"/>
+                  </a:solidFill>
+                  <a:latin typeface="Verdana" panose="020B0604030504040204" pitchFamily="34" charset="0"/>
+                  <a:ea typeface="ＭＳ Ｐゴシック" panose="020B0600070205080204" pitchFamily="34" charset="-128"/>
+                </a:defRPr>
+              </a:lvl1pPr>
+              <a:lvl2pPr marL="742950" indent="-285750">
+                <a:defRPr>
+                  <a:solidFill>
+                    <a:schemeClr val="tx1"/>
+                  </a:solidFill>
+                  <a:latin typeface="Verdana" panose="020B0604030504040204" pitchFamily="34" charset="0"/>
+                  <a:ea typeface="ＭＳ Ｐゴシック" panose="020B0600070205080204" pitchFamily="34" charset="-128"/>
+                </a:defRPr>
+              </a:lvl2pPr>
+              <a:lvl3pPr marL="1143000" indent="-228600">
+                <a:defRPr>
+                  <a:solidFill>
+                    <a:schemeClr val="tx1"/>
+                  </a:solidFill>
+                  <a:latin typeface="Verdana" panose="020B0604030504040204" pitchFamily="34" charset="0"/>
+                  <a:ea typeface="ＭＳ Ｐゴシック" panose="020B0600070205080204" pitchFamily="34" charset="-128"/>
+                </a:defRPr>
+              </a:lvl3pPr>
+              <a:lvl4pPr marL="1600200" indent="-228600">
+                <a:defRPr>
+                  <a:solidFill>
+                    <a:schemeClr val="tx1"/>
+                  </a:solidFill>
+                  <a:latin typeface="Verdana" panose="020B0604030504040204" pitchFamily="34" charset="0"/>
+                  <a:ea typeface="ＭＳ Ｐゴシック" panose="020B0600070205080204" pitchFamily="34" charset="-128"/>
+                </a:defRPr>
+              </a:lvl4pPr>
+              <a:lvl5pPr marL="2057400" indent="-228600">
+                <a:defRPr>
+                  <a:solidFill>
+                    <a:schemeClr val="tx1"/>
+                  </a:solidFill>
+                  <a:latin typeface="Verdana" panose="020B0604030504040204" pitchFamily="34" charset="0"/>
+                  <a:ea typeface="ＭＳ Ｐゴシック" panose="020B0600070205080204" pitchFamily="34" charset="-128"/>
+                </a:defRPr>
+              </a:lvl5pPr>
+              <a:lvl6pPr marL="2514600" indent="-228600" eaLnBrk="0" fontAlgn="base" hangingPunct="0">
+                <a:spcBef>
+                  <a:spcPct val="0"/>
+                </a:spcBef>
+                <a:spcAft>
+                  <a:spcPct val="0"/>
+                </a:spcAft>
+                <a:defRPr>
+                  <a:solidFill>
+                    <a:schemeClr val="tx1"/>
+                  </a:solidFill>
+                  <a:latin typeface="Verdana" panose="020B0604030504040204" pitchFamily="34" charset="0"/>
+                  <a:ea typeface="ＭＳ Ｐゴシック" panose="020B0600070205080204" pitchFamily="34" charset="-128"/>
+                </a:defRPr>
+              </a:lvl6pPr>
+              <a:lvl7pPr marL="2971800" indent="-228600" eaLnBrk="0" fontAlgn="base" hangingPunct="0">
+                <a:spcBef>
+                  <a:spcPct val="0"/>
+                </a:spcBef>
+                <a:spcAft>
+                  <a:spcPct val="0"/>
+                </a:spcAft>
+                <a:defRPr>
+                  <a:solidFill>
+                    <a:schemeClr val="tx1"/>
+                  </a:solidFill>
+                  <a:latin typeface="Verdana" panose="020B0604030504040204" pitchFamily="34" charset="0"/>
+                  <a:ea typeface="ＭＳ Ｐゴシック" panose="020B0600070205080204" pitchFamily="34" charset="-128"/>
+                </a:defRPr>
+              </a:lvl7pPr>
+              <a:lvl8pPr marL="3429000" indent="-228600" eaLnBrk="0" fontAlgn="base" hangingPunct="0">
+                <a:spcBef>
+                  <a:spcPct val="0"/>
+                </a:spcBef>
+                <a:spcAft>
+                  <a:spcPct val="0"/>
+                </a:spcAft>
+                <a:defRPr>
+                  <a:solidFill>
+                    <a:schemeClr val="tx1"/>
+                  </a:solidFill>
+                  <a:latin typeface="Verdana" panose="020B0604030504040204" pitchFamily="34" charset="0"/>
+                  <a:ea typeface="ＭＳ Ｐゴシック" panose="020B0600070205080204" pitchFamily="34" charset="-128"/>
+                </a:defRPr>
+              </a:lvl8pPr>
+              <a:lvl9pPr marL="3886200" indent="-228600" eaLnBrk="0" fontAlgn="base" hangingPunct="0">
+                <a:spcBef>
+                  <a:spcPct val="0"/>
+                </a:spcBef>
+                <a:spcAft>
+                  <a:spcPct val="0"/>
+                </a:spcAft>
+                <a:defRPr>
+                  <a:solidFill>
+                    <a:schemeClr val="tx1"/>
+                  </a:solidFill>
+                  <a:latin typeface="Verdana" panose="020B0604030504040204" pitchFamily="34" charset="0"/>
+                  <a:ea typeface="ＭＳ Ｐゴシック" panose="020B0600070205080204" pitchFamily="34" charset="-128"/>
+                </a:defRPr>
+              </a:lvl9pPr>
+            </a:lstStyle>
+            <a:p>
+              <a:pPr eaLnBrk="1" hangingPunct="1">
+                <a:spcBef>
+                  <a:spcPct val="50000"/>
+                </a:spcBef>
+              </a:pPr>
+              <a:r>
+                <a:rPr lang="en-US" altLang="ja-JP" sz="2200" dirty="0">
+                  <a:latin typeface="Open Sans" panose="020B0606030504020204" pitchFamily="34" charset="0"/>
+                  <a:ea typeface="Open Sans" panose="020B0606030504020204" pitchFamily="34" charset="0"/>
+                  <a:cs typeface="Open Sans" panose="020B0606030504020204" pitchFamily="34" charset="0"/>
+                </a:rPr>
+                <a:t>Fluids</a:t>
+              </a:r>
+            </a:p>
+          </p:txBody>
+        </p:sp>
+        <p:sp>
+          <p:nvSpPr>
+            <p:cNvPr id="21" name="Text Box 14">
+              <a:extLst>
+                <a:ext uri="{FF2B5EF4-FFF2-40B4-BE49-F238E27FC236}">
+                  <a16:creationId xmlns:a16="http://schemas.microsoft.com/office/drawing/2014/main" id="{CD32B1E5-8698-40AA-BEEB-3249BE92C5B0}"/>
+                </a:ext>
+              </a:extLst>
+            </p:cNvPr>
+            <p:cNvSpPr txBox="1">
+              <a:spLocks noChangeArrowheads="1"/>
+            </p:cNvSpPr>
+            <p:nvPr/>
+          </p:nvSpPr>
+          <p:spPr bwMode="auto">
+            <a:xfrm>
+              <a:off x="4102" y="2566"/>
+              <a:ext cx="1336" cy="271"/>
+            </a:xfrm>
+            <a:prstGeom prst="rect">
+              <a:avLst/>
+            </a:prstGeom>
+            <a:noFill/>
+            <a:ln>
+              <a:noFill/>
+            </a:ln>
+            <a:extLst>
+              <a:ext uri="{909E8E84-426E-40DD-AFC4-6F175D3DCCD1}">
+                <a14:hiddenFill xmlns:a14="http://schemas.microsoft.com/office/drawing/2010/main">
+                  <a:solidFill>
+                    <a:srgbClr val="FFFFFF"/>
+                  </a:solidFill>
+                </a14:hiddenFill>
+              </a:ext>
+              <a:ext uri="{91240B29-F687-4F45-9708-019B960494DF}">
+                <a14:hiddenLine xmlns:a14="http://schemas.microsoft.com/office/drawing/2010/main" w="9525">
+                  <a:solidFill>
+                    <a:srgbClr val="000000"/>
+                  </a:solidFill>
+                  <a:miter lim="800000"/>
+                  <a:headEnd/>
+                  <a:tailEnd/>
+                </a14:hiddenLine>
+              </a:ext>
+            </a:extLst>
+          </p:spPr>
+          <p:txBody>
+            <a:bodyPr>
+              <a:spAutoFit/>
+            </a:bodyPr>
+            <a:lstStyle>
+              <a:lvl1pPr>
+                <a:defRPr>
+                  <a:solidFill>
+                    <a:schemeClr val="tx1"/>
+                  </a:solidFill>
+                  <a:latin typeface="Verdana" panose="020B0604030504040204" pitchFamily="34" charset="0"/>
+                  <a:ea typeface="ＭＳ Ｐゴシック" panose="020B0600070205080204" pitchFamily="34" charset="-128"/>
+                </a:defRPr>
+              </a:lvl1pPr>
+              <a:lvl2pPr marL="742950" indent="-285750">
+                <a:defRPr>
+                  <a:solidFill>
+                    <a:schemeClr val="tx1"/>
+                  </a:solidFill>
+                  <a:latin typeface="Verdana" panose="020B0604030504040204" pitchFamily="34" charset="0"/>
+                  <a:ea typeface="ＭＳ Ｐゴシック" panose="020B0600070205080204" pitchFamily="34" charset="-128"/>
+                </a:defRPr>
+              </a:lvl2pPr>
+              <a:lvl3pPr marL="1143000" indent="-228600">
+                <a:defRPr>
+                  <a:solidFill>
+                    <a:schemeClr val="tx1"/>
+                  </a:solidFill>
+                  <a:latin typeface="Verdana" panose="020B0604030504040204" pitchFamily="34" charset="0"/>
+                  <a:ea typeface="ＭＳ Ｐゴシック" panose="020B0600070205080204" pitchFamily="34" charset="-128"/>
+                </a:defRPr>
+              </a:lvl3pPr>
+              <a:lvl4pPr marL="1600200" indent="-228600">
+                <a:defRPr>
+                  <a:solidFill>
+                    <a:schemeClr val="tx1"/>
+                  </a:solidFill>
+                  <a:latin typeface="Verdana" panose="020B0604030504040204" pitchFamily="34" charset="0"/>
+                  <a:ea typeface="ＭＳ Ｐゴシック" panose="020B0600070205080204" pitchFamily="34" charset="-128"/>
+                </a:defRPr>
+              </a:lvl4pPr>
+              <a:lvl5pPr marL="2057400" indent="-228600">
+                <a:defRPr>
+                  <a:solidFill>
+                    <a:schemeClr val="tx1"/>
+                  </a:solidFill>
+                  <a:latin typeface="Verdana" panose="020B0604030504040204" pitchFamily="34" charset="0"/>
+                  <a:ea typeface="ＭＳ Ｐゴシック" panose="020B0600070205080204" pitchFamily="34" charset="-128"/>
+                </a:defRPr>
+              </a:lvl5pPr>
+              <a:lvl6pPr marL="2514600" indent="-228600" eaLnBrk="0" fontAlgn="base" hangingPunct="0">
+                <a:spcBef>
+                  <a:spcPct val="0"/>
+                </a:spcBef>
+                <a:spcAft>
+                  <a:spcPct val="0"/>
+                </a:spcAft>
+                <a:defRPr>
+                  <a:solidFill>
+                    <a:schemeClr val="tx1"/>
+                  </a:solidFill>
+                  <a:latin typeface="Verdana" panose="020B0604030504040204" pitchFamily="34" charset="0"/>
+                  <a:ea typeface="ＭＳ Ｐゴシック" panose="020B0600070205080204" pitchFamily="34" charset="-128"/>
+                </a:defRPr>
+              </a:lvl6pPr>
+              <a:lvl7pPr marL="2971800" indent="-228600" eaLnBrk="0" fontAlgn="base" hangingPunct="0">
+                <a:spcBef>
+                  <a:spcPct val="0"/>
+                </a:spcBef>
+                <a:spcAft>
+                  <a:spcPct val="0"/>
+                </a:spcAft>
+                <a:defRPr>
+                  <a:solidFill>
+                    <a:schemeClr val="tx1"/>
+                  </a:solidFill>
+                  <a:latin typeface="Verdana" panose="020B0604030504040204" pitchFamily="34" charset="0"/>
+                  <a:ea typeface="ＭＳ Ｐゴシック" panose="020B0600070205080204" pitchFamily="34" charset="-128"/>
+                </a:defRPr>
+              </a:lvl7pPr>
+              <a:lvl8pPr marL="3429000" indent="-228600" eaLnBrk="0" fontAlgn="base" hangingPunct="0">
+                <a:spcBef>
+                  <a:spcPct val="0"/>
+                </a:spcBef>
+                <a:spcAft>
+                  <a:spcPct val="0"/>
+                </a:spcAft>
+                <a:defRPr>
+                  <a:solidFill>
+                    <a:schemeClr val="tx1"/>
+                  </a:solidFill>
+                  <a:latin typeface="Verdana" panose="020B0604030504040204" pitchFamily="34" charset="0"/>
+                  <a:ea typeface="ＭＳ Ｐゴシック" panose="020B0600070205080204" pitchFamily="34" charset="-128"/>
+                </a:defRPr>
+              </a:lvl8pPr>
+              <a:lvl9pPr marL="3886200" indent="-228600" eaLnBrk="0" fontAlgn="base" hangingPunct="0">
+                <a:spcBef>
+                  <a:spcPct val="0"/>
+                </a:spcBef>
+                <a:spcAft>
+                  <a:spcPct val="0"/>
+                </a:spcAft>
+                <a:defRPr>
+                  <a:solidFill>
+                    <a:schemeClr val="tx1"/>
+                  </a:solidFill>
+                  <a:latin typeface="Verdana" panose="020B0604030504040204" pitchFamily="34" charset="0"/>
+                  <a:ea typeface="ＭＳ Ｐゴシック" panose="020B0600070205080204" pitchFamily="34" charset="-128"/>
+                </a:defRPr>
+              </a:lvl9pPr>
+            </a:lstStyle>
+            <a:p>
+              <a:pPr>
+                <a:spcBef>
+                  <a:spcPct val="50000"/>
+                </a:spcBef>
+              </a:pPr>
+              <a:r>
+                <a:rPr lang="en-US" altLang="ja-JP" sz="2200" dirty="0">
+                  <a:latin typeface="Open Sans" panose="020B0606030504020204" pitchFamily="34" charset="0"/>
+                  <a:ea typeface="Open Sans" panose="020B0606030504020204" pitchFamily="34" charset="0"/>
+                  <a:cs typeface="Open Sans" panose="020B0606030504020204" pitchFamily="34" charset="0"/>
+                </a:rPr>
+                <a:t>Multiphysics</a:t>
+              </a:r>
+            </a:p>
+          </p:txBody>
+        </p:sp>
+      </p:grpSp>
     </p:spTree>
     <p:extLst>
       <p:ext uri="{BB962C8B-B14F-4D97-AF65-F5344CB8AC3E}">
-        <p14:creationId xmlns:p14="http://schemas.microsoft.com/office/powerpoint/2010/main" val="578816147"/>
+        <p14:creationId xmlns:p14="http://schemas.microsoft.com/office/powerpoint/2010/main" val="307625798"/>
       </p:ext>
     </p:extLst>
   </p:cSld>
@@ -5868,50 +7424,12 @@
           <a:p>
             <a:pPr algn="l"/>
             <a:r>
-              <a:rPr lang="en-GB" b="1" dirty="0">
+              <a:rPr lang="en-US" b="1" dirty="0">
                 <a:latin typeface="Open Sans" panose="020B0606030504020204" pitchFamily="34" charset="0"/>
                 <a:ea typeface="Open Sans" panose="020B0606030504020204" pitchFamily="34" charset="0"/>
                 <a:cs typeface="Open Sans" panose="020B0606030504020204" pitchFamily="34" charset="0"/>
               </a:rPr>
-              <a:t>Computational Mechanics</a:t>
-            </a:r>
-          </a:p>
-        </p:txBody>
-      </p:sp>
-      <p:sp>
-        <p:nvSpPr>
-          <p:cNvPr id="3" name="Content Placeholder 2"/>
-          <p:cNvSpPr>
-            <a:spLocks noGrp="1"/>
-          </p:cNvSpPr>
-          <p:nvPr>
-            <p:ph sz="quarter" idx="1"/>
-          </p:nvPr>
-        </p:nvSpPr>
-        <p:spPr>
-          <a:xfrm>
-            <a:off x="633046" y="2209801"/>
-            <a:ext cx="7825154" cy="990600"/>
-          </a:xfrm>
-          <a:noFill/>
-        </p:spPr>
-        <p:txBody>
-          <a:bodyPr>
-            <a:noAutofit/>
-          </a:bodyPr>
-          <a:lstStyle/>
-          <a:p>
-            <a:pPr algn="just">
-              <a:buFont typeface="Wingdings" panose="05000000000000000000" pitchFamily="2" charset="2"/>
-              <a:buChar char="§"/>
-            </a:pPr>
-            <a:r>
-              <a:rPr lang="en-US" sz="2400" dirty="0">
-                <a:latin typeface="Open Sans" panose="020B0606030504020204" pitchFamily="34" charset="0"/>
-                <a:ea typeface="Open Sans" panose="020B0606030504020204" pitchFamily="34" charset="0"/>
-                <a:cs typeface="Open Sans" panose="020B0606030504020204" pitchFamily="34" charset="0"/>
-              </a:rPr>
-              <a:t>Several branches according to the physical scale of the focus of attention:</a:t>
+              <a:t>Computational Solid and Structural Mechanics</a:t>
             </a:r>
           </a:p>
         </p:txBody>
@@ -6064,1831 +7582,6 @@
       </p:sp>
       <p:grpSp>
         <p:nvGrpSpPr>
-          <p:cNvPr id="10" name="Group 21">
-            <a:extLst>
-              <a:ext uri="{FF2B5EF4-FFF2-40B4-BE49-F238E27FC236}">
-                <a16:creationId xmlns:a16="http://schemas.microsoft.com/office/drawing/2014/main" id="{20CE20A8-DDE4-4446-A77E-129E4BD06B68}"/>
-              </a:ext>
-            </a:extLst>
-          </p:cNvPr>
-          <p:cNvGrpSpPr>
-            <a:grpSpLocks/>
-          </p:cNvGrpSpPr>
-          <p:nvPr/>
-        </p:nvGrpSpPr>
-        <p:grpSpPr bwMode="auto">
-          <a:xfrm>
-            <a:off x="304800" y="2891425"/>
-            <a:ext cx="6052919" cy="3282949"/>
-            <a:chOff x="33" y="1029"/>
-            <a:chExt cx="4094" cy="2068"/>
-          </a:xfrm>
-        </p:grpSpPr>
-        <p:sp>
-          <p:nvSpPr>
-            <p:cNvPr id="11" name="AutoShape 5">
-              <a:extLst>
-                <a:ext uri="{FF2B5EF4-FFF2-40B4-BE49-F238E27FC236}">
-                  <a16:creationId xmlns:a16="http://schemas.microsoft.com/office/drawing/2014/main" id="{1759DE88-9A16-4AF8-8DDC-BB0A440BBD50}"/>
-                </a:ext>
-              </a:extLst>
-            </p:cNvPr>
-            <p:cNvSpPr>
-              <a:spLocks/>
-            </p:cNvSpPr>
-            <p:nvPr/>
-          </p:nvSpPr>
-          <p:spPr bwMode="auto">
-            <a:xfrm>
-              <a:off x="1445" y="1232"/>
-              <a:ext cx="226" cy="1739"/>
-            </a:xfrm>
-            <a:prstGeom prst="leftBrace">
-              <a:avLst>
-                <a:gd name="adj1" fmla="val 64122"/>
-                <a:gd name="adj2" fmla="val 50000"/>
-              </a:avLst>
-            </a:prstGeom>
-            <a:noFill/>
-            <a:ln w="25400">
-              <a:solidFill>
-                <a:schemeClr val="tx1"/>
-              </a:solidFill>
-              <a:round/>
-              <a:headEnd/>
-              <a:tailEnd/>
-            </a:ln>
-            <a:extLst>
-              <a:ext uri="{909E8E84-426E-40DD-AFC4-6F175D3DCCD1}">
-                <a14:hiddenFill xmlns:a14="http://schemas.microsoft.com/office/drawing/2010/main">
-                  <a:solidFill>
-                    <a:srgbClr val="FFFFFF"/>
-                  </a:solidFill>
-                </a14:hiddenFill>
-              </a:ext>
-            </a:extLst>
-          </p:spPr>
-          <p:txBody>
-            <a:bodyPr wrap="none" anchor="ctr"/>
-            <a:lstStyle>
-              <a:lvl1pPr>
-                <a:defRPr>
-                  <a:solidFill>
-                    <a:schemeClr val="tx1"/>
-                  </a:solidFill>
-                  <a:latin typeface="Verdana" panose="020B0604030504040204" pitchFamily="34" charset="0"/>
-                  <a:ea typeface="ＭＳ Ｐゴシック" panose="020B0600070205080204" pitchFamily="34" charset="-128"/>
-                </a:defRPr>
-              </a:lvl1pPr>
-              <a:lvl2pPr marL="742950" indent="-285750">
-                <a:defRPr>
-                  <a:solidFill>
-                    <a:schemeClr val="tx1"/>
-                  </a:solidFill>
-                  <a:latin typeface="Verdana" panose="020B0604030504040204" pitchFamily="34" charset="0"/>
-                  <a:ea typeface="ＭＳ Ｐゴシック" panose="020B0600070205080204" pitchFamily="34" charset="-128"/>
-                </a:defRPr>
-              </a:lvl2pPr>
-              <a:lvl3pPr marL="1143000" indent="-228600">
-                <a:defRPr>
-                  <a:solidFill>
-                    <a:schemeClr val="tx1"/>
-                  </a:solidFill>
-                  <a:latin typeface="Verdana" panose="020B0604030504040204" pitchFamily="34" charset="0"/>
-                  <a:ea typeface="ＭＳ Ｐゴシック" panose="020B0600070205080204" pitchFamily="34" charset="-128"/>
-                </a:defRPr>
-              </a:lvl3pPr>
-              <a:lvl4pPr marL="1600200" indent="-228600">
-                <a:defRPr>
-                  <a:solidFill>
-                    <a:schemeClr val="tx1"/>
-                  </a:solidFill>
-                  <a:latin typeface="Verdana" panose="020B0604030504040204" pitchFamily="34" charset="0"/>
-                  <a:ea typeface="ＭＳ Ｐゴシック" panose="020B0600070205080204" pitchFamily="34" charset="-128"/>
-                </a:defRPr>
-              </a:lvl4pPr>
-              <a:lvl5pPr marL="2057400" indent="-228600">
-                <a:defRPr>
-                  <a:solidFill>
-                    <a:schemeClr val="tx1"/>
-                  </a:solidFill>
-                  <a:latin typeface="Verdana" panose="020B0604030504040204" pitchFamily="34" charset="0"/>
-                  <a:ea typeface="ＭＳ Ｐゴシック" panose="020B0600070205080204" pitchFamily="34" charset="-128"/>
-                </a:defRPr>
-              </a:lvl5pPr>
-              <a:lvl6pPr marL="2514600" indent="-228600" eaLnBrk="0" fontAlgn="base" hangingPunct="0">
-                <a:spcBef>
-                  <a:spcPct val="0"/>
-                </a:spcBef>
-                <a:spcAft>
-                  <a:spcPct val="0"/>
-                </a:spcAft>
-                <a:defRPr>
-                  <a:solidFill>
-                    <a:schemeClr val="tx1"/>
-                  </a:solidFill>
-                  <a:latin typeface="Verdana" panose="020B0604030504040204" pitchFamily="34" charset="0"/>
-                  <a:ea typeface="ＭＳ Ｐゴシック" panose="020B0600070205080204" pitchFamily="34" charset="-128"/>
-                </a:defRPr>
-              </a:lvl6pPr>
-              <a:lvl7pPr marL="2971800" indent="-228600" eaLnBrk="0" fontAlgn="base" hangingPunct="0">
-                <a:spcBef>
-                  <a:spcPct val="0"/>
-                </a:spcBef>
-                <a:spcAft>
-                  <a:spcPct val="0"/>
-                </a:spcAft>
-                <a:defRPr>
-                  <a:solidFill>
-                    <a:schemeClr val="tx1"/>
-                  </a:solidFill>
-                  <a:latin typeface="Verdana" panose="020B0604030504040204" pitchFamily="34" charset="0"/>
-                  <a:ea typeface="ＭＳ Ｐゴシック" panose="020B0600070205080204" pitchFamily="34" charset="-128"/>
-                </a:defRPr>
-              </a:lvl7pPr>
-              <a:lvl8pPr marL="3429000" indent="-228600" eaLnBrk="0" fontAlgn="base" hangingPunct="0">
-                <a:spcBef>
-                  <a:spcPct val="0"/>
-                </a:spcBef>
-                <a:spcAft>
-                  <a:spcPct val="0"/>
-                </a:spcAft>
-                <a:defRPr>
-                  <a:solidFill>
-                    <a:schemeClr val="tx1"/>
-                  </a:solidFill>
-                  <a:latin typeface="Verdana" panose="020B0604030504040204" pitchFamily="34" charset="0"/>
-                  <a:ea typeface="ＭＳ Ｐゴシック" panose="020B0600070205080204" pitchFamily="34" charset="-128"/>
-                </a:defRPr>
-              </a:lvl8pPr>
-              <a:lvl9pPr marL="3886200" indent="-228600" eaLnBrk="0" fontAlgn="base" hangingPunct="0">
-                <a:spcBef>
-                  <a:spcPct val="0"/>
-                </a:spcBef>
-                <a:spcAft>
-                  <a:spcPct val="0"/>
-                </a:spcAft>
-                <a:defRPr>
-                  <a:solidFill>
-                    <a:schemeClr val="tx1"/>
-                  </a:solidFill>
-                  <a:latin typeface="Verdana" panose="020B0604030504040204" pitchFamily="34" charset="0"/>
-                  <a:ea typeface="ＭＳ Ｐゴシック" panose="020B0600070205080204" pitchFamily="34" charset="-128"/>
-                </a:defRPr>
-              </a:lvl9pPr>
-            </a:lstStyle>
-            <a:p>
-              <a:endParaRPr lang="ja-JP" altLang="en-US"/>
-            </a:p>
-          </p:txBody>
-        </p:sp>
-        <p:sp>
-          <p:nvSpPr>
-            <p:cNvPr id="12" name="Text Box 6">
-              <a:extLst>
-                <a:ext uri="{FF2B5EF4-FFF2-40B4-BE49-F238E27FC236}">
-                  <a16:creationId xmlns:a16="http://schemas.microsoft.com/office/drawing/2014/main" id="{A85CD4C4-7DE3-4F63-85E6-0AAE32D8A91F}"/>
-                </a:ext>
-              </a:extLst>
-            </p:cNvPr>
-            <p:cNvSpPr txBox="1">
-              <a:spLocks noChangeArrowheads="1"/>
-            </p:cNvSpPr>
-            <p:nvPr/>
-          </p:nvSpPr>
-          <p:spPr bwMode="auto">
-            <a:xfrm>
-              <a:off x="33" y="1742"/>
-              <a:ext cx="1927" cy="523"/>
-            </a:xfrm>
-            <a:prstGeom prst="rect">
-              <a:avLst/>
-            </a:prstGeom>
-            <a:noFill/>
-            <a:ln>
-              <a:noFill/>
-            </a:ln>
-            <a:extLst>
-              <a:ext uri="{909E8E84-426E-40DD-AFC4-6F175D3DCCD1}">
-                <a14:hiddenFill xmlns:a14="http://schemas.microsoft.com/office/drawing/2010/main">
-                  <a:solidFill>
-                    <a:srgbClr val="FFFFFF"/>
-                  </a:solidFill>
-                </a14:hiddenFill>
-              </a:ext>
-              <a:ext uri="{91240B29-F687-4F45-9708-019B960494DF}">
-                <a14:hiddenLine xmlns:a14="http://schemas.microsoft.com/office/drawing/2010/main" w="9525">
-                  <a:solidFill>
-                    <a:srgbClr val="000000"/>
-                  </a:solidFill>
-                  <a:miter lim="800000"/>
-                  <a:headEnd/>
-                  <a:tailEnd/>
-                </a14:hiddenLine>
-              </a:ext>
-            </a:extLst>
-          </p:spPr>
-          <p:txBody>
-            <a:bodyPr wrap="square">
-              <a:spAutoFit/>
-            </a:bodyPr>
-            <a:lstStyle>
-              <a:lvl1pPr>
-                <a:defRPr>
-                  <a:solidFill>
-                    <a:schemeClr val="tx1"/>
-                  </a:solidFill>
-                  <a:latin typeface="Verdana" panose="020B0604030504040204" pitchFamily="34" charset="0"/>
-                  <a:ea typeface="ＭＳ Ｐゴシック" panose="020B0600070205080204" pitchFamily="34" charset="-128"/>
-                </a:defRPr>
-              </a:lvl1pPr>
-              <a:lvl2pPr marL="742950" indent="-285750">
-                <a:defRPr>
-                  <a:solidFill>
-                    <a:schemeClr val="tx1"/>
-                  </a:solidFill>
-                  <a:latin typeface="Verdana" panose="020B0604030504040204" pitchFamily="34" charset="0"/>
-                  <a:ea typeface="ＭＳ Ｐゴシック" panose="020B0600070205080204" pitchFamily="34" charset="-128"/>
-                </a:defRPr>
-              </a:lvl2pPr>
-              <a:lvl3pPr marL="1143000" indent="-228600">
-                <a:defRPr>
-                  <a:solidFill>
-                    <a:schemeClr val="tx1"/>
-                  </a:solidFill>
-                  <a:latin typeface="Verdana" panose="020B0604030504040204" pitchFamily="34" charset="0"/>
-                  <a:ea typeface="ＭＳ Ｐゴシック" panose="020B0600070205080204" pitchFamily="34" charset="-128"/>
-                </a:defRPr>
-              </a:lvl3pPr>
-              <a:lvl4pPr marL="1600200" indent="-228600">
-                <a:defRPr>
-                  <a:solidFill>
-                    <a:schemeClr val="tx1"/>
-                  </a:solidFill>
-                  <a:latin typeface="Verdana" panose="020B0604030504040204" pitchFamily="34" charset="0"/>
-                  <a:ea typeface="ＭＳ Ｐゴシック" panose="020B0600070205080204" pitchFamily="34" charset="-128"/>
-                </a:defRPr>
-              </a:lvl4pPr>
-              <a:lvl5pPr marL="2057400" indent="-228600">
-                <a:defRPr>
-                  <a:solidFill>
-                    <a:schemeClr val="tx1"/>
-                  </a:solidFill>
-                  <a:latin typeface="Verdana" panose="020B0604030504040204" pitchFamily="34" charset="0"/>
-                  <a:ea typeface="ＭＳ Ｐゴシック" panose="020B0600070205080204" pitchFamily="34" charset="-128"/>
-                </a:defRPr>
-              </a:lvl5pPr>
-              <a:lvl6pPr marL="2514600" indent="-228600" eaLnBrk="0" fontAlgn="base" hangingPunct="0">
-                <a:spcBef>
-                  <a:spcPct val="0"/>
-                </a:spcBef>
-                <a:spcAft>
-                  <a:spcPct val="0"/>
-                </a:spcAft>
-                <a:defRPr>
-                  <a:solidFill>
-                    <a:schemeClr val="tx1"/>
-                  </a:solidFill>
-                  <a:latin typeface="Verdana" panose="020B0604030504040204" pitchFamily="34" charset="0"/>
-                  <a:ea typeface="ＭＳ Ｐゴシック" panose="020B0600070205080204" pitchFamily="34" charset="-128"/>
-                </a:defRPr>
-              </a:lvl6pPr>
-              <a:lvl7pPr marL="2971800" indent="-228600" eaLnBrk="0" fontAlgn="base" hangingPunct="0">
-                <a:spcBef>
-                  <a:spcPct val="0"/>
-                </a:spcBef>
-                <a:spcAft>
-                  <a:spcPct val="0"/>
-                </a:spcAft>
-                <a:defRPr>
-                  <a:solidFill>
-                    <a:schemeClr val="tx1"/>
-                  </a:solidFill>
-                  <a:latin typeface="Verdana" panose="020B0604030504040204" pitchFamily="34" charset="0"/>
-                  <a:ea typeface="ＭＳ Ｐゴシック" panose="020B0600070205080204" pitchFamily="34" charset="-128"/>
-                </a:defRPr>
-              </a:lvl7pPr>
-              <a:lvl8pPr marL="3429000" indent="-228600" eaLnBrk="0" fontAlgn="base" hangingPunct="0">
-                <a:spcBef>
-                  <a:spcPct val="0"/>
-                </a:spcBef>
-                <a:spcAft>
-                  <a:spcPct val="0"/>
-                </a:spcAft>
-                <a:defRPr>
-                  <a:solidFill>
-                    <a:schemeClr val="tx1"/>
-                  </a:solidFill>
-                  <a:latin typeface="Verdana" panose="020B0604030504040204" pitchFamily="34" charset="0"/>
-                  <a:ea typeface="ＭＳ Ｐゴシック" panose="020B0600070205080204" pitchFamily="34" charset="-128"/>
-                </a:defRPr>
-              </a:lvl8pPr>
-              <a:lvl9pPr marL="3886200" indent="-228600" eaLnBrk="0" fontAlgn="base" hangingPunct="0">
-                <a:spcBef>
-                  <a:spcPct val="0"/>
-                </a:spcBef>
-                <a:spcAft>
-                  <a:spcPct val="0"/>
-                </a:spcAft>
-                <a:defRPr>
-                  <a:solidFill>
-                    <a:schemeClr val="tx1"/>
-                  </a:solidFill>
-                  <a:latin typeface="Verdana" panose="020B0604030504040204" pitchFamily="34" charset="0"/>
-                  <a:ea typeface="ＭＳ Ｐゴシック" panose="020B0600070205080204" pitchFamily="34" charset="-128"/>
-                </a:defRPr>
-              </a:lvl9pPr>
-            </a:lstStyle>
-            <a:p>
-              <a:pPr eaLnBrk="1" hangingPunct="1">
-                <a:spcBef>
-                  <a:spcPct val="50000"/>
-                </a:spcBef>
-              </a:pPr>
-              <a:r>
-                <a:rPr lang="en-US" altLang="ja-JP" sz="2400" dirty="0">
-                  <a:latin typeface="Open Sans" panose="020B0606030504020204" pitchFamily="34" charset="0"/>
-                  <a:ea typeface="Open Sans" panose="020B0606030504020204" pitchFamily="34" charset="0"/>
-                  <a:cs typeface="Open Sans" panose="020B0606030504020204" pitchFamily="34" charset="0"/>
-                </a:rPr>
-                <a:t>Computational Mechanics</a:t>
-              </a:r>
-            </a:p>
-          </p:txBody>
-        </p:sp>
-        <p:sp>
-          <p:nvSpPr>
-            <p:cNvPr id="13" name="Text Box 7">
-              <a:extLst>
-                <a:ext uri="{FF2B5EF4-FFF2-40B4-BE49-F238E27FC236}">
-                  <a16:creationId xmlns:a16="http://schemas.microsoft.com/office/drawing/2014/main" id="{BDAFA5B8-16EF-46F3-9270-604D4BCA83AB}"/>
-                </a:ext>
-              </a:extLst>
-            </p:cNvPr>
-            <p:cNvSpPr txBox="1">
-              <a:spLocks noChangeArrowheads="1"/>
-            </p:cNvSpPr>
-            <p:nvPr/>
-          </p:nvSpPr>
-          <p:spPr bwMode="auto">
-            <a:xfrm>
-              <a:off x="1651" y="1029"/>
-              <a:ext cx="2222" cy="523"/>
-            </a:xfrm>
-            <a:prstGeom prst="rect">
-              <a:avLst/>
-            </a:prstGeom>
-            <a:noFill/>
-            <a:ln>
-              <a:noFill/>
-            </a:ln>
-            <a:extLst>
-              <a:ext uri="{909E8E84-426E-40DD-AFC4-6F175D3DCCD1}">
-                <a14:hiddenFill xmlns:a14="http://schemas.microsoft.com/office/drawing/2010/main">
-                  <a:solidFill>
-                    <a:srgbClr val="FFFFFF"/>
-                  </a:solidFill>
-                </a14:hiddenFill>
-              </a:ext>
-              <a:ext uri="{91240B29-F687-4F45-9708-019B960494DF}">
-                <a14:hiddenLine xmlns:a14="http://schemas.microsoft.com/office/drawing/2010/main" w="9525">
-                  <a:solidFill>
-                    <a:srgbClr val="000000"/>
-                  </a:solidFill>
-                  <a:miter lim="800000"/>
-                  <a:headEnd/>
-                  <a:tailEnd/>
-                </a14:hiddenLine>
-              </a:ext>
-            </a:extLst>
-          </p:spPr>
-          <p:txBody>
-            <a:bodyPr wrap="square">
-              <a:spAutoFit/>
-            </a:bodyPr>
-            <a:lstStyle>
-              <a:lvl1pPr>
-                <a:defRPr>
-                  <a:solidFill>
-                    <a:schemeClr val="tx1"/>
-                  </a:solidFill>
-                  <a:latin typeface="Verdana" panose="020B0604030504040204" pitchFamily="34" charset="0"/>
-                  <a:ea typeface="ＭＳ Ｐゴシック" panose="020B0600070205080204" pitchFamily="34" charset="-128"/>
-                </a:defRPr>
-              </a:lvl1pPr>
-              <a:lvl2pPr marL="742950" indent="-285750">
-                <a:defRPr>
-                  <a:solidFill>
-                    <a:schemeClr val="tx1"/>
-                  </a:solidFill>
-                  <a:latin typeface="Verdana" panose="020B0604030504040204" pitchFamily="34" charset="0"/>
-                  <a:ea typeface="ＭＳ Ｐゴシック" panose="020B0600070205080204" pitchFamily="34" charset="-128"/>
-                </a:defRPr>
-              </a:lvl2pPr>
-              <a:lvl3pPr marL="1143000" indent="-228600">
-                <a:defRPr>
-                  <a:solidFill>
-                    <a:schemeClr val="tx1"/>
-                  </a:solidFill>
-                  <a:latin typeface="Verdana" panose="020B0604030504040204" pitchFamily="34" charset="0"/>
-                  <a:ea typeface="ＭＳ Ｐゴシック" panose="020B0600070205080204" pitchFamily="34" charset="-128"/>
-                </a:defRPr>
-              </a:lvl3pPr>
-              <a:lvl4pPr marL="1600200" indent="-228600">
-                <a:defRPr>
-                  <a:solidFill>
-                    <a:schemeClr val="tx1"/>
-                  </a:solidFill>
-                  <a:latin typeface="Verdana" panose="020B0604030504040204" pitchFamily="34" charset="0"/>
-                  <a:ea typeface="ＭＳ Ｐゴシック" panose="020B0600070205080204" pitchFamily="34" charset="-128"/>
-                </a:defRPr>
-              </a:lvl4pPr>
-              <a:lvl5pPr marL="2057400" indent="-228600">
-                <a:defRPr>
-                  <a:solidFill>
-                    <a:schemeClr val="tx1"/>
-                  </a:solidFill>
-                  <a:latin typeface="Verdana" panose="020B0604030504040204" pitchFamily="34" charset="0"/>
-                  <a:ea typeface="ＭＳ Ｐゴシック" panose="020B0600070205080204" pitchFamily="34" charset="-128"/>
-                </a:defRPr>
-              </a:lvl5pPr>
-              <a:lvl6pPr marL="2514600" indent="-228600" eaLnBrk="0" fontAlgn="base" hangingPunct="0">
-                <a:spcBef>
-                  <a:spcPct val="0"/>
-                </a:spcBef>
-                <a:spcAft>
-                  <a:spcPct val="0"/>
-                </a:spcAft>
-                <a:defRPr>
-                  <a:solidFill>
-                    <a:schemeClr val="tx1"/>
-                  </a:solidFill>
-                  <a:latin typeface="Verdana" panose="020B0604030504040204" pitchFamily="34" charset="0"/>
-                  <a:ea typeface="ＭＳ Ｐゴシック" panose="020B0600070205080204" pitchFamily="34" charset="-128"/>
-                </a:defRPr>
-              </a:lvl6pPr>
-              <a:lvl7pPr marL="2971800" indent="-228600" eaLnBrk="0" fontAlgn="base" hangingPunct="0">
-                <a:spcBef>
-                  <a:spcPct val="0"/>
-                </a:spcBef>
-                <a:spcAft>
-                  <a:spcPct val="0"/>
-                </a:spcAft>
-                <a:defRPr>
-                  <a:solidFill>
-                    <a:schemeClr val="tx1"/>
-                  </a:solidFill>
-                  <a:latin typeface="Verdana" panose="020B0604030504040204" pitchFamily="34" charset="0"/>
-                  <a:ea typeface="ＭＳ Ｐゴシック" panose="020B0600070205080204" pitchFamily="34" charset="-128"/>
-                </a:defRPr>
-              </a:lvl7pPr>
-              <a:lvl8pPr marL="3429000" indent="-228600" eaLnBrk="0" fontAlgn="base" hangingPunct="0">
-                <a:spcBef>
-                  <a:spcPct val="0"/>
-                </a:spcBef>
-                <a:spcAft>
-                  <a:spcPct val="0"/>
-                </a:spcAft>
-                <a:defRPr>
-                  <a:solidFill>
-                    <a:schemeClr val="tx1"/>
-                  </a:solidFill>
-                  <a:latin typeface="Verdana" panose="020B0604030504040204" pitchFamily="34" charset="0"/>
-                  <a:ea typeface="ＭＳ Ｐゴシック" panose="020B0600070205080204" pitchFamily="34" charset="-128"/>
-                </a:defRPr>
-              </a:lvl8pPr>
-              <a:lvl9pPr marL="3886200" indent="-228600" eaLnBrk="0" fontAlgn="base" hangingPunct="0">
-                <a:spcBef>
-                  <a:spcPct val="0"/>
-                </a:spcBef>
-                <a:spcAft>
-                  <a:spcPct val="0"/>
-                </a:spcAft>
-                <a:defRPr>
-                  <a:solidFill>
-                    <a:schemeClr val="tx1"/>
-                  </a:solidFill>
-                  <a:latin typeface="Verdana" panose="020B0604030504040204" pitchFamily="34" charset="0"/>
-                  <a:ea typeface="ＭＳ Ｐゴシック" panose="020B0600070205080204" pitchFamily="34" charset="-128"/>
-                </a:defRPr>
-              </a:lvl9pPr>
-            </a:lstStyle>
-            <a:p>
-              <a:pPr>
-                <a:spcBef>
-                  <a:spcPct val="50000"/>
-                </a:spcBef>
-              </a:pPr>
-              <a:r>
-                <a:rPr lang="en-US" altLang="ja-JP" sz="2400" dirty="0" err="1">
-                  <a:latin typeface="Open Sans" panose="020B0606030504020204" pitchFamily="34" charset="0"/>
-                  <a:ea typeface="Open Sans" panose="020B0606030504020204" pitchFamily="34" charset="0"/>
-                  <a:cs typeface="Open Sans" panose="020B0606030504020204" pitchFamily="34" charset="0"/>
-                </a:rPr>
-                <a:t>Nanomechanics</a:t>
-              </a:r>
-              <a:r>
-                <a:rPr lang="en-US" altLang="ja-JP" sz="2400" dirty="0">
-                  <a:latin typeface="Open Sans" panose="020B0606030504020204" pitchFamily="34" charset="0"/>
-                  <a:ea typeface="Open Sans" panose="020B0606030504020204" pitchFamily="34" charset="0"/>
-                  <a:cs typeface="Open Sans" panose="020B0606030504020204" pitchFamily="34" charset="0"/>
-                </a:rPr>
-                <a:t> and micromechanics</a:t>
-              </a:r>
-            </a:p>
-          </p:txBody>
-        </p:sp>
-        <p:sp>
-          <p:nvSpPr>
-            <p:cNvPr id="14" name="Text Box 10">
-              <a:extLst>
-                <a:ext uri="{FF2B5EF4-FFF2-40B4-BE49-F238E27FC236}">
-                  <a16:creationId xmlns:a16="http://schemas.microsoft.com/office/drawing/2014/main" id="{AF71F4B8-58D8-4F9F-B1C3-18BAE12498A9}"/>
-                </a:ext>
-              </a:extLst>
-            </p:cNvPr>
-            <p:cNvSpPr txBox="1">
-              <a:spLocks noChangeArrowheads="1"/>
-            </p:cNvSpPr>
-            <p:nvPr/>
-          </p:nvSpPr>
-          <p:spPr bwMode="auto">
-            <a:xfrm>
-              <a:off x="1651" y="1925"/>
-              <a:ext cx="2476" cy="291"/>
-            </a:xfrm>
-            <a:prstGeom prst="rect">
-              <a:avLst/>
-            </a:prstGeom>
-            <a:noFill/>
-            <a:ln>
-              <a:noFill/>
-            </a:ln>
-            <a:extLst>
-              <a:ext uri="{909E8E84-426E-40DD-AFC4-6F175D3DCCD1}">
-                <a14:hiddenFill xmlns:a14="http://schemas.microsoft.com/office/drawing/2010/main">
-                  <a:solidFill>
-                    <a:srgbClr val="FFFFFF"/>
-                  </a:solidFill>
-                </a14:hiddenFill>
-              </a:ext>
-              <a:ext uri="{91240B29-F687-4F45-9708-019B960494DF}">
-                <a14:hiddenLine xmlns:a14="http://schemas.microsoft.com/office/drawing/2010/main" w="9525" algn="ctr">
-                  <a:solidFill>
-                    <a:srgbClr val="000000"/>
-                  </a:solidFill>
-                  <a:miter lim="800000"/>
-                  <a:headEnd/>
-                  <a:tailEnd/>
-                </a14:hiddenLine>
-              </a:ext>
-            </a:extLst>
-          </p:spPr>
-          <p:txBody>
-            <a:bodyPr wrap="square">
-              <a:spAutoFit/>
-            </a:bodyPr>
-            <a:lstStyle>
-              <a:lvl1pPr>
-                <a:defRPr>
-                  <a:solidFill>
-                    <a:schemeClr val="tx1"/>
-                  </a:solidFill>
-                  <a:latin typeface="Verdana" panose="020B0604030504040204" pitchFamily="34" charset="0"/>
-                  <a:ea typeface="ＭＳ Ｐゴシック" panose="020B0600070205080204" pitchFamily="34" charset="-128"/>
-                </a:defRPr>
-              </a:lvl1pPr>
-              <a:lvl2pPr marL="742950" indent="-285750">
-                <a:defRPr>
-                  <a:solidFill>
-                    <a:schemeClr val="tx1"/>
-                  </a:solidFill>
-                  <a:latin typeface="Verdana" panose="020B0604030504040204" pitchFamily="34" charset="0"/>
-                  <a:ea typeface="ＭＳ Ｐゴシック" panose="020B0600070205080204" pitchFamily="34" charset="-128"/>
-                </a:defRPr>
-              </a:lvl2pPr>
-              <a:lvl3pPr marL="1143000" indent="-228600">
-                <a:defRPr>
-                  <a:solidFill>
-                    <a:schemeClr val="tx1"/>
-                  </a:solidFill>
-                  <a:latin typeface="Verdana" panose="020B0604030504040204" pitchFamily="34" charset="0"/>
-                  <a:ea typeface="ＭＳ Ｐゴシック" panose="020B0600070205080204" pitchFamily="34" charset="-128"/>
-                </a:defRPr>
-              </a:lvl3pPr>
-              <a:lvl4pPr marL="1600200" indent="-228600">
-                <a:defRPr>
-                  <a:solidFill>
-                    <a:schemeClr val="tx1"/>
-                  </a:solidFill>
-                  <a:latin typeface="Verdana" panose="020B0604030504040204" pitchFamily="34" charset="0"/>
-                  <a:ea typeface="ＭＳ Ｐゴシック" panose="020B0600070205080204" pitchFamily="34" charset="-128"/>
-                </a:defRPr>
-              </a:lvl4pPr>
-              <a:lvl5pPr marL="2057400" indent="-228600">
-                <a:defRPr>
-                  <a:solidFill>
-                    <a:schemeClr val="tx1"/>
-                  </a:solidFill>
-                  <a:latin typeface="Verdana" panose="020B0604030504040204" pitchFamily="34" charset="0"/>
-                  <a:ea typeface="ＭＳ Ｐゴシック" panose="020B0600070205080204" pitchFamily="34" charset="-128"/>
-                </a:defRPr>
-              </a:lvl5pPr>
-              <a:lvl6pPr marL="2514600" indent="-228600" eaLnBrk="0" fontAlgn="base" hangingPunct="0">
-                <a:spcBef>
-                  <a:spcPct val="0"/>
-                </a:spcBef>
-                <a:spcAft>
-                  <a:spcPct val="0"/>
-                </a:spcAft>
-                <a:defRPr>
-                  <a:solidFill>
-                    <a:schemeClr val="tx1"/>
-                  </a:solidFill>
-                  <a:latin typeface="Verdana" panose="020B0604030504040204" pitchFamily="34" charset="0"/>
-                  <a:ea typeface="ＭＳ Ｐゴシック" panose="020B0600070205080204" pitchFamily="34" charset="-128"/>
-                </a:defRPr>
-              </a:lvl6pPr>
-              <a:lvl7pPr marL="2971800" indent="-228600" eaLnBrk="0" fontAlgn="base" hangingPunct="0">
-                <a:spcBef>
-                  <a:spcPct val="0"/>
-                </a:spcBef>
-                <a:spcAft>
-                  <a:spcPct val="0"/>
-                </a:spcAft>
-                <a:defRPr>
-                  <a:solidFill>
-                    <a:schemeClr val="tx1"/>
-                  </a:solidFill>
-                  <a:latin typeface="Verdana" panose="020B0604030504040204" pitchFamily="34" charset="0"/>
-                  <a:ea typeface="ＭＳ Ｐゴシック" panose="020B0600070205080204" pitchFamily="34" charset="-128"/>
-                </a:defRPr>
-              </a:lvl7pPr>
-              <a:lvl8pPr marL="3429000" indent="-228600" eaLnBrk="0" fontAlgn="base" hangingPunct="0">
-                <a:spcBef>
-                  <a:spcPct val="0"/>
-                </a:spcBef>
-                <a:spcAft>
-                  <a:spcPct val="0"/>
-                </a:spcAft>
-                <a:defRPr>
-                  <a:solidFill>
-                    <a:schemeClr val="tx1"/>
-                  </a:solidFill>
-                  <a:latin typeface="Verdana" panose="020B0604030504040204" pitchFamily="34" charset="0"/>
-                  <a:ea typeface="ＭＳ Ｐゴシック" panose="020B0600070205080204" pitchFamily="34" charset="-128"/>
-                </a:defRPr>
-              </a:lvl8pPr>
-              <a:lvl9pPr marL="3886200" indent="-228600" eaLnBrk="0" fontAlgn="base" hangingPunct="0">
-                <a:spcBef>
-                  <a:spcPct val="0"/>
-                </a:spcBef>
-                <a:spcAft>
-                  <a:spcPct val="0"/>
-                </a:spcAft>
-                <a:defRPr>
-                  <a:solidFill>
-                    <a:schemeClr val="tx1"/>
-                  </a:solidFill>
-                  <a:latin typeface="Verdana" panose="020B0604030504040204" pitchFamily="34" charset="0"/>
-                  <a:ea typeface="ＭＳ Ｐゴシック" panose="020B0600070205080204" pitchFamily="34" charset="-128"/>
-                </a:defRPr>
-              </a:lvl9pPr>
-            </a:lstStyle>
-            <a:p>
-              <a:pPr eaLnBrk="1" hangingPunct="1">
-                <a:spcBef>
-                  <a:spcPct val="50000"/>
-                </a:spcBef>
-              </a:pPr>
-              <a:r>
-                <a:rPr lang="en-US" altLang="ja-JP" sz="2400" b="1" dirty="0">
-                  <a:solidFill>
-                    <a:schemeClr val="tx2">
-                      <a:lumMod val="60000"/>
-                      <a:lumOff val="40000"/>
-                    </a:schemeClr>
-                  </a:solidFill>
-                  <a:latin typeface="Open Sans" panose="020B0606030504020204" pitchFamily="34" charset="0"/>
-                  <a:ea typeface="Open Sans" panose="020B0606030504020204" pitchFamily="34" charset="0"/>
-                  <a:cs typeface="Open Sans" panose="020B0606030504020204" pitchFamily="34" charset="0"/>
-                </a:rPr>
-                <a:t>Continuum mechanics</a:t>
-              </a:r>
-            </a:p>
-          </p:txBody>
-        </p:sp>
-        <p:sp>
-          <p:nvSpPr>
-            <p:cNvPr id="15" name="Text Box 15">
-              <a:extLst>
-                <a:ext uri="{FF2B5EF4-FFF2-40B4-BE49-F238E27FC236}">
-                  <a16:creationId xmlns:a16="http://schemas.microsoft.com/office/drawing/2014/main" id="{9307020D-4DDE-4369-86A3-0B6C65E25091}"/>
-                </a:ext>
-              </a:extLst>
-            </p:cNvPr>
-            <p:cNvSpPr txBox="1">
-              <a:spLocks noChangeArrowheads="1"/>
-            </p:cNvSpPr>
-            <p:nvPr/>
-          </p:nvSpPr>
-          <p:spPr bwMode="auto">
-            <a:xfrm>
-              <a:off x="1651" y="2806"/>
-              <a:ext cx="1109" cy="291"/>
-            </a:xfrm>
-            <a:prstGeom prst="rect">
-              <a:avLst/>
-            </a:prstGeom>
-            <a:noFill/>
-            <a:ln>
-              <a:noFill/>
-            </a:ln>
-            <a:extLst>
-              <a:ext uri="{909E8E84-426E-40DD-AFC4-6F175D3DCCD1}">
-                <a14:hiddenFill xmlns:a14="http://schemas.microsoft.com/office/drawing/2010/main">
-                  <a:solidFill>
-                    <a:srgbClr val="FFFFFF"/>
-                  </a:solidFill>
-                </a14:hiddenFill>
-              </a:ext>
-              <a:ext uri="{91240B29-F687-4F45-9708-019B960494DF}">
-                <a14:hiddenLine xmlns:a14="http://schemas.microsoft.com/office/drawing/2010/main" w="9525" algn="ctr">
-                  <a:solidFill>
-                    <a:srgbClr val="000000"/>
-                  </a:solidFill>
-                  <a:miter lim="800000"/>
-                  <a:headEnd/>
-                  <a:tailEnd/>
-                </a14:hiddenLine>
-              </a:ext>
-            </a:extLst>
-          </p:spPr>
-          <p:txBody>
-            <a:bodyPr wrap="square">
-              <a:spAutoFit/>
-            </a:bodyPr>
-            <a:lstStyle>
-              <a:lvl1pPr>
-                <a:defRPr>
-                  <a:solidFill>
-                    <a:schemeClr val="tx1"/>
-                  </a:solidFill>
-                  <a:latin typeface="Verdana" panose="020B0604030504040204" pitchFamily="34" charset="0"/>
-                  <a:ea typeface="ＭＳ Ｐゴシック" panose="020B0600070205080204" pitchFamily="34" charset="-128"/>
-                </a:defRPr>
-              </a:lvl1pPr>
-              <a:lvl2pPr marL="742950" indent="-285750">
-                <a:defRPr>
-                  <a:solidFill>
-                    <a:schemeClr val="tx1"/>
-                  </a:solidFill>
-                  <a:latin typeface="Verdana" panose="020B0604030504040204" pitchFamily="34" charset="0"/>
-                  <a:ea typeface="ＭＳ Ｐゴシック" panose="020B0600070205080204" pitchFamily="34" charset="-128"/>
-                </a:defRPr>
-              </a:lvl2pPr>
-              <a:lvl3pPr marL="1143000" indent="-228600">
-                <a:defRPr>
-                  <a:solidFill>
-                    <a:schemeClr val="tx1"/>
-                  </a:solidFill>
-                  <a:latin typeface="Verdana" panose="020B0604030504040204" pitchFamily="34" charset="0"/>
-                  <a:ea typeface="ＭＳ Ｐゴシック" panose="020B0600070205080204" pitchFamily="34" charset="-128"/>
-                </a:defRPr>
-              </a:lvl3pPr>
-              <a:lvl4pPr marL="1600200" indent="-228600">
-                <a:defRPr>
-                  <a:solidFill>
-                    <a:schemeClr val="tx1"/>
-                  </a:solidFill>
-                  <a:latin typeface="Verdana" panose="020B0604030504040204" pitchFamily="34" charset="0"/>
-                  <a:ea typeface="ＭＳ Ｐゴシック" panose="020B0600070205080204" pitchFamily="34" charset="-128"/>
-                </a:defRPr>
-              </a:lvl4pPr>
-              <a:lvl5pPr marL="2057400" indent="-228600">
-                <a:defRPr>
-                  <a:solidFill>
-                    <a:schemeClr val="tx1"/>
-                  </a:solidFill>
-                  <a:latin typeface="Verdana" panose="020B0604030504040204" pitchFamily="34" charset="0"/>
-                  <a:ea typeface="ＭＳ Ｐゴシック" panose="020B0600070205080204" pitchFamily="34" charset="-128"/>
-                </a:defRPr>
-              </a:lvl5pPr>
-              <a:lvl6pPr marL="2514600" indent="-228600" eaLnBrk="0" fontAlgn="base" hangingPunct="0">
-                <a:spcBef>
-                  <a:spcPct val="0"/>
-                </a:spcBef>
-                <a:spcAft>
-                  <a:spcPct val="0"/>
-                </a:spcAft>
-                <a:defRPr>
-                  <a:solidFill>
-                    <a:schemeClr val="tx1"/>
-                  </a:solidFill>
-                  <a:latin typeface="Verdana" panose="020B0604030504040204" pitchFamily="34" charset="0"/>
-                  <a:ea typeface="ＭＳ Ｐゴシック" panose="020B0600070205080204" pitchFamily="34" charset="-128"/>
-                </a:defRPr>
-              </a:lvl6pPr>
-              <a:lvl7pPr marL="2971800" indent="-228600" eaLnBrk="0" fontAlgn="base" hangingPunct="0">
-                <a:spcBef>
-                  <a:spcPct val="0"/>
-                </a:spcBef>
-                <a:spcAft>
-                  <a:spcPct val="0"/>
-                </a:spcAft>
-                <a:defRPr>
-                  <a:solidFill>
-                    <a:schemeClr val="tx1"/>
-                  </a:solidFill>
-                  <a:latin typeface="Verdana" panose="020B0604030504040204" pitchFamily="34" charset="0"/>
-                  <a:ea typeface="ＭＳ Ｐゴシック" panose="020B0600070205080204" pitchFamily="34" charset="-128"/>
-                </a:defRPr>
-              </a:lvl7pPr>
-              <a:lvl8pPr marL="3429000" indent="-228600" eaLnBrk="0" fontAlgn="base" hangingPunct="0">
-                <a:spcBef>
-                  <a:spcPct val="0"/>
-                </a:spcBef>
-                <a:spcAft>
-                  <a:spcPct val="0"/>
-                </a:spcAft>
-                <a:defRPr>
-                  <a:solidFill>
-                    <a:schemeClr val="tx1"/>
-                  </a:solidFill>
-                  <a:latin typeface="Verdana" panose="020B0604030504040204" pitchFamily="34" charset="0"/>
-                  <a:ea typeface="ＭＳ Ｐゴシック" panose="020B0600070205080204" pitchFamily="34" charset="-128"/>
-                </a:defRPr>
-              </a:lvl8pPr>
-              <a:lvl9pPr marL="3886200" indent="-228600" eaLnBrk="0" fontAlgn="base" hangingPunct="0">
-                <a:spcBef>
-                  <a:spcPct val="0"/>
-                </a:spcBef>
-                <a:spcAft>
-                  <a:spcPct val="0"/>
-                </a:spcAft>
-                <a:defRPr>
-                  <a:solidFill>
-                    <a:schemeClr val="tx1"/>
-                  </a:solidFill>
-                  <a:latin typeface="Verdana" panose="020B0604030504040204" pitchFamily="34" charset="0"/>
-                  <a:ea typeface="ＭＳ Ｐゴシック" panose="020B0600070205080204" pitchFamily="34" charset="-128"/>
-                </a:defRPr>
-              </a:lvl9pPr>
-            </a:lstStyle>
-            <a:p>
-              <a:pPr eaLnBrk="1" hangingPunct="1">
-                <a:spcBef>
-                  <a:spcPct val="50000"/>
-                </a:spcBef>
-              </a:pPr>
-              <a:r>
-                <a:rPr lang="en-US" altLang="ja-JP" sz="2400" dirty="0">
-                  <a:latin typeface="Open Sans" panose="020B0606030504020204" pitchFamily="34" charset="0"/>
-                  <a:ea typeface="Open Sans" panose="020B0606030504020204" pitchFamily="34" charset="0"/>
-                  <a:cs typeface="Open Sans" panose="020B0606030504020204" pitchFamily="34" charset="0"/>
-                </a:rPr>
-                <a:t>Systems</a:t>
-              </a:r>
-            </a:p>
-          </p:txBody>
-        </p:sp>
-      </p:grpSp>
-      <p:grpSp>
-        <p:nvGrpSpPr>
-          <p:cNvPr id="17" name="Group 22">
-            <a:extLst>
-              <a:ext uri="{FF2B5EF4-FFF2-40B4-BE49-F238E27FC236}">
-                <a16:creationId xmlns:a16="http://schemas.microsoft.com/office/drawing/2014/main" id="{096A37E9-5FBA-4471-BD43-01786C87915A}"/>
-              </a:ext>
-            </a:extLst>
-          </p:cNvPr>
-          <p:cNvGrpSpPr>
-            <a:grpSpLocks/>
-          </p:cNvGrpSpPr>
-          <p:nvPr/>
-        </p:nvGrpSpPr>
-        <p:grpSpPr bwMode="auto">
-          <a:xfrm>
-            <a:off x="6172201" y="3455769"/>
-            <a:ext cx="2971800" cy="2252663"/>
-            <a:chOff x="3987" y="1418"/>
-            <a:chExt cx="1968" cy="1419"/>
-          </a:xfrm>
-        </p:grpSpPr>
-        <p:sp>
-          <p:nvSpPr>
-            <p:cNvPr id="18" name="AutoShape 11">
-              <a:extLst>
-                <a:ext uri="{FF2B5EF4-FFF2-40B4-BE49-F238E27FC236}">
-                  <a16:creationId xmlns:a16="http://schemas.microsoft.com/office/drawing/2014/main" id="{236BE12B-B6AD-4D92-AADD-460136449043}"/>
-                </a:ext>
-              </a:extLst>
-            </p:cNvPr>
-            <p:cNvSpPr>
-              <a:spLocks noChangeAspect="1"/>
-            </p:cNvSpPr>
-            <p:nvPr/>
-          </p:nvSpPr>
-          <p:spPr bwMode="auto">
-            <a:xfrm>
-              <a:off x="3987" y="1559"/>
-              <a:ext cx="147" cy="1135"/>
-            </a:xfrm>
-            <a:prstGeom prst="leftBrace">
-              <a:avLst>
-                <a:gd name="adj1" fmla="val 64342"/>
-                <a:gd name="adj2" fmla="val 50000"/>
-              </a:avLst>
-            </a:prstGeom>
-            <a:solidFill>
-              <a:srgbClr val="FFFFFF"/>
-            </a:solidFill>
-            <a:ln w="25400">
-              <a:solidFill>
-                <a:schemeClr val="tx1"/>
-              </a:solidFill>
-              <a:round/>
-              <a:headEnd/>
-              <a:tailEnd/>
-            </a:ln>
-          </p:spPr>
-          <p:txBody>
-            <a:bodyPr wrap="none" anchor="ctr"/>
-            <a:lstStyle>
-              <a:lvl1pPr>
-                <a:defRPr>
-                  <a:solidFill>
-                    <a:schemeClr val="tx1"/>
-                  </a:solidFill>
-                  <a:latin typeface="Verdana" panose="020B0604030504040204" pitchFamily="34" charset="0"/>
-                  <a:ea typeface="ＭＳ Ｐゴシック" panose="020B0600070205080204" pitchFamily="34" charset="-128"/>
-                </a:defRPr>
-              </a:lvl1pPr>
-              <a:lvl2pPr marL="742950" indent="-285750">
-                <a:defRPr>
-                  <a:solidFill>
-                    <a:schemeClr val="tx1"/>
-                  </a:solidFill>
-                  <a:latin typeface="Verdana" panose="020B0604030504040204" pitchFamily="34" charset="0"/>
-                  <a:ea typeface="ＭＳ Ｐゴシック" panose="020B0600070205080204" pitchFamily="34" charset="-128"/>
-                </a:defRPr>
-              </a:lvl2pPr>
-              <a:lvl3pPr marL="1143000" indent="-228600">
-                <a:defRPr>
-                  <a:solidFill>
-                    <a:schemeClr val="tx1"/>
-                  </a:solidFill>
-                  <a:latin typeface="Verdana" panose="020B0604030504040204" pitchFamily="34" charset="0"/>
-                  <a:ea typeface="ＭＳ Ｐゴシック" panose="020B0600070205080204" pitchFamily="34" charset="-128"/>
-                </a:defRPr>
-              </a:lvl3pPr>
-              <a:lvl4pPr marL="1600200" indent="-228600">
-                <a:defRPr>
-                  <a:solidFill>
-                    <a:schemeClr val="tx1"/>
-                  </a:solidFill>
-                  <a:latin typeface="Verdana" panose="020B0604030504040204" pitchFamily="34" charset="0"/>
-                  <a:ea typeface="ＭＳ Ｐゴシック" panose="020B0600070205080204" pitchFamily="34" charset="-128"/>
-                </a:defRPr>
-              </a:lvl4pPr>
-              <a:lvl5pPr marL="2057400" indent="-228600">
-                <a:defRPr>
-                  <a:solidFill>
-                    <a:schemeClr val="tx1"/>
-                  </a:solidFill>
-                  <a:latin typeface="Verdana" panose="020B0604030504040204" pitchFamily="34" charset="0"/>
-                  <a:ea typeface="ＭＳ Ｐゴシック" panose="020B0600070205080204" pitchFamily="34" charset="-128"/>
-                </a:defRPr>
-              </a:lvl5pPr>
-              <a:lvl6pPr marL="2514600" indent="-228600" eaLnBrk="0" fontAlgn="base" hangingPunct="0">
-                <a:spcBef>
-                  <a:spcPct val="0"/>
-                </a:spcBef>
-                <a:spcAft>
-                  <a:spcPct val="0"/>
-                </a:spcAft>
-                <a:defRPr>
-                  <a:solidFill>
-                    <a:schemeClr val="tx1"/>
-                  </a:solidFill>
-                  <a:latin typeface="Verdana" panose="020B0604030504040204" pitchFamily="34" charset="0"/>
-                  <a:ea typeface="ＭＳ Ｐゴシック" panose="020B0600070205080204" pitchFamily="34" charset="-128"/>
-                </a:defRPr>
-              </a:lvl6pPr>
-              <a:lvl7pPr marL="2971800" indent="-228600" eaLnBrk="0" fontAlgn="base" hangingPunct="0">
-                <a:spcBef>
-                  <a:spcPct val="0"/>
-                </a:spcBef>
-                <a:spcAft>
-                  <a:spcPct val="0"/>
-                </a:spcAft>
-                <a:defRPr>
-                  <a:solidFill>
-                    <a:schemeClr val="tx1"/>
-                  </a:solidFill>
-                  <a:latin typeface="Verdana" panose="020B0604030504040204" pitchFamily="34" charset="0"/>
-                  <a:ea typeface="ＭＳ Ｐゴシック" panose="020B0600070205080204" pitchFamily="34" charset="-128"/>
-                </a:defRPr>
-              </a:lvl7pPr>
-              <a:lvl8pPr marL="3429000" indent="-228600" eaLnBrk="0" fontAlgn="base" hangingPunct="0">
-                <a:spcBef>
-                  <a:spcPct val="0"/>
-                </a:spcBef>
-                <a:spcAft>
-                  <a:spcPct val="0"/>
-                </a:spcAft>
-                <a:defRPr>
-                  <a:solidFill>
-                    <a:schemeClr val="tx1"/>
-                  </a:solidFill>
-                  <a:latin typeface="Verdana" panose="020B0604030504040204" pitchFamily="34" charset="0"/>
-                  <a:ea typeface="ＭＳ Ｐゴシック" panose="020B0600070205080204" pitchFamily="34" charset="-128"/>
-                </a:defRPr>
-              </a:lvl8pPr>
-              <a:lvl9pPr marL="3886200" indent="-228600" eaLnBrk="0" fontAlgn="base" hangingPunct="0">
-                <a:spcBef>
-                  <a:spcPct val="0"/>
-                </a:spcBef>
-                <a:spcAft>
-                  <a:spcPct val="0"/>
-                </a:spcAft>
-                <a:defRPr>
-                  <a:solidFill>
-                    <a:schemeClr val="tx1"/>
-                  </a:solidFill>
-                  <a:latin typeface="Verdana" panose="020B0604030504040204" pitchFamily="34" charset="0"/>
-                  <a:ea typeface="ＭＳ Ｐゴシック" panose="020B0600070205080204" pitchFamily="34" charset="-128"/>
-                </a:defRPr>
-              </a:lvl9pPr>
-            </a:lstStyle>
-            <a:p>
-              <a:endParaRPr lang="ja-JP" altLang="en-US"/>
-            </a:p>
-          </p:txBody>
-        </p:sp>
-        <p:sp>
-          <p:nvSpPr>
-            <p:cNvPr id="19" name="Text Box 12">
-              <a:extLst>
-                <a:ext uri="{FF2B5EF4-FFF2-40B4-BE49-F238E27FC236}">
-                  <a16:creationId xmlns:a16="http://schemas.microsoft.com/office/drawing/2014/main" id="{2F9D8FD3-0B2D-4326-9F8E-81F0396A6DF7}"/>
-                </a:ext>
-              </a:extLst>
-            </p:cNvPr>
-            <p:cNvSpPr txBox="1">
-              <a:spLocks noChangeArrowheads="1"/>
-            </p:cNvSpPr>
-            <p:nvPr/>
-          </p:nvSpPr>
-          <p:spPr bwMode="auto">
-            <a:xfrm>
-              <a:off x="4090" y="1418"/>
-              <a:ext cx="1865" cy="271"/>
-            </a:xfrm>
-            <a:prstGeom prst="rect">
-              <a:avLst/>
-            </a:prstGeom>
-            <a:noFill/>
-            <a:ln>
-              <a:noFill/>
-            </a:ln>
-            <a:extLst>
-              <a:ext uri="{909E8E84-426E-40DD-AFC4-6F175D3DCCD1}">
-                <a14:hiddenFill xmlns:a14="http://schemas.microsoft.com/office/drawing/2010/main">
-                  <a:solidFill>
-                    <a:srgbClr val="FFFFFF"/>
-                  </a:solidFill>
-                </a14:hiddenFill>
-              </a:ext>
-              <a:ext uri="{91240B29-F687-4F45-9708-019B960494DF}">
-                <a14:hiddenLine xmlns:a14="http://schemas.microsoft.com/office/drawing/2010/main" w="9525" algn="ctr">
-                  <a:solidFill>
-                    <a:srgbClr val="000000"/>
-                  </a:solidFill>
-                  <a:miter lim="800000"/>
-                  <a:headEnd/>
-                  <a:tailEnd/>
-                </a14:hiddenLine>
-              </a:ext>
-            </a:extLst>
-          </p:spPr>
-          <p:txBody>
-            <a:bodyPr wrap="square">
-              <a:spAutoFit/>
-            </a:bodyPr>
-            <a:lstStyle>
-              <a:lvl1pPr>
-                <a:defRPr>
-                  <a:solidFill>
-                    <a:schemeClr val="tx1"/>
-                  </a:solidFill>
-                  <a:latin typeface="Verdana" panose="020B0604030504040204" pitchFamily="34" charset="0"/>
-                  <a:ea typeface="ＭＳ Ｐゴシック" panose="020B0600070205080204" pitchFamily="34" charset="-128"/>
-                </a:defRPr>
-              </a:lvl1pPr>
-              <a:lvl2pPr marL="742950" indent="-285750">
-                <a:defRPr>
-                  <a:solidFill>
-                    <a:schemeClr val="tx1"/>
-                  </a:solidFill>
-                  <a:latin typeface="Verdana" panose="020B0604030504040204" pitchFamily="34" charset="0"/>
-                  <a:ea typeface="ＭＳ Ｐゴシック" panose="020B0600070205080204" pitchFamily="34" charset="-128"/>
-                </a:defRPr>
-              </a:lvl2pPr>
-              <a:lvl3pPr marL="1143000" indent="-228600">
-                <a:defRPr>
-                  <a:solidFill>
-                    <a:schemeClr val="tx1"/>
-                  </a:solidFill>
-                  <a:latin typeface="Verdana" panose="020B0604030504040204" pitchFamily="34" charset="0"/>
-                  <a:ea typeface="ＭＳ Ｐゴシック" panose="020B0600070205080204" pitchFamily="34" charset="-128"/>
-                </a:defRPr>
-              </a:lvl3pPr>
-              <a:lvl4pPr marL="1600200" indent="-228600">
-                <a:defRPr>
-                  <a:solidFill>
-                    <a:schemeClr val="tx1"/>
-                  </a:solidFill>
-                  <a:latin typeface="Verdana" panose="020B0604030504040204" pitchFamily="34" charset="0"/>
-                  <a:ea typeface="ＭＳ Ｐゴシック" panose="020B0600070205080204" pitchFamily="34" charset="-128"/>
-                </a:defRPr>
-              </a:lvl4pPr>
-              <a:lvl5pPr marL="2057400" indent="-228600">
-                <a:defRPr>
-                  <a:solidFill>
-                    <a:schemeClr val="tx1"/>
-                  </a:solidFill>
-                  <a:latin typeface="Verdana" panose="020B0604030504040204" pitchFamily="34" charset="0"/>
-                  <a:ea typeface="ＭＳ Ｐゴシック" panose="020B0600070205080204" pitchFamily="34" charset="-128"/>
-                </a:defRPr>
-              </a:lvl5pPr>
-              <a:lvl6pPr marL="2514600" indent="-228600" eaLnBrk="0" fontAlgn="base" hangingPunct="0">
-                <a:spcBef>
-                  <a:spcPct val="0"/>
-                </a:spcBef>
-                <a:spcAft>
-                  <a:spcPct val="0"/>
-                </a:spcAft>
-                <a:defRPr>
-                  <a:solidFill>
-                    <a:schemeClr val="tx1"/>
-                  </a:solidFill>
-                  <a:latin typeface="Verdana" panose="020B0604030504040204" pitchFamily="34" charset="0"/>
-                  <a:ea typeface="ＭＳ Ｐゴシック" panose="020B0600070205080204" pitchFamily="34" charset="-128"/>
-                </a:defRPr>
-              </a:lvl6pPr>
-              <a:lvl7pPr marL="2971800" indent="-228600" eaLnBrk="0" fontAlgn="base" hangingPunct="0">
-                <a:spcBef>
-                  <a:spcPct val="0"/>
-                </a:spcBef>
-                <a:spcAft>
-                  <a:spcPct val="0"/>
-                </a:spcAft>
-                <a:defRPr>
-                  <a:solidFill>
-                    <a:schemeClr val="tx1"/>
-                  </a:solidFill>
-                  <a:latin typeface="Verdana" panose="020B0604030504040204" pitchFamily="34" charset="0"/>
-                  <a:ea typeface="ＭＳ Ｐゴシック" panose="020B0600070205080204" pitchFamily="34" charset="-128"/>
-                </a:defRPr>
-              </a:lvl7pPr>
-              <a:lvl8pPr marL="3429000" indent="-228600" eaLnBrk="0" fontAlgn="base" hangingPunct="0">
-                <a:spcBef>
-                  <a:spcPct val="0"/>
-                </a:spcBef>
-                <a:spcAft>
-                  <a:spcPct val="0"/>
-                </a:spcAft>
-                <a:defRPr>
-                  <a:solidFill>
-                    <a:schemeClr val="tx1"/>
-                  </a:solidFill>
-                  <a:latin typeface="Verdana" panose="020B0604030504040204" pitchFamily="34" charset="0"/>
-                  <a:ea typeface="ＭＳ Ｐゴシック" panose="020B0600070205080204" pitchFamily="34" charset="-128"/>
-                </a:defRPr>
-              </a:lvl8pPr>
-              <a:lvl9pPr marL="3886200" indent="-228600" eaLnBrk="0" fontAlgn="base" hangingPunct="0">
-                <a:spcBef>
-                  <a:spcPct val="0"/>
-                </a:spcBef>
-                <a:spcAft>
-                  <a:spcPct val="0"/>
-                </a:spcAft>
-                <a:defRPr>
-                  <a:solidFill>
-                    <a:schemeClr val="tx1"/>
-                  </a:solidFill>
-                  <a:latin typeface="Verdana" panose="020B0604030504040204" pitchFamily="34" charset="0"/>
-                  <a:ea typeface="ＭＳ Ｐゴシック" panose="020B0600070205080204" pitchFamily="34" charset="-128"/>
-                </a:defRPr>
-              </a:lvl9pPr>
-            </a:lstStyle>
-            <a:p>
-              <a:pPr eaLnBrk="1" hangingPunct="1">
-                <a:spcBef>
-                  <a:spcPct val="50000"/>
-                </a:spcBef>
-              </a:pPr>
-              <a:r>
-                <a:rPr lang="en-US" altLang="ja-JP" sz="2200" b="1" dirty="0">
-                  <a:solidFill>
-                    <a:schemeClr val="tx2">
-                      <a:lumMod val="60000"/>
-                      <a:lumOff val="40000"/>
-                    </a:schemeClr>
-                  </a:solidFill>
-                  <a:latin typeface="Open Sans" panose="020B0606030504020204" pitchFamily="34" charset="0"/>
-                  <a:ea typeface="Open Sans" panose="020B0606030504020204" pitchFamily="34" charset="0"/>
-                  <a:cs typeface="Open Sans" panose="020B0606030504020204" pitchFamily="34" charset="0"/>
-                </a:rPr>
-                <a:t>Solids &amp; Structures</a:t>
-              </a:r>
-            </a:p>
-          </p:txBody>
-        </p:sp>
-        <p:sp>
-          <p:nvSpPr>
-            <p:cNvPr id="20" name="Text Box 13">
-              <a:extLst>
-                <a:ext uri="{FF2B5EF4-FFF2-40B4-BE49-F238E27FC236}">
-                  <a16:creationId xmlns:a16="http://schemas.microsoft.com/office/drawing/2014/main" id="{D739571B-2BE7-4A7D-8C42-DE9330D97A9B}"/>
-                </a:ext>
-              </a:extLst>
-            </p:cNvPr>
-            <p:cNvSpPr txBox="1">
-              <a:spLocks noChangeArrowheads="1"/>
-            </p:cNvSpPr>
-            <p:nvPr/>
-          </p:nvSpPr>
-          <p:spPr bwMode="auto">
-            <a:xfrm>
-              <a:off x="4120" y="1977"/>
-              <a:ext cx="635" cy="271"/>
-            </a:xfrm>
-            <a:prstGeom prst="rect">
-              <a:avLst/>
-            </a:prstGeom>
-            <a:noFill/>
-            <a:ln>
-              <a:noFill/>
-            </a:ln>
-            <a:extLst>
-              <a:ext uri="{909E8E84-426E-40DD-AFC4-6F175D3DCCD1}">
-                <a14:hiddenFill xmlns:a14="http://schemas.microsoft.com/office/drawing/2010/main">
-                  <a:solidFill>
-                    <a:srgbClr val="FFFFFF"/>
-                  </a:solidFill>
-                </a14:hiddenFill>
-              </a:ext>
-              <a:ext uri="{91240B29-F687-4F45-9708-019B960494DF}">
-                <a14:hiddenLine xmlns:a14="http://schemas.microsoft.com/office/drawing/2010/main" w="9525">
-                  <a:solidFill>
-                    <a:srgbClr val="000000"/>
-                  </a:solidFill>
-                  <a:miter lim="800000"/>
-                  <a:headEnd/>
-                  <a:tailEnd/>
-                </a14:hiddenLine>
-              </a:ext>
-            </a:extLst>
-          </p:spPr>
-          <p:txBody>
-            <a:bodyPr>
-              <a:spAutoFit/>
-            </a:bodyPr>
-            <a:lstStyle>
-              <a:lvl1pPr>
-                <a:defRPr>
-                  <a:solidFill>
-                    <a:schemeClr val="tx1"/>
-                  </a:solidFill>
-                  <a:latin typeface="Verdana" panose="020B0604030504040204" pitchFamily="34" charset="0"/>
-                  <a:ea typeface="ＭＳ Ｐゴシック" panose="020B0600070205080204" pitchFamily="34" charset="-128"/>
-                </a:defRPr>
-              </a:lvl1pPr>
-              <a:lvl2pPr marL="742950" indent="-285750">
-                <a:defRPr>
-                  <a:solidFill>
-                    <a:schemeClr val="tx1"/>
-                  </a:solidFill>
-                  <a:latin typeface="Verdana" panose="020B0604030504040204" pitchFamily="34" charset="0"/>
-                  <a:ea typeface="ＭＳ Ｐゴシック" panose="020B0600070205080204" pitchFamily="34" charset="-128"/>
-                </a:defRPr>
-              </a:lvl2pPr>
-              <a:lvl3pPr marL="1143000" indent="-228600">
-                <a:defRPr>
-                  <a:solidFill>
-                    <a:schemeClr val="tx1"/>
-                  </a:solidFill>
-                  <a:latin typeface="Verdana" panose="020B0604030504040204" pitchFamily="34" charset="0"/>
-                  <a:ea typeface="ＭＳ Ｐゴシック" panose="020B0600070205080204" pitchFamily="34" charset="-128"/>
-                </a:defRPr>
-              </a:lvl3pPr>
-              <a:lvl4pPr marL="1600200" indent="-228600">
-                <a:defRPr>
-                  <a:solidFill>
-                    <a:schemeClr val="tx1"/>
-                  </a:solidFill>
-                  <a:latin typeface="Verdana" panose="020B0604030504040204" pitchFamily="34" charset="0"/>
-                  <a:ea typeface="ＭＳ Ｐゴシック" panose="020B0600070205080204" pitchFamily="34" charset="-128"/>
-                </a:defRPr>
-              </a:lvl4pPr>
-              <a:lvl5pPr marL="2057400" indent="-228600">
-                <a:defRPr>
-                  <a:solidFill>
-                    <a:schemeClr val="tx1"/>
-                  </a:solidFill>
-                  <a:latin typeface="Verdana" panose="020B0604030504040204" pitchFamily="34" charset="0"/>
-                  <a:ea typeface="ＭＳ Ｐゴシック" panose="020B0600070205080204" pitchFamily="34" charset="-128"/>
-                </a:defRPr>
-              </a:lvl5pPr>
-              <a:lvl6pPr marL="2514600" indent="-228600" eaLnBrk="0" fontAlgn="base" hangingPunct="0">
-                <a:spcBef>
-                  <a:spcPct val="0"/>
-                </a:spcBef>
-                <a:spcAft>
-                  <a:spcPct val="0"/>
-                </a:spcAft>
-                <a:defRPr>
-                  <a:solidFill>
-                    <a:schemeClr val="tx1"/>
-                  </a:solidFill>
-                  <a:latin typeface="Verdana" panose="020B0604030504040204" pitchFamily="34" charset="0"/>
-                  <a:ea typeface="ＭＳ Ｐゴシック" panose="020B0600070205080204" pitchFamily="34" charset="-128"/>
-                </a:defRPr>
-              </a:lvl6pPr>
-              <a:lvl7pPr marL="2971800" indent="-228600" eaLnBrk="0" fontAlgn="base" hangingPunct="0">
-                <a:spcBef>
-                  <a:spcPct val="0"/>
-                </a:spcBef>
-                <a:spcAft>
-                  <a:spcPct val="0"/>
-                </a:spcAft>
-                <a:defRPr>
-                  <a:solidFill>
-                    <a:schemeClr val="tx1"/>
-                  </a:solidFill>
-                  <a:latin typeface="Verdana" panose="020B0604030504040204" pitchFamily="34" charset="0"/>
-                  <a:ea typeface="ＭＳ Ｐゴシック" panose="020B0600070205080204" pitchFamily="34" charset="-128"/>
-                </a:defRPr>
-              </a:lvl7pPr>
-              <a:lvl8pPr marL="3429000" indent="-228600" eaLnBrk="0" fontAlgn="base" hangingPunct="0">
-                <a:spcBef>
-                  <a:spcPct val="0"/>
-                </a:spcBef>
-                <a:spcAft>
-                  <a:spcPct val="0"/>
-                </a:spcAft>
-                <a:defRPr>
-                  <a:solidFill>
-                    <a:schemeClr val="tx1"/>
-                  </a:solidFill>
-                  <a:latin typeface="Verdana" panose="020B0604030504040204" pitchFamily="34" charset="0"/>
-                  <a:ea typeface="ＭＳ Ｐゴシック" panose="020B0600070205080204" pitchFamily="34" charset="-128"/>
-                </a:defRPr>
-              </a:lvl8pPr>
-              <a:lvl9pPr marL="3886200" indent="-228600" eaLnBrk="0" fontAlgn="base" hangingPunct="0">
-                <a:spcBef>
-                  <a:spcPct val="0"/>
-                </a:spcBef>
-                <a:spcAft>
-                  <a:spcPct val="0"/>
-                </a:spcAft>
-                <a:defRPr>
-                  <a:solidFill>
-                    <a:schemeClr val="tx1"/>
-                  </a:solidFill>
-                  <a:latin typeface="Verdana" panose="020B0604030504040204" pitchFamily="34" charset="0"/>
-                  <a:ea typeface="ＭＳ Ｐゴシック" panose="020B0600070205080204" pitchFamily="34" charset="-128"/>
-                </a:defRPr>
-              </a:lvl9pPr>
-            </a:lstStyle>
-            <a:p>
-              <a:pPr eaLnBrk="1" hangingPunct="1">
-                <a:spcBef>
-                  <a:spcPct val="50000"/>
-                </a:spcBef>
-              </a:pPr>
-              <a:r>
-                <a:rPr lang="en-US" altLang="ja-JP" sz="2200" dirty="0">
-                  <a:latin typeface="Open Sans" panose="020B0606030504020204" pitchFamily="34" charset="0"/>
-                  <a:ea typeface="Open Sans" panose="020B0606030504020204" pitchFamily="34" charset="0"/>
-                  <a:cs typeface="Open Sans" panose="020B0606030504020204" pitchFamily="34" charset="0"/>
-                </a:rPr>
-                <a:t>Fluids</a:t>
-              </a:r>
-            </a:p>
-          </p:txBody>
-        </p:sp>
-        <p:sp>
-          <p:nvSpPr>
-            <p:cNvPr id="21" name="Text Box 14">
-              <a:extLst>
-                <a:ext uri="{FF2B5EF4-FFF2-40B4-BE49-F238E27FC236}">
-                  <a16:creationId xmlns:a16="http://schemas.microsoft.com/office/drawing/2014/main" id="{CD32B1E5-8698-40AA-BEEB-3249BE92C5B0}"/>
-                </a:ext>
-              </a:extLst>
-            </p:cNvPr>
-            <p:cNvSpPr txBox="1">
-              <a:spLocks noChangeArrowheads="1"/>
-            </p:cNvSpPr>
-            <p:nvPr/>
-          </p:nvSpPr>
-          <p:spPr bwMode="auto">
-            <a:xfrm>
-              <a:off x="4102" y="2566"/>
-              <a:ext cx="1336" cy="271"/>
-            </a:xfrm>
-            <a:prstGeom prst="rect">
-              <a:avLst/>
-            </a:prstGeom>
-            <a:noFill/>
-            <a:ln>
-              <a:noFill/>
-            </a:ln>
-            <a:extLst>
-              <a:ext uri="{909E8E84-426E-40DD-AFC4-6F175D3DCCD1}">
-                <a14:hiddenFill xmlns:a14="http://schemas.microsoft.com/office/drawing/2010/main">
-                  <a:solidFill>
-                    <a:srgbClr val="FFFFFF"/>
-                  </a:solidFill>
-                </a14:hiddenFill>
-              </a:ext>
-              <a:ext uri="{91240B29-F687-4F45-9708-019B960494DF}">
-                <a14:hiddenLine xmlns:a14="http://schemas.microsoft.com/office/drawing/2010/main" w="9525">
-                  <a:solidFill>
-                    <a:srgbClr val="000000"/>
-                  </a:solidFill>
-                  <a:miter lim="800000"/>
-                  <a:headEnd/>
-                  <a:tailEnd/>
-                </a14:hiddenLine>
-              </a:ext>
-            </a:extLst>
-          </p:spPr>
-          <p:txBody>
-            <a:bodyPr>
-              <a:spAutoFit/>
-            </a:bodyPr>
-            <a:lstStyle>
-              <a:lvl1pPr>
-                <a:defRPr>
-                  <a:solidFill>
-                    <a:schemeClr val="tx1"/>
-                  </a:solidFill>
-                  <a:latin typeface="Verdana" panose="020B0604030504040204" pitchFamily="34" charset="0"/>
-                  <a:ea typeface="ＭＳ Ｐゴシック" panose="020B0600070205080204" pitchFamily="34" charset="-128"/>
-                </a:defRPr>
-              </a:lvl1pPr>
-              <a:lvl2pPr marL="742950" indent="-285750">
-                <a:defRPr>
-                  <a:solidFill>
-                    <a:schemeClr val="tx1"/>
-                  </a:solidFill>
-                  <a:latin typeface="Verdana" panose="020B0604030504040204" pitchFamily="34" charset="0"/>
-                  <a:ea typeface="ＭＳ Ｐゴシック" panose="020B0600070205080204" pitchFamily="34" charset="-128"/>
-                </a:defRPr>
-              </a:lvl2pPr>
-              <a:lvl3pPr marL="1143000" indent="-228600">
-                <a:defRPr>
-                  <a:solidFill>
-                    <a:schemeClr val="tx1"/>
-                  </a:solidFill>
-                  <a:latin typeface="Verdana" panose="020B0604030504040204" pitchFamily="34" charset="0"/>
-                  <a:ea typeface="ＭＳ Ｐゴシック" panose="020B0600070205080204" pitchFamily="34" charset="-128"/>
-                </a:defRPr>
-              </a:lvl3pPr>
-              <a:lvl4pPr marL="1600200" indent="-228600">
-                <a:defRPr>
-                  <a:solidFill>
-                    <a:schemeClr val="tx1"/>
-                  </a:solidFill>
-                  <a:latin typeface="Verdana" panose="020B0604030504040204" pitchFamily="34" charset="0"/>
-                  <a:ea typeface="ＭＳ Ｐゴシック" panose="020B0600070205080204" pitchFamily="34" charset="-128"/>
-                </a:defRPr>
-              </a:lvl4pPr>
-              <a:lvl5pPr marL="2057400" indent="-228600">
-                <a:defRPr>
-                  <a:solidFill>
-                    <a:schemeClr val="tx1"/>
-                  </a:solidFill>
-                  <a:latin typeface="Verdana" panose="020B0604030504040204" pitchFamily="34" charset="0"/>
-                  <a:ea typeface="ＭＳ Ｐゴシック" panose="020B0600070205080204" pitchFamily="34" charset="-128"/>
-                </a:defRPr>
-              </a:lvl5pPr>
-              <a:lvl6pPr marL="2514600" indent="-228600" eaLnBrk="0" fontAlgn="base" hangingPunct="0">
-                <a:spcBef>
-                  <a:spcPct val="0"/>
-                </a:spcBef>
-                <a:spcAft>
-                  <a:spcPct val="0"/>
-                </a:spcAft>
-                <a:defRPr>
-                  <a:solidFill>
-                    <a:schemeClr val="tx1"/>
-                  </a:solidFill>
-                  <a:latin typeface="Verdana" panose="020B0604030504040204" pitchFamily="34" charset="0"/>
-                  <a:ea typeface="ＭＳ Ｐゴシック" panose="020B0600070205080204" pitchFamily="34" charset="-128"/>
-                </a:defRPr>
-              </a:lvl6pPr>
-              <a:lvl7pPr marL="2971800" indent="-228600" eaLnBrk="0" fontAlgn="base" hangingPunct="0">
-                <a:spcBef>
-                  <a:spcPct val="0"/>
-                </a:spcBef>
-                <a:spcAft>
-                  <a:spcPct val="0"/>
-                </a:spcAft>
-                <a:defRPr>
-                  <a:solidFill>
-                    <a:schemeClr val="tx1"/>
-                  </a:solidFill>
-                  <a:latin typeface="Verdana" panose="020B0604030504040204" pitchFamily="34" charset="0"/>
-                  <a:ea typeface="ＭＳ Ｐゴシック" panose="020B0600070205080204" pitchFamily="34" charset="-128"/>
-                </a:defRPr>
-              </a:lvl7pPr>
-              <a:lvl8pPr marL="3429000" indent="-228600" eaLnBrk="0" fontAlgn="base" hangingPunct="0">
-                <a:spcBef>
-                  <a:spcPct val="0"/>
-                </a:spcBef>
-                <a:spcAft>
-                  <a:spcPct val="0"/>
-                </a:spcAft>
-                <a:defRPr>
-                  <a:solidFill>
-                    <a:schemeClr val="tx1"/>
-                  </a:solidFill>
-                  <a:latin typeface="Verdana" panose="020B0604030504040204" pitchFamily="34" charset="0"/>
-                  <a:ea typeface="ＭＳ Ｐゴシック" panose="020B0600070205080204" pitchFamily="34" charset="-128"/>
-                </a:defRPr>
-              </a:lvl8pPr>
-              <a:lvl9pPr marL="3886200" indent="-228600" eaLnBrk="0" fontAlgn="base" hangingPunct="0">
-                <a:spcBef>
-                  <a:spcPct val="0"/>
-                </a:spcBef>
-                <a:spcAft>
-                  <a:spcPct val="0"/>
-                </a:spcAft>
-                <a:defRPr>
-                  <a:solidFill>
-                    <a:schemeClr val="tx1"/>
-                  </a:solidFill>
-                  <a:latin typeface="Verdana" panose="020B0604030504040204" pitchFamily="34" charset="0"/>
-                  <a:ea typeface="ＭＳ Ｐゴシック" panose="020B0600070205080204" pitchFamily="34" charset="-128"/>
-                </a:defRPr>
-              </a:lvl9pPr>
-            </a:lstStyle>
-            <a:p>
-              <a:pPr>
-                <a:spcBef>
-                  <a:spcPct val="50000"/>
-                </a:spcBef>
-              </a:pPr>
-              <a:r>
-                <a:rPr lang="en-US" altLang="ja-JP" sz="2200" dirty="0">
-                  <a:latin typeface="Open Sans" panose="020B0606030504020204" pitchFamily="34" charset="0"/>
-                  <a:ea typeface="Open Sans" panose="020B0606030504020204" pitchFamily="34" charset="0"/>
-                  <a:cs typeface="Open Sans" panose="020B0606030504020204" pitchFamily="34" charset="0"/>
-                </a:rPr>
-                <a:t>Multiphysics</a:t>
-              </a:r>
-            </a:p>
-          </p:txBody>
-        </p:sp>
-      </p:grpSp>
-    </p:spTree>
-    <p:extLst>
-      <p:ext uri="{BB962C8B-B14F-4D97-AF65-F5344CB8AC3E}">
-        <p14:creationId xmlns:p14="http://schemas.microsoft.com/office/powerpoint/2010/main" val="307625798"/>
-      </p:ext>
-    </p:extLst>
-  </p:cSld>
-  <p:clrMapOvr>
-    <a:masterClrMapping/>
-  </p:clrMapOvr>
-</p:sld>
-</file>
-
-<file path=ppt/slides/slide14.xml><?xml version="1.0" encoding="utf-8"?>
-<p:sld xmlns:a="http://schemas.openxmlformats.org/drawingml/2006/main" xmlns:r="http://schemas.openxmlformats.org/officeDocument/2006/relationships" xmlns:p="http://schemas.openxmlformats.org/presentationml/2006/main">
-  <p:cSld>
-    <p:spTree>
-      <p:nvGrpSpPr>
-        <p:cNvPr id="1" name=""/>
-        <p:cNvGrpSpPr/>
-        <p:nvPr/>
-      </p:nvGrpSpPr>
-      <p:grpSpPr>
-        <a:xfrm>
-          <a:off x="0" y="0"/>
-          <a:ext cx="0" cy="0"/>
-          <a:chOff x="0" y="0"/>
-          <a:chExt cx="0" cy="0"/>
-        </a:xfrm>
-      </p:grpSpPr>
-      <p:sp>
-        <p:nvSpPr>
-          <p:cNvPr id="7" name="Title 1">
-            <a:extLst>
-              <a:ext uri="{FF2B5EF4-FFF2-40B4-BE49-F238E27FC236}">
-                <a16:creationId xmlns:a16="http://schemas.microsoft.com/office/drawing/2014/main" id="{1D2F6B4A-0DB0-4F8E-88C5-40B33819C585}"/>
-              </a:ext>
-            </a:extLst>
-          </p:cNvPr>
-          <p:cNvSpPr txBox="1">
-            <a:spLocks/>
-          </p:cNvSpPr>
-          <p:nvPr/>
-        </p:nvSpPr>
-        <p:spPr>
-          <a:xfrm>
-            <a:off x="533400" y="759656"/>
-            <a:ext cx="8229600" cy="1143000"/>
-          </a:xfrm>
-          <a:prstGeom prst="rect">
-            <a:avLst/>
-          </a:prstGeom>
-        </p:spPr>
-        <p:txBody>
-          <a:bodyPr vert="horz" lIns="91440" tIns="45720" rIns="91440" bIns="45720" rtlCol="0" anchor="ctr">
-            <a:noAutofit/>
-          </a:bodyPr>
-          <a:lstStyle>
-            <a:lvl1pPr algn="ctr" defTabSz="914400" rtl="0" eaLnBrk="1" latinLnBrk="0" hangingPunct="1">
-              <a:spcBef>
-                <a:spcPct val="0"/>
-              </a:spcBef>
-              <a:buNone/>
-              <a:defRPr sz="4400" kern="1200">
-                <a:solidFill>
-                  <a:schemeClr val="tx1"/>
-                </a:solidFill>
-                <a:latin typeface="+mj-lt"/>
-                <a:ea typeface="+mj-ea"/>
-                <a:cs typeface="+mj-cs"/>
-              </a:defRPr>
-            </a:lvl1pPr>
-          </a:lstStyle>
-          <a:p>
-            <a:pPr algn="l"/>
-            <a:r>
-              <a:rPr lang="en-US" b="1" dirty="0">
-                <a:latin typeface="Open Sans" panose="020B0606030504020204" pitchFamily="34" charset="0"/>
-                <a:ea typeface="Open Sans" panose="020B0606030504020204" pitchFamily="34" charset="0"/>
-                <a:cs typeface="Open Sans" panose="020B0606030504020204" pitchFamily="34" charset="0"/>
-              </a:rPr>
-              <a:t>Computational Solid and Structural Mechanics</a:t>
-            </a:r>
-          </a:p>
-        </p:txBody>
-      </p:sp>
-      <p:cxnSp>
-        <p:nvCxnSpPr>
-          <p:cNvPr id="4" name="Straight Connector 3"/>
-          <p:cNvCxnSpPr/>
-          <p:nvPr/>
-        </p:nvCxnSpPr>
-        <p:spPr>
-          <a:xfrm>
-            <a:off x="533400" y="1902656"/>
-            <a:ext cx="8077200" cy="0"/>
-          </a:xfrm>
-          <a:prstGeom prst="line">
-            <a:avLst/>
-          </a:prstGeom>
-          <a:ln>
-            <a:solidFill>
-              <a:schemeClr val="tx2">
-                <a:lumMod val="75000"/>
-              </a:schemeClr>
-            </a:solidFill>
-          </a:ln>
-        </p:spPr>
-        <p:style>
-          <a:lnRef idx="1">
-            <a:schemeClr val="accent1"/>
-          </a:lnRef>
-          <a:fillRef idx="0">
-            <a:schemeClr val="accent1"/>
-          </a:fillRef>
-          <a:effectRef idx="0">
-            <a:schemeClr val="accent1"/>
-          </a:effectRef>
-          <a:fontRef idx="minor">
-            <a:schemeClr val="tx1"/>
-          </a:fontRef>
-        </p:style>
-      </p:cxnSp>
-      <p:sp>
-        <p:nvSpPr>
-          <p:cNvPr id="8" name="Rectangle 7">
-            <a:extLst>
-              <a:ext uri="{FF2B5EF4-FFF2-40B4-BE49-F238E27FC236}">
-                <a16:creationId xmlns:a16="http://schemas.microsoft.com/office/drawing/2014/main" id="{6621F388-0A38-4EB5-A510-CA906F143ACD}"/>
-              </a:ext>
-            </a:extLst>
-          </p:cNvPr>
-          <p:cNvSpPr/>
-          <p:nvPr/>
-        </p:nvSpPr>
-        <p:spPr>
-          <a:xfrm>
-            <a:off x="0" y="6400800"/>
-            <a:ext cx="9144000" cy="533400"/>
-          </a:xfrm>
-          <a:prstGeom prst="rect">
-            <a:avLst/>
-          </a:prstGeom>
-          <a:solidFill>
-            <a:schemeClr val="tx2">
-              <a:lumMod val="60000"/>
-              <a:lumOff val="40000"/>
-            </a:schemeClr>
-          </a:solidFill>
-          <a:ln>
-            <a:noFill/>
-          </a:ln>
-        </p:spPr>
-        <p:style>
-          <a:lnRef idx="2">
-            <a:schemeClr val="accent1">
-              <a:shade val="50000"/>
-            </a:schemeClr>
-          </a:lnRef>
-          <a:fillRef idx="1">
-            <a:schemeClr val="accent1"/>
-          </a:fillRef>
-          <a:effectRef idx="0">
-            <a:schemeClr val="accent1"/>
-          </a:effectRef>
-          <a:fontRef idx="minor">
-            <a:schemeClr val="lt1"/>
-          </a:fontRef>
-        </p:style>
-        <p:txBody>
-          <a:bodyPr rtlCol="0" anchor="ctr"/>
-          <a:lstStyle/>
-          <a:p>
-            <a:pPr algn="ctr"/>
-            <a:endParaRPr lang="en-US" dirty="0"/>
-          </a:p>
-        </p:txBody>
-      </p:sp>
-      <p:sp>
-        <p:nvSpPr>
-          <p:cNvPr id="9" name="Rectangle 8">
-            <a:extLst>
-              <a:ext uri="{FF2B5EF4-FFF2-40B4-BE49-F238E27FC236}">
-                <a16:creationId xmlns:a16="http://schemas.microsoft.com/office/drawing/2014/main" id="{1FB26B22-9938-429E-8418-AD3A5FE50DFC}"/>
-              </a:ext>
-            </a:extLst>
-          </p:cNvPr>
-          <p:cNvSpPr/>
-          <p:nvPr/>
-        </p:nvSpPr>
-        <p:spPr>
-          <a:xfrm>
-            <a:off x="0" y="6400800"/>
-            <a:ext cx="9144000" cy="76200"/>
-          </a:xfrm>
-          <a:prstGeom prst="rect">
-            <a:avLst/>
-          </a:prstGeom>
-          <a:solidFill>
-            <a:schemeClr val="tx2">
-              <a:lumMod val="75000"/>
-            </a:schemeClr>
-          </a:solidFill>
-          <a:ln>
-            <a:noFill/>
-          </a:ln>
-        </p:spPr>
-        <p:style>
-          <a:lnRef idx="2">
-            <a:schemeClr val="accent1">
-              <a:shade val="50000"/>
-            </a:schemeClr>
-          </a:lnRef>
-          <a:fillRef idx="1">
-            <a:schemeClr val="accent1"/>
-          </a:fillRef>
-          <a:effectRef idx="0">
-            <a:schemeClr val="accent1"/>
-          </a:effectRef>
-          <a:fontRef idx="minor">
-            <a:schemeClr val="lt1"/>
-          </a:fontRef>
-        </p:style>
-        <p:txBody>
-          <a:bodyPr rtlCol="0" anchor="ctr"/>
-          <a:lstStyle/>
-          <a:p>
-            <a:pPr algn="ctr"/>
-            <a:endParaRPr lang="en-US"/>
-          </a:p>
-        </p:txBody>
-      </p:sp>
-      <p:grpSp>
-        <p:nvGrpSpPr>
           <p:cNvPr id="10" name="Group 23">
             <a:extLst>
               <a:ext uri="{FF2B5EF4-FFF2-40B4-BE49-F238E27FC236}">
@@ -9366,7 +9059,7 @@
 </p:sld>
 </file>
 
-<file path=ppt/slides/slide15.xml><?xml version="1.0" encoding="utf-8"?>
+<file path=ppt/slides/slide14.xml><?xml version="1.0" encoding="utf-8"?>
 <p:sld xmlns:a="http://schemas.openxmlformats.org/drawingml/2006/main" xmlns:r="http://schemas.openxmlformats.org/officeDocument/2006/relationships" xmlns:p="http://schemas.openxmlformats.org/presentationml/2006/main">
   <p:cSld>
     <p:spTree>
@@ -12678,7 +12371,7 @@
     </p:spTree>
     <p:extLst>
       <p:ext uri="{BB962C8B-B14F-4D97-AF65-F5344CB8AC3E}">
-        <p14:creationId xmlns:p14="http://schemas.microsoft.com/office/powerpoint/2010/main" val="2373683143"/>
+        <p14:creationId xmlns:p14="http://schemas.microsoft.com/office/powerpoint/2010/main" val="3771794589"/>
       </p:ext>
     </p:extLst>
   </p:cSld>
@@ -12774,7 +12467,7 @@
         <p:spPr>
           <a:xfrm>
             <a:off x="633046" y="2209800"/>
-            <a:ext cx="7825154" cy="3888544"/>
+            <a:ext cx="7825154" cy="3210791"/>
           </a:xfrm>
           <a:noFill/>
         </p:spPr>
@@ -12794,7 +12487,7 @@
                 <a:ea typeface="Open Sans" panose="020B0606030504020204" pitchFamily="34" charset="0"/>
                 <a:cs typeface="Open Sans" panose="020B0606030504020204" pitchFamily="34" charset="0"/>
               </a:rPr>
-              <a:t>Many problems in engineering are governed by differential or integral equations.</a:t>
+              <a:t>However, complexities in the geometry, loadings, properties and boundary conditions that are seen in most real-world problems usually mean that an exact solution cannot be obtained or obtained in a reasonable amount of time.</a:t>
             </a:r>
           </a:p>
           <a:p>
@@ -12819,8 +12512,19 @@
                 <a:ea typeface="Open Sans" panose="020B0606030504020204" pitchFamily="34" charset="0"/>
                 <a:cs typeface="Open Sans" panose="020B0606030504020204" pitchFamily="34" charset="0"/>
               </a:rPr>
-              <a:t>The solutions to these equations would provide an exact, closed-form solution to the particular problem being studied. </a:t>
+              <a:t>Therefore, it is necessary to seek and rely on a computational solution. </a:t>
             </a:r>
+          </a:p>
+          <a:p>
+            <a:pPr algn="just">
+              <a:buFont typeface="Wingdings" panose="05000000000000000000" pitchFamily="2" charset="2"/>
+              <a:buChar char="§"/>
+            </a:pPr>
+            <a:endParaRPr lang="en-US" sz="2400" dirty="0">
+              <a:latin typeface="Open Sans" panose="020B0606030504020204" pitchFamily="34" charset="0"/>
+              <a:ea typeface="Open Sans" panose="020B0606030504020204" pitchFamily="34" charset="0"/>
+              <a:cs typeface="Open Sans" panose="020B0606030504020204" pitchFamily="34" charset="0"/>
+            </a:endParaRPr>
           </a:p>
         </p:txBody>
       </p:sp>
@@ -12973,7 +12677,7 @@
     </p:spTree>
     <p:extLst>
       <p:ext uri="{BB962C8B-B14F-4D97-AF65-F5344CB8AC3E}">
-        <p14:creationId xmlns:p14="http://schemas.microsoft.com/office/powerpoint/2010/main" val="3771794589"/>
+        <p14:creationId xmlns:p14="http://schemas.microsoft.com/office/powerpoint/2010/main" val="2660146721"/>
       </p:ext>
     </p:extLst>
   </p:cSld>
@@ -13089,7 +12793,7 @@
                 <a:ea typeface="Open Sans" panose="020B0606030504020204" pitchFamily="34" charset="0"/>
                 <a:cs typeface="Open Sans" panose="020B0606030504020204" pitchFamily="34" charset="0"/>
               </a:rPr>
-              <a:t>However, complexities in the geometry, loadings, properties and boundary conditions that are seen in most real-world problems usually mean that an exact solution cannot be obtained or obtained in a reasonable amount of time.</a:t>
+              <a:t>This fundamental necessity and the steadfast improvement in the speed and memory size of computers since the 1950s have led to the emergence of computational Mechanics. </a:t>
             </a:r>
           </a:p>
           <a:p>
@@ -13114,7 +12818,7 @@
                 <a:ea typeface="Open Sans" panose="020B0606030504020204" pitchFamily="34" charset="0"/>
                 <a:cs typeface="Open Sans" panose="020B0606030504020204" pitchFamily="34" charset="0"/>
               </a:rPr>
-              <a:t>Therefore, it is necessary to seek and rely on a computational solution. </a:t>
+              <a:t>Consequently, several computational methods have been developed to obtain approximate solutions that can be readily obtained in a reasonable time frame, and with reasonable effort. </a:t>
             </a:r>
           </a:p>
           <a:p>
@@ -13279,7 +12983,7 @@
     </p:spTree>
     <p:extLst>
       <p:ext uri="{BB962C8B-B14F-4D97-AF65-F5344CB8AC3E}">
-        <p14:creationId xmlns:p14="http://schemas.microsoft.com/office/powerpoint/2010/main" val="2660146721"/>
+        <p14:creationId xmlns:p14="http://schemas.microsoft.com/office/powerpoint/2010/main" val="772809907"/>
       </p:ext>
     </p:extLst>
   </p:cSld>
@@ -13395,7 +13099,7 @@
                 <a:ea typeface="Open Sans" panose="020B0606030504020204" pitchFamily="34" charset="0"/>
                 <a:cs typeface="Open Sans" panose="020B0606030504020204" pitchFamily="34" charset="0"/>
               </a:rPr>
-              <a:t>This fundamental necessity and the steadfast improvement in the speed and memory size of computers since the 1950s have led to the emergence of computational Mechanics. </a:t>
+              <a:t>The computational techniques replace the governing differential or integral equations with systems of simultaneous algebraic equations, so that a computer can be used to obtain the solution.</a:t>
             </a:r>
           </a:p>
           <a:p>
@@ -13420,7 +13124,7 @@
                 <a:ea typeface="Open Sans" panose="020B0606030504020204" pitchFamily="34" charset="0"/>
                 <a:cs typeface="Open Sans" panose="020B0606030504020204" pitchFamily="34" charset="0"/>
               </a:rPr>
-              <a:t>Consequently, several computational methods have been developed to obtain approximate solutions that can be readily obtained in a reasonable time frame, and with reasonable effort. </a:t>
+              <a:t>The computational techniques yield approximate values of the unknowns at discrete number of points in the continuum.</a:t>
             </a:r>
           </a:p>
           <a:p>
@@ -13585,7 +13289,7 @@
     </p:spTree>
     <p:extLst>
       <p:ext uri="{BB962C8B-B14F-4D97-AF65-F5344CB8AC3E}">
-        <p14:creationId xmlns:p14="http://schemas.microsoft.com/office/powerpoint/2010/main" val="772809907"/>
+        <p14:creationId xmlns:p14="http://schemas.microsoft.com/office/powerpoint/2010/main" val="1551824605"/>
       </p:ext>
     </p:extLst>
   </p:cSld>
